--- a/dizdocs/dipl_practise.pptx
+++ b/dizdocs/dipl_practise.pptx
@@ -11,21 +11,21 @@
     <p:sldId id="256" r:id="rId2"/>
     <p:sldId id="293" r:id="rId3"/>
     <p:sldId id="299" r:id="rId4"/>
-    <p:sldId id="300" r:id="rId5"/>
-    <p:sldId id="298" r:id="rId6"/>
-    <p:sldId id="301" r:id="rId7"/>
-    <p:sldId id="283" r:id="rId8"/>
-    <p:sldId id="284" r:id="rId9"/>
-    <p:sldId id="282" r:id="rId10"/>
-    <p:sldId id="302" r:id="rId11"/>
-    <p:sldId id="304" r:id="rId12"/>
+    <p:sldId id="298" r:id="rId5"/>
+    <p:sldId id="301" r:id="rId6"/>
+    <p:sldId id="283" r:id="rId7"/>
+    <p:sldId id="284" r:id="rId8"/>
+    <p:sldId id="282" r:id="rId9"/>
+    <p:sldId id="302" r:id="rId10"/>
+    <p:sldId id="304" r:id="rId11"/>
+    <p:sldId id="300" r:id="rId12"/>
     <p:sldId id="260" r:id="rId13"/>
     <p:sldId id="291" r:id="rId14"/>
-    <p:sldId id="290" r:id="rId15"/>
-    <p:sldId id="286" r:id="rId16"/>
-    <p:sldId id="305" r:id="rId17"/>
-    <p:sldId id="297" r:id="rId18"/>
-    <p:sldId id="306" r:id="rId19"/>
+    <p:sldId id="306" r:id="rId15"/>
+    <p:sldId id="290" r:id="rId16"/>
+    <p:sldId id="286" r:id="rId17"/>
+    <p:sldId id="305" r:id="rId18"/>
+    <p:sldId id="297" r:id="rId19"/>
     <p:sldId id="269" r:id="rId20"/>
     <p:sldId id="268" r:id="rId21"/>
     <p:sldId id="270" r:id="rId22"/>
@@ -135,6 +135,9 @@
     <p:ext uri="{EFAFB233-063F-42B5-8137-9DF3F51BA10A}">
       <p15:sldGuideLst xmlns:p15="http://schemas.microsoft.com/office/powerpoint/2012/main"/>
     </p:ext>
+    <p:ext uri="{2D200454-40CA-4A62-9FC3-DE9A4176ACB9}">
+      <p15:notesGuideLst xmlns:p15="http://schemas.microsoft.com/office/powerpoint/2012/main"/>
+    </p:ext>
   </p:extLst>
 </p:presentation>
 </file>
@@ -266,7 +269,7 @@
           <a:p>
             <a:fld id="{49A3F619-4E85-401A-AB9F-B194067E8033}" type="datetimeFigureOut">
               <a:rPr lang="ru-RU" smtClean="0"/>
-              <a:t>27.05.2021</a:t>
+              <a:t>28.05.2021</a:t>
             </a:fld>
             <a:endParaRPr lang="ru-RU"/>
           </a:p>
@@ -661,7 +664,55 @@
           <a:bodyPr/>
           <a:lstStyle/>
           <a:p>
+            <a:pPr marL="0" indent="0">
+              <a:buNone/>
+            </a:pPr>
+            <a:r>
+              <a:rPr lang="ru-RU" dirty="0"/>
+              <a:t>Цель:</a:t>
+            </a:r>
+          </a:p>
+          <a:p>
+            <a:pPr marL="0" indent="0">
+              <a:buNone/>
+            </a:pPr>
+            <a:r>
+              <a:rPr lang="ru-RU" dirty="0"/>
+              <a:t>проектирование и разработка ИС для автоматизации процесса обучения алгоритмизации с помощью языка ДРАКОН.</a:t>
+            </a:r>
+          </a:p>
+          <a:p>
+            <a:pPr marL="0" indent="0">
+              <a:buNone/>
+            </a:pPr>
             <a:endParaRPr lang="ru-RU" dirty="0"/>
+          </a:p>
+          <a:p>
+            <a:pPr marL="0" indent="0">
+              <a:buNone/>
+            </a:pPr>
+            <a:r>
+              <a:rPr lang="ru-RU" dirty="0"/>
+              <a:t>Назначение: </a:t>
+            </a:r>
+          </a:p>
+          <a:p>
+            <a:r>
+              <a:rPr lang="ru-RU" dirty="0"/>
+              <a:t>автоматизация процесса обучения студентов основам алгоритмизации</a:t>
+            </a:r>
+          </a:p>
+          <a:p>
+            <a:r>
+              <a:rPr lang="ru-RU" dirty="0"/>
+              <a:t>снижение нагрузки на преподавателей</a:t>
+            </a:r>
+          </a:p>
+          <a:p>
+            <a:r>
+              <a:rPr lang="ru-RU" dirty="0"/>
+              <a:t>повышение практической пользы языка ДРАКОН</a:t>
+            </a:r>
           </a:p>
         </p:txBody>
       </p:sp>
@@ -682,7 +733,7 @@
           <a:p>
             <a:fld id="{51445AF8-C6EC-4BDD-A795-83822D331AF1}" type="slidenum">
               <a:rPr lang="ru-RU" smtClean="0"/>
-              <a:t>12</a:t>
+              <a:t>11</a:t>
             </a:fld>
             <a:endParaRPr lang="ru-RU"/>
           </a:p>
@@ -691,7 +742,7 @@
     </p:spTree>
     <p:extLst>
       <p:ext uri="{BB962C8B-B14F-4D97-AF65-F5344CB8AC3E}">
-        <p14:creationId xmlns:p14="http://schemas.microsoft.com/office/powerpoint/2010/main" val="3719616705"/>
+        <p14:creationId xmlns:p14="http://schemas.microsoft.com/office/powerpoint/2010/main" val="2612325833"/>
       </p:ext>
     </p:extLst>
   </p:cSld>
@@ -766,7 +817,7 @@
           <a:p>
             <a:fld id="{51445AF8-C6EC-4BDD-A795-83822D331AF1}" type="slidenum">
               <a:rPr lang="ru-RU" smtClean="0"/>
-              <a:t>13</a:t>
+              <a:t>12</a:t>
             </a:fld>
             <a:endParaRPr lang="ru-RU"/>
           </a:p>
@@ -775,7 +826,7 @@
     </p:spTree>
     <p:extLst>
       <p:ext uri="{BB962C8B-B14F-4D97-AF65-F5344CB8AC3E}">
-        <p14:creationId xmlns:p14="http://schemas.microsoft.com/office/powerpoint/2010/main" val="682851475"/>
+        <p14:creationId xmlns:p14="http://schemas.microsoft.com/office/powerpoint/2010/main" val="3719616705"/>
       </p:ext>
     </p:extLst>
   </p:cSld>
@@ -831,37 +882,8 @@
           <a:p>
             <a:r>
               <a:rPr lang="ru-RU" dirty="0"/>
-              <a:t>В рамках предъявляемых к ИС требований была спроектирована система со следующей физической архитектурой:</a:t>
-            </a:r>
-            <a:br>
-              <a:rPr lang="ru-RU" dirty="0"/>
-            </a:br>
-            <a:endParaRPr lang="ru-RU" dirty="0"/>
-          </a:p>
-          <a:p>
-            <a:r>
-              <a:rPr lang="ru-RU" dirty="0"/>
-              <a:t>Пользователь, использую рабочую станцию и открытый браузер, взаимодействует с сервером через сеть, используя протокол </a:t>
-            </a:r>
-            <a:r>
-              <a:rPr lang="en-US" dirty="0"/>
-              <a:t>HTTP</a:t>
-            </a:r>
-            <a:r>
-              <a:rPr lang="ru-RU" dirty="0"/>
-              <a:t>.</a:t>
-            </a:r>
-            <a:br>
-              <a:rPr lang="ru-RU" dirty="0"/>
-            </a:br>
-            <a:r>
-              <a:rPr lang="ru-RU" dirty="0"/>
-              <a:t>Серверная машина обеспечивает выполнение самой серверной службы и осуществляет хранение и взаимодействие с базой данных.</a:t>
-            </a:r>
-            <a:br>
-              <a:rPr lang="ru-RU" dirty="0"/>
-            </a:br>
-            <a:endParaRPr lang="ru-RU" dirty="0"/>
+              <a:t>Была разработана диаграмма сущность связь и БД, привязанная к ней</a:t>
+            </a:r>
           </a:p>
         </p:txBody>
       </p:sp>
@@ -882,7 +904,7 @@
           <a:p>
             <a:fld id="{51445AF8-C6EC-4BDD-A795-83822D331AF1}" type="slidenum">
               <a:rPr lang="ru-RU" smtClean="0"/>
-              <a:t>14</a:t>
+              <a:t>13</a:t>
             </a:fld>
             <a:endParaRPr lang="ru-RU"/>
           </a:p>
@@ -891,7 +913,7 @@
     </p:spTree>
     <p:extLst>
       <p:ext uri="{BB962C8B-B14F-4D97-AF65-F5344CB8AC3E}">
-        <p14:creationId xmlns:p14="http://schemas.microsoft.com/office/powerpoint/2010/main" val="3038349952"/>
+        <p14:creationId xmlns:p14="http://schemas.microsoft.com/office/powerpoint/2010/main" val="682851475"/>
       </p:ext>
     </p:extLst>
   </p:cSld>
@@ -947,48 +969,21 @@
           <a:p>
             <a:r>
               <a:rPr lang="ru-RU" dirty="0"/>
-              <a:t>С точки зрения логики выполнения программного продукта:</a:t>
-            </a:r>
-          </a:p>
-          <a:p>
+              <a:t>В рамках предъявляемых к ИС требований была спроектирована система со следующей физической архитектурой:</a:t>
+            </a:r>
+            <a:br>
+              <a:rPr lang="ru-RU" dirty="0"/>
+            </a:br>
             <a:endParaRPr lang="ru-RU" dirty="0"/>
           </a:p>
           <a:p>
             <a:r>
               <a:rPr lang="ru-RU" dirty="0"/>
-              <a:t>Реализован сервер на </a:t>
-            </a:r>
-            <a:r>
-              <a:rPr lang="ru-RU" dirty="0" err="1"/>
-              <a:t>фреймворке</a:t>
-            </a:r>
-            <a:r>
-              <a:rPr lang="ru-RU" dirty="0"/>
-              <a:t> </a:t>
-            </a:r>
-            <a:r>
-              <a:rPr lang="en-US" dirty="0" err="1"/>
-              <a:t>NestJS</a:t>
-            </a:r>
-            <a:r>
-              <a:rPr lang="ru-RU" dirty="0"/>
-              <a:t>, который с помощью библиотеки  </a:t>
-            </a:r>
-            <a:r>
-              <a:rPr lang="en-US" dirty="0" err="1"/>
-              <a:t>TypeORM</a:t>
+              <a:t>Пользователь, использую рабочую станцию и открытый браузер, взаимодействует с сервером через сеть, используя протокол </a:t>
             </a:r>
             <a:r>
               <a:rPr lang="en-US" dirty="0"/>
-              <a:t> </a:t>
-            </a:r>
-            <a:r>
-              <a:rPr lang="ru-RU" dirty="0"/>
-              <a:t>взаимодействует с базой данной </a:t>
-            </a:r>
-            <a:r>
-              <a:rPr lang="en-US" dirty="0"/>
-              <a:t>PostgreSQL</a:t>
+              <a:t>HTTP</a:t>
             </a:r>
             <a:r>
               <a:rPr lang="ru-RU" dirty="0"/>
@@ -997,29 +992,14 @@
             <a:br>
               <a:rPr lang="ru-RU" dirty="0"/>
             </a:br>
+            <a:r>
+              <a:rPr lang="ru-RU" dirty="0"/>
+              <a:t>Серверная машина обеспечивает выполнение самой серверной службы и осуществляет хранение и взаимодействие с базой данных.</a:t>
+            </a:r>
             <a:br>
               <a:rPr lang="ru-RU" dirty="0"/>
             </a:br>
-            <a:r>
-              <a:rPr lang="ru-RU" dirty="0"/>
-              <a:t>Общение между клиентом и сервером осуществляется при применения архитектурного стиля </a:t>
-            </a:r>
-            <a:r>
-              <a:rPr lang="en-US" dirty="0"/>
-              <a:t>RESTful API</a:t>
-            </a:r>
-            <a:r>
-              <a:rPr lang="ru-RU" dirty="0"/>
-              <a:t> через реализованные сервисы </a:t>
-            </a:r>
-            <a:r>
-              <a:rPr lang="en-US" dirty="0" err="1"/>
-              <a:t>NestJS</a:t>
-            </a:r>
-            <a:r>
-              <a:rPr lang="ru-RU" dirty="0"/>
-              <a:t> и сервисы-провайдеры клиента.</a:t>
-            </a:r>
+            <a:endParaRPr lang="ru-RU" dirty="0"/>
           </a:p>
         </p:txBody>
       </p:sp>
@@ -1049,7 +1029,7 @@
     </p:spTree>
     <p:extLst>
       <p:ext uri="{BB962C8B-B14F-4D97-AF65-F5344CB8AC3E}">
-        <p14:creationId xmlns:p14="http://schemas.microsoft.com/office/powerpoint/2010/main" val="151470465"/>
+        <p14:creationId xmlns:p14="http://schemas.microsoft.com/office/powerpoint/2010/main" val="3038349952"/>
       </p:ext>
     </p:extLst>
   </p:cSld>
@@ -1105,82 +1085,78 @@
           <a:p>
             <a:r>
               <a:rPr lang="ru-RU" dirty="0"/>
-              <a:t>Механизм аутентификации реализован по схеме </a:t>
+              <a:t>С точки зрения логики выполнения программного продукта:</a:t>
+            </a:r>
+          </a:p>
+          <a:p>
+            <a:endParaRPr lang="ru-RU" dirty="0"/>
+          </a:p>
+          <a:p>
+            <a:r>
+              <a:rPr lang="ru-RU" dirty="0"/>
+              <a:t>Реализован сервер на </a:t>
+            </a:r>
+            <a:r>
+              <a:rPr lang="ru-RU" dirty="0" err="1"/>
+              <a:t>фреймворке</a:t>
+            </a:r>
+            <a:r>
+              <a:rPr lang="ru-RU" dirty="0"/>
+              <a:t> </a:t>
+            </a:r>
+            <a:r>
+              <a:rPr lang="en-US" dirty="0" err="1"/>
+              <a:t>NestJS</a:t>
+            </a:r>
+            <a:r>
+              <a:rPr lang="ru-RU" dirty="0"/>
+              <a:t>, который с помощью библиотеки  </a:t>
+            </a:r>
+            <a:r>
+              <a:rPr lang="en-US" dirty="0" err="1"/>
+              <a:t>TypeORM</a:t>
             </a:r>
             <a:r>
               <a:rPr lang="en-US" dirty="0"/>
-              <a:t>Http Basic (</a:t>
-            </a:r>
-            <a:r>
-              <a:rPr lang="ru-RU" dirty="0"/>
-              <a:t>Логин + Пароль)</a:t>
-            </a:r>
-            <a:endParaRPr lang="en-US" dirty="0"/>
-          </a:p>
-          <a:p>
-            <a:endParaRPr lang="ru-RU" dirty="0"/>
-          </a:p>
-          <a:p>
-            <a:pPr marL="0" marR="0" lvl="0" indent="0" algn="l" defTabSz="914400" rtl="0" eaLnBrk="1" fontAlgn="auto" latinLnBrk="0" hangingPunct="1">
-              <a:lnSpc>
-                <a:spcPct val="100000"/>
-              </a:lnSpc>
-              <a:spcBef>
-                <a:spcPts val="0"/>
-              </a:spcBef>
-              <a:spcAft>
-                <a:spcPts val="0"/>
-              </a:spcAft>
-              <a:buClrTx/>
-              <a:buSzTx/>
-              <a:buFontTx/>
-              <a:buNone/>
-              <a:tabLst/>
-              <a:defRPr/>
-            </a:pPr>
-            <a:r>
-              <a:rPr lang="ru-RU" dirty="0"/>
-              <a:t>Механизм авторизации реализован по схеме </a:t>
+              <a:t> </a:t>
+            </a:r>
+            <a:r>
+              <a:rPr lang="ru-RU" dirty="0"/>
+              <a:t>взаимодействует с базой данной </a:t>
             </a:r>
             <a:r>
               <a:rPr lang="en-US" dirty="0"/>
-              <a:t>Http Bearer (JWT-token</a:t>
-            </a:r>
-            <a:r>
-              <a:rPr lang="ru-RU" dirty="0"/>
-              <a:t>)</a:t>
-            </a:r>
-            <a:endParaRPr lang="en-US" dirty="0"/>
-          </a:p>
-          <a:p>
-            <a:endParaRPr lang="ru-RU" dirty="0"/>
-          </a:p>
-          <a:p>
-            <a:r>
-              <a:rPr lang="ru-RU" dirty="0"/>
-              <a:t>Для доступа к защищенным путям используется специальный </a:t>
-            </a:r>
-            <a:r>
-              <a:rPr lang="ru-RU" dirty="0" err="1"/>
-              <a:t>токен</a:t>
-            </a:r>
-            <a:endParaRPr lang="ru-RU" dirty="0"/>
-          </a:p>
-          <a:p>
-            <a:endParaRPr lang="ru-RU" dirty="0"/>
-          </a:p>
-          <a:p>
-            <a:r>
-              <a:rPr lang="ru-RU" dirty="0"/>
-              <a:t>Число раундов соли характеризует степень защищенности пароля от атак грубой силы (</a:t>
+              <a:t>PostgreSQL</a:t>
+            </a:r>
+            <a:r>
+              <a:rPr lang="ru-RU" dirty="0"/>
+              <a:t>.</a:t>
+            </a:r>
+            <a:br>
+              <a:rPr lang="ru-RU" dirty="0"/>
+            </a:br>
+            <a:br>
+              <a:rPr lang="ru-RU" dirty="0"/>
+            </a:br>
+            <a:r>
+              <a:rPr lang="ru-RU" dirty="0"/>
+              <a:t>Общение между клиентом и сервером осуществляется при применения архитектурного стиля </a:t>
             </a:r>
             <a:r>
               <a:rPr lang="en-US" dirty="0"/>
-              <a:t>brute-force attack)</a:t>
-            </a:r>
-            <a:r>
-              <a:rPr lang="ru-RU" dirty="0"/>
-              <a:t> (множество паролей и фраз в надежде угадать верный)</a:t>
+              <a:t>RESTful API</a:t>
+            </a:r>
+            <a:r>
+              <a:rPr lang="ru-RU" dirty="0"/>
+              <a:t> через реализованные сервисы </a:t>
+            </a:r>
+            <a:r>
+              <a:rPr lang="en-US" dirty="0" err="1"/>
+              <a:t>NestJS</a:t>
+            </a:r>
+            <a:r>
+              <a:rPr lang="ru-RU" dirty="0"/>
+              <a:t> и сервисы-провайдеры клиента.</a:t>
             </a:r>
           </a:p>
         </p:txBody>
@@ -1202,7 +1178,7 @@
           <a:p>
             <a:fld id="{51445AF8-C6EC-4BDD-A795-83822D331AF1}" type="slidenum">
               <a:rPr lang="ru-RU" smtClean="0"/>
-              <a:t>17</a:t>
+              <a:t>16</a:t>
             </a:fld>
             <a:endParaRPr lang="ru-RU"/>
           </a:p>
@@ -1211,7 +1187,7 @@
     </p:spTree>
     <p:extLst>
       <p:ext uri="{BB962C8B-B14F-4D97-AF65-F5344CB8AC3E}">
-        <p14:creationId xmlns:p14="http://schemas.microsoft.com/office/powerpoint/2010/main" val="3365833459"/>
+        <p14:creationId xmlns:p14="http://schemas.microsoft.com/office/powerpoint/2010/main" val="151470465"/>
       </p:ext>
     </p:extLst>
   </p:cSld>
@@ -1267,7 +1243,82 @@
           <a:p>
             <a:r>
               <a:rPr lang="ru-RU" dirty="0"/>
-              <a:t>Входные данные программы представлены на слайде</a:t>
+              <a:t>Механизм аутентификации реализован по схеме </a:t>
+            </a:r>
+            <a:r>
+              <a:rPr lang="en-US" dirty="0"/>
+              <a:t>Http Basic (</a:t>
+            </a:r>
+            <a:r>
+              <a:rPr lang="ru-RU" dirty="0"/>
+              <a:t>Логин + Пароль)</a:t>
+            </a:r>
+            <a:endParaRPr lang="en-US" dirty="0"/>
+          </a:p>
+          <a:p>
+            <a:endParaRPr lang="ru-RU" dirty="0"/>
+          </a:p>
+          <a:p>
+            <a:pPr marL="0" marR="0" lvl="0" indent="0" algn="l" defTabSz="914400" rtl="0" eaLnBrk="1" fontAlgn="auto" latinLnBrk="0" hangingPunct="1">
+              <a:lnSpc>
+                <a:spcPct val="100000"/>
+              </a:lnSpc>
+              <a:spcBef>
+                <a:spcPts val="0"/>
+              </a:spcBef>
+              <a:spcAft>
+                <a:spcPts val="0"/>
+              </a:spcAft>
+              <a:buClrTx/>
+              <a:buSzTx/>
+              <a:buFontTx/>
+              <a:buNone/>
+              <a:tabLst/>
+              <a:defRPr/>
+            </a:pPr>
+            <a:r>
+              <a:rPr lang="ru-RU" dirty="0"/>
+              <a:t>Механизм авторизации реализован по схеме </a:t>
+            </a:r>
+            <a:r>
+              <a:rPr lang="en-US" dirty="0"/>
+              <a:t>Http Bearer (JWT-token</a:t>
+            </a:r>
+            <a:r>
+              <a:rPr lang="ru-RU" dirty="0"/>
+              <a:t>)</a:t>
+            </a:r>
+            <a:endParaRPr lang="en-US" dirty="0"/>
+          </a:p>
+          <a:p>
+            <a:endParaRPr lang="ru-RU" dirty="0"/>
+          </a:p>
+          <a:p>
+            <a:r>
+              <a:rPr lang="ru-RU" dirty="0"/>
+              <a:t>Для доступа к защищенным путям используется специальный </a:t>
+            </a:r>
+            <a:r>
+              <a:rPr lang="ru-RU" dirty="0" err="1"/>
+              <a:t>токен</a:t>
+            </a:r>
+            <a:endParaRPr lang="ru-RU" dirty="0"/>
+          </a:p>
+          <a:p>
+            <a:endParaRPr lang="ru-RU" dirty="0"/>
+          </a:p>
+          <a:p>
+            <a:r>
+              <a:rPr lang="ru-RU" dirty="0"/>
+              <a:t>Число раундов соли характеризует степень защищенности пароля от атак грубой силы (</a:t>
+            </a:r>
+            <a:r>
+              <a:rPr lang="en-US" dirty="0"/>
+              <a:t>brute-force attack)</a:t>
+            </a:r>
+            <a:r>
+              <a:rPr lang="ru-RU" dirty="0"/>
+              <a:t> (множество паролей и фраз в надежде угадать верный)</a:t>
             </a:r>
           </a:p>
         </p:txBody>
@@ -1289,7 +1340,7 @@
           <a:p>
             <a:fld id="{51445AF8-C6EC-4BDD-A795-83822D331AF1}" type="slidenum">
               <a:rPr lang="ru-RU" smtClean="0"/>
-              <a:t>19</a:t>
+              <a:t>18</a:t>
             </a:fld>
             <a:endParaRPr lang="ru-RU"/>
           </a:p>
@@ -1298,7 +1349,7 @@
     </p:spTree>
     <p:extLst>
       <p:ext uri="{BB962C8B-B14F-4D97-AF65-F5344CB8AC3E}">
-        <p14:creationId xmlns:p14="http://schemas.microsoft.com/office/powerpoint/2010/main" val="742509794"/>
+        <p14:creationId xmlns:p14="http://schemas.microsoft.com/office/powerpoint/2010/main" val="3365833459"/>
       </p:ext>
     </p:extLst>
   </p:cSld>
@@ -1354,7 +1405,7 @@
           <a:p>
             <a:r>
               <a:rPr lang="ru-RU" dirty="0"/>
-              <a:t>Выходные данные программы представлены на слайде</a:t>
+              <a:t>Входные данные программы представлены на слайде</a:t>
             </a:r>
           </a:p>
         </p:txBody>
@@ -1376,7 +1427,7 @@
           <a:p>
             <a:fld id="{51445AF8-C6EC-4BDD-A795-83822D331AF1}" type="slidenum">
               <a:rPr lang="ru-RU" smtClean="0"/>
-              <a:t>20</a:t>
+              <a:t>19</a:t>
             </a:fld>
             <a:endParaRPr lang="ru-RU"/>
           </a:p>
@@ -1385,7 +1436,7 @@
     </p:spTree>
     <p:extLst>
       <p:ext uri="{BB962C8B-B14F-4D97-AF65-F5344CB8AC3E}">
-        <p14:creationId xmlns:p14="http://schemas.microsoft.com/office/powerpoint/2010/main" val="3230441014"/>
+        <p14:creationId xmlns:p14="http://schemas.microsoft.com/office/powerpoint/2010/main" val="742509794"/>
       </p:ext>
     </p:extLst>
   </p:cSld>
@@ -1441,7 +1492,7 @@
           <a:p>
             <a:r>
               <a:rPr lang="ru-RU" dirty="0"/>
-              <a:t>Системные требования программы представлены на слайде</a:t>
+              <a:t>Выходные данные программы представлены на слайде</a:t>
             </a:r>
           </a:p>
         </p:txBody>
@@ -1463,7 +1514,7 @@
           <a:p>
             <a:fld id="{51445AF8-C6EC-4BDD-A795-83822D331AF1}" type="slidenum">
               <a:rPr lang="ru-RU" smtClean="0"/>
-              <a:t>21</a:t>
+              <a:t>20</a:t>
             </a:fld>
             <a:endParaRPr lang="ru-RU"/>
           </a:p>
@@ -1472,7 +1523,7 @@
     </p:spTree>
     <p:extLst>
       <p:ext uri="{BB962C8B-B14F-4D97-AF65-F5344CB8AC3E}">
-        <p14:creationId xmlns:p14="http://schemas.microsoft.com/office/powerpoint/2010/main" val="791709984"/>
+        <p14:creationId xmlns:p14="http://schemas.microsoft.com/office/powerpoint/2010/main" val="3230441014"/>
       </p:ext>
     </p:extLst>
   </p:cSld>
@@ -1550,7 +1601,7 @@
           <a:p>
             <a:fld id="{51445AF8-C6EC-4BDD-A795-83822D331AF1}" type="slidenum">
               <a:rPr lang="ru-RU" smtClean="0"/>
-              <a:t>22</a:t>
+              <a:t>21</a:t>
             </a:fld>
             <a:endParaRPr lang="ru-RU"/>
           </a:p>
@@ -1559,7 +1610,7 @@
     </p:spTree>
     <p:extLst>
       <p:ext uri="{BB962C8B-B14F-4D97-AF65-F5344CB8AC3E}">
-        <p14:creationId xmlns:p14="http://schemas.microsoft.com/office/powerpoint/2010/main" val="3253837271"/>
+        <p14:creationId xmlns:p14="http://schemas.microsoft.com/office/powerpoint/2010/main" val="791709984"/>
       </p:ext>
     </p:extLst>
   </p:cSld>
@@ -1613,7 +1664,10 @@
           <a:bodyPr/>
           <a:lstStyle/>
           <a:p>
-            <a:endParaRPr lang="ru-RU" dirty="0"/>
+            <a:r>
+              <a:rPr lang="ru-RU" dirty="0"/>
+              <a:t>Системные требования программы представлены на слайде</a:t>
+            </a:r>
           </a:p>
         </p:txBody>
       </p:sp>
@@ -1634,7 +1688,7 @@
           <a:p>
             <a:fld id="{51445AF8-C6EC-4BDD-A795-83822D331AF1}" type="slidenum">
               <a:rPr lang="ru-RU" smtClean="0"/>
-              <a:t>23</a:t>
+              <a:t>22</a:t>
             </a:fld>
             <a:endParaRPr lang="ru-RU"/>
           </a:p>
@@ -1643,7 +1697,7 @@
     </p:spTree>
     <p:extLst>
       <p:ext uri="{BB962C8B-B14F-4D97-AF65-F5344CB8AC3E}">
-        <p14:creationId xmlns:p14="http://schemas.microsoft.com/office/powerpoint/2010/main" val="3486147722"/>
+        <p14:creationId xmlns:p14="http://schemas.microsoft.com/office/powerpoint/2010/main" val="3253837271"/>
       </p:ext>
     </p:extLst>
   </p:cSld>
@@ -1781,6 +1835,90 @@
           <a:bodyPr/>
           <a:lstStyle/>
           <a:p>
+            <a:endParaRPr lang="ru-RU" dirty="0"/>
+          </a:p>
+        </p:txBody>
+      </p:sp>
+      <p:sp>
+        <p:nvSpPr>
+          <p:cNvPr id="4" name="Номер слайда 3"/>
+          <p:cNvSpPr>
+            <a:spLocks noGrp="1"/>
+          </p:cNvSpPr>
+          <p:nvPr>
+            <p:ph type="sldNum" sz="quarter" idx="5"/>
+          </p:nvPr>
+        </p:nvSpPr>
+        <p:spPr/>
+        <p:txBody>
+          <a:bodyPr/>
+          <a:lstStyle/>
+          <a:p>
+            <a:fld id="{51445AF8-C6EC-4BDD-A795-83822D331AF1}" type="slidenum">
+              <a:rPr lang="ru-RU" smtClean="0"/>
+              <a:t>23</a:t>
+            </a:fld>
+            <a:endParaRPr lang="ru-RU"/>
+          </a:p>
+        </p:txBody>
+      </p:sp>
+    </p:spTree>
+    <p:extLst>
+      <p:ext uri="{BB962C8B-B14F-4D97-AF65-F5344CB8AC3E}">
+        <p14:creationId xmlns:p14="http://schemas.microsoft.com/office/powerpoint/2010/main" val="3486147722"/>
+      </p:ext>
+    </p:extLst>
+  </p:cSld>
+  <p:clrMapOvr>
+    <a:masterClrMapping/>
+  </p:clrMapOvr>
+</p:notes>
+</file>
+
+<file path=ppt/notesSlides/notesSlide21.xml><?xml version="1.0" encoding="utf-8"?>
+<p:notes xmlns:a="http://schemas.openxmlformats.org/drawingml/2006/main" xmlns:r="http://schemas.openxmlformats.org/officeDocument/2006/relationships" xmlns:p="http://schemas.openxmlformats.org/presentationml/2006/main">
+  <p:cSld>
+    <p:spTree>
+      <p:nvGrpSpPr>
+        <p:cNvPr id="1" name=""/>
+        <p:cNvGrpSpPr/>
+        <p:nvPr/>
+      </p:nvGrpSpPr>
+      <p:grpSpPr>
+        <a:xfrm>
+          <a:off x="0" y="0"/>
+          <a:ext cx="0" cy="0"/>
+          <a:chOff x="0" y="0"/>
+          <a:chExt cx="0" cy="0"/>
+        </a:xfrm>
+      </p:grpSpPr>
+      <p:sp>
+        <p:nvSpPr>
+          <p:cNvPr id="2" name="Образ слайда 1"/>
+          <p:cNvSpPr>
+            <a:spLocks noGrp="1" noRot="1" noChangeAspect="1"/>
+          </p:cNvSpPr>
+          <p:nvPr>
+            <p:ph type="sldImg"/>
+          </p:nvPr>
+        </p:nvSpPr>
+        <p:spPr/>
+      </p:sp>
+      <p:sp>
+        <p:nvSpPr>
+          <p:cNvPr id="3" name="Заметки 2"/>
+          <p:cNvSpPr>
+            <a:spLocks noGrp="1"/>
+          </p:cNvSpPr>
+          <p:nvPr>
+            <p:ph type="body" idx="1"/>
+          </p:nvPr>
+        </p:nvSpPr>
+        <p:spPr/>
+        <p:txBody>
+          <a:bodyPr/>
+          <a:lstStyle/>
+          <a:p>
             <a:r>
               <a:rPr lang="ru-RU" dirty="0">
                 <a:latin typeface="Calibri" panose="020F0502020204030204" pitchFamily="34" charset="0"/>
@@ -1945,7 +2083,7 @@
 </p:notes>
 </file>
 
-<file path=ppt/notesSlides/notesSlide21.xml><?xml version="1.0" encoding="utf-8"?>
+<file path=ppt/notesSlides/notesSlide22.xml><?xml version="1.0" encoding="utf-8"?>
 <p:notes xmlns:a="http://schemas.openxmlformats.org/drawingml/2006/main" xmlns:r="http://schemas.openxmlformats.org/officeDocument/2006/relationships" xmlns:p="http://schemas.openxmlformats.org/presentationml/2006/main">
   <p:cSld>
     <p:spTree>
@@ -2135,54 +2273,156 @@
           <a:bodyPr/>
           <a:lstStyle/>
           <a:p>
-            <a:pPr marL="0" indent="0">
+            <a:pPr marL="0" marR="0" lvl="0" indent="0" algn="l" defTabSz="914400" rtl="0" eaLnBrk="1" fontAlgn="auto" latinLnBrk="0" hangingPunct="1">
+              <a:lnSpc>
+                <a:spcPct val="100000"/>
+              </a:lnSpc>
+              <a:spcBef>
+                <a:spcPts val="0"/>
+              </a:spcBef>
+              <a:spcAft>
+                <a:spcPts val="0"/>
+              </a:spcAft>
+              <a:buClrTx/>
+              <a:buSzTx/>
+              <a:buFontTx/>
               <a:buNone/>
+              <a:tabLst/>
+              <a:defRPr/>
             </a:pPr>
             <a:r>
               <a:rPr lang="ru-RU" dirty="0"/>
-              <a:t>Цель:</a:t>
-            </a:r>
-          </a:p>
-          <a:p>
-            <a:pPr marL="0" indent="0">
+              <a:t>Во многих сферах требуется создавать сложные программные комплексы для различных систем управления и систем реального времени.</a:t>
+            </a:r>
+            <a:br>
+              <a:rPr lang="ru-RU" dirty="0"/>
+            </a:br>
+            <a:r>
+              <a:rPr lang="ru-RU" dirty="0"/>
+              <a:t>Детали работы подобных систем знают инженеры, но не программисты.</a:t>
+            </a:r>
+          </a:p>
+          <a:p>
+            <a:pPr marL="0" marR="0" lvl="0" indent="0" algn="l" defTabSz="914400" rtl="0" eaLnBrk="1" fontAlgn="auto" latinLnBrk="0" hangingPunct="1">
+              <a:lnSpc>
+                <a:spcPct val="100000"/>
+              </a:lnSpc>
+              <a:spcBef>
+                <a:spcPts val="0"/>
+              </a:spcBef>
+              <a:spcAft>
+                <a:spcPts val="0"/>
+              </a:spcAft>
+              <a:buClrTx/>
+              <a:buSzTx/>
+              <a:buFontTx/>
               <a:buNone/>
+              <a:tabLst/>
+              <a:defRPr/>
             </a:pPr>
             <a:r>
               <a:rPr lang="ru-RU" dirty="0"/>
-              <a:t>проектирование и разработка ИС для автоматизации процесса обучения алгоритмизации с помощью языка ДРАКОН.</a:t>
-            </a:r>
-          </a:p>
-          <a:p>
-            <a:pPr marL="0" indent="0">
+              <a:t>И Для того, чтобы такие системы разрабатывались инженерами, в 80ых годах прошлого столетия был придуман и спроектирован язык ДРАКОН.</a:t>
+            </a:r>
+            <a:br>
+              <a:rPr lang="ru-RU" dirty="0"/>
+            </a:br>
+            <a:br>
+              <a:rPr lang="ru-RU" dirty="0"/>
+            </a:br>
+            <a:r>
+              <a:rPr lang="ru-RU" dirty="0"/>
+              <a:t>Будучи придуманным для разработчиков бортовых систем, язык ДРАКОН подходит для представления алгоритмов в любой сфере, в том числе в сфере образования, чем выгодно отличается от узкоспециализированных языков, разработанных для решения схожих с </a:t>
+            </a:r>
+            <a:r>
+              <a:rPr lang="ru-RU" dirty="0" err="1"/>
+              <a:t>ДРАКОНом</a:t>
+            </a:r>
+            <a:r>
+              <a:rPr lang="ru-RU" dirty="0"/>
+              <a:t> задач.</a:t>
+            </a:r>
+          </a:p>
+          <a:p>
+            <a:pPr marL="0" marR="0" lvl="0" indent="0" algn="l" defTabSz="914400" rtl="0" eaLnBrk="1" fontAlgn="auto" latinLnBrk="0" hangingPunct="1">
+              <a:lnSpc>
+                <a:spcPct val="100000"/>
+              </a:lnSpc>
+              <a:spcBef>
+                <a:spcPts val="0"/>
+              </a:spcBef>
+              <a:spcAft>
+                <a:spcPts val="0"/>
+              </a:spcAft>
+              <a:buClrTx/>
+              <a:buSzTx/>
+              <a:buFontTx/>
               <a:buNone/>
+              <a:tabLst/>
+              <a:defRPr/>
             </a:pPr>
             <a:endParaRPr lang="ru-RU" dirty="0"/>
           </a:p>
           <a:p>
-            <a:pPr marL="0" indent="0">
+            <a:pPr marL="0" marR="0" lvl="0" indent="0" algn="l" defTabSz="914400" rtl="0" eaLnBrk="1" fontAlgn="auto" latinLnBrk="0" hangingPunct="1">
+              <a:lnSpc>
+                <a:spcPct val="100000"/>
+              </a:lnSpc>
+              <a:spcBef>
+                <a:spcPts val="0"/>
+              </a:spcBef>
+              <a:spcAft>
+                <a:spcPts val="0"/>
+              </a:spcAft>
+              <a:buClrTx/>
+              <a:buSzTx/>
+              <a:buFontTx/>
               <a:buNone/>
+              <a:tabLst/>
+              <a:defRPr/>
             </a:pPr>
             <a:r>
-              <a:rPr lang="ru-RU" dirty="0"/>
-              <a:t>Назначение: </a:t>
-            </a:r>
-          </a:p>
-          <a:p>
-            <a:r>
-              <a:rPr lang="ru-RU" dirty="0"/>
-              <a:t>автоматизация процесса обучения студентов основам алгоритмизации</a:t>
-            </a:r>
-          </a:p>
-          <a:p>
-            <a:r>
-              <a:rPr lang="ru-RU" dirty="0"/>
-              <a:t>снижение нагрузки на преподавателей</a:t>
-            </a:r>
-          </a:p>
-          <a:p>
-            <a:r>
-              <a:rPr lang="ru-RU" dirty="0"/>
-              <a:t>повышение практической пользы языка ДРАКОН</a:t>
+              <a:rPr lang="en-US" dirty="0"/>
+              <a:t>[</a:t>
+            </a:r>
+            <a:r>
+              <a:rPr lang="ru-RU" dirty="0"/>
+              <a:t>Почему нельзя было просто нанять программистов?</a:t>
+            </a:r>
+            <a:r>
+              <a:rPr lang="en-US" dirty="0"/>
+              <a:t>]</a:t>
+            </a:r>
+            <a:endParaRPr lang="ru-RU" dirty="0"/>
+          </a:p>
+          <a:p>
+            <a:pPr marL="0" marR="0" lvl="0" indent="0" algn="l" defTabSz="914400" rtl="0" eaLnBrk="1" fontAlgn="auto" latinLnBrk="0" hangingPunct="1">
+              <a:lnSpc>
+                <a:spcPct val="100000"/>
+              </a:lnSpc>
+              <a:spcBef>
+                <a:spcPts val="0"/>
+              </a:spcBef>
+              <a:spcAft>
+                <a:spcPts val="0"/>
+              </a:spcAft>
+              <a:buClrTx/>
+              <a:buSzTx/>
+              <a:buFontTx/>
+              <a:buNone/>
+              <a:tabLst/>
+              <a:defRPr/>
+            </a:pPr>
+            <a:r>
+              <a:rPr lang="ru-RU" dirty="0"/>
+              <a:t>Большие расходы. Требуется много кадров-программистов. Их требуется обучить предметной области. Научить инженеров общаться с программистами.</a:t>
+            </a:r>
+            <a:br>
+              <a:rPr lang="ru-RU" dirty="0"/>
+            </a:br>
+            <a:r>
+              <a:rPr lang="ru-RU" dirty="0"/>
+              <a:t>Различие специализаций. Как написать программу – знали одни специалисты, как управлять системой – другие.</a:t>
             </a:r>
           </a:p>
         </p:txBody>
@@ -2213,7 +2453,7 @@
     </p:spTree>
     <p:extLst>
       <p:ext uri="{BB962C8B-B14F-4D97-AF65-F5344CB8AC3E}">
-        <p14:creationId xmlns:p14="http://schemas.microsoft.com/office/powerpoint/2010/main" val="2612325833"/>
+        <p14:creationId xmlns:p14="http://schemas.microsoft.com/office/powerpoint/2010/main" val="3070228472"/>
       </p:ext>
     </p:extLst>
   </p:cSld>
@@ -2267,145 +2507,16 @@
           <a:bodyPr/>
           <a:lstStyle/>
           <a:p>
-            <a:pPr marL="0" marR="0" lvl="0" indent="0" algn="l" defTabSz="914400" rtl="0" eaLnBrk="1" fontAlgn="auto" latinLnBrk="0" hangingPunct="1">
-              <a:lnSpc>
-                <a:spcPct val="100000"/>
-              </a:lnSpc>
-              <a:spcBef>
-                <a:spcPts val="0"/>
-              </a:spcBef>
-              <a:spcAft>
-                <a:spcPts val="0"/>
-              </a:spcAft>
-              <a:buClrTx/>
-              <a:buSzTx/>
-              <a:buFontTx/>
-              <a:buNone/>
-              <a:tabLst/>
-              <a:defRPr/>
-            </a:pPr>
-            <a:r>
-              <a:rPr lang="ru-RU" dirty="0"/>
-              <a:t>Большинство инженеров не умеют писать программный код, и для них в 1996 году, в рамках российской космической программы, была разработана специальная графическая система предоставляющая возможность разрабатывать сложные программные комплексы для бортовых систем.</a:t>
+            <a:r>
+              <a:rPr lang="ru-RU" dirty="0"/>
+              <a:t>Дракон в своё время решил главную проблему классических блок-схем: отсутствие строгой дисциплины в построении.</a:t>
             </a:r>
             <a:br>
               <a:rPr lang="ru-RU" dirty="0"/>
             </a:br>
             <a:r>
               <a:rPr lang="ru-RU" dirty="0"/>
-              <a:t>В основе той графической системы лежал язык ДРАКОН. Упор в котором делается на формализации правил построения блок-схем алгоритмов.</a:t>
-            </a:r>
-          </a:p>
-          <a:p>
-            <a:pPr marL="0" marR="0" lvl="0" indent="0" algn="l" defTabSz="914400" rtl="0" eaLnBrk="1" fontAlgn="auto" latinLnBrk="0" hangingPunct="1">
-              <a:lnSpc>
-                <a:spcPct val="100000"/>
-              </a:lnSpc>
-              <a:spcBef>
-                <a:spcPts val="0"/>
-              </a:spcBef>
-              <a:spcAft>
-                <a:spcPts val="0"/>
-              </a:spcAft>
-              <a:buClrTx/>
-              <a:buSzTx/>
-              <a:buFontTx/>
-              <a:buNone/>
-              <a:tabLst/>
-              <a:defRPr/>
-            </a:pPr>
-            <a:r>
-              <a:rPr lang="ru-RU" dirty="0"/>
-              <a:t>И хоть продолжение в космической отрасли язык ДРАКОН не сыскал.</a:t>
-            </a:r>
-            <a:br>
-              <a:rPr lang="ru-RU" dirty="0"/>
-            </a:br>
-            <a:r>
-              <a:rPr lang="ru-RU" dirty="0"/>
-              <a:t>Сегодня он нашёл применение в различных сферах, в том числе системе высшего и среднего образования.</a:t>
-            </a:r>
-          </a:p>
-          <a:p>
-            <a:pPr marL="0" marR="0" lvl="0" indent="0" algn="l" defTabSz="914400" rtl="0" eaLnBrk="1" fontAlgn="auto" latinLnBrk="0" hangingPunct="1">
-              <a:lnSpc>
-                <a:spcPct val="100000"/>
-              </a:lnSpc>
-              <a:spcBef>
-                <a:spcPts val="0"/>
-              </a:spcBef>
-              <a:spcAft>
-                <a:spcPts val="0"/>
-              </a:spcAft>
-              <a:buClrTx/>
-              <a:buSzTx/>
-              <a:buFontTx/>
-              <a:buNone/>
-              <a:tabLst/>
-              <a:defRPr/>
-            </a:pPr>
-            <a:endParaRPr lang="ru-RU" dirty="0"/>
-          </a:p>
-          <a:p>
-            <a:pPr marL="0" marR="0" lvl="0" indent="0" algn="l" defTabSz="914400" rtl="0" eaLnBrk="1" fontAlgn="auto" latinLnBrk="0" hangingPunct="1">
-              <a:lnSpc>
-                <a:spcPct val="100000"/>
-              </a:lnSpc>
-              <a:spcBef>
-                <a:spcPts val="0"/>
-              </a:spcBef>
-              <a:spcAft>
-                <a:spcPts val="0"/>
-              </a:spcAft>
-              <a:buClrTx/>
-              <a:buSzTx/>
-              <a:buFontTx/>
-              <a:buNone/>
-              <a:tabLst/>
-              <a:defRPr/>
-            </a:pPr>
-            <a:r>
-              <a:rPr lang="en-US" dirty="0"/>
-              <a:t>[</a:t>
-            </a:r>
-            <a:r>
-              <a:rPr lang="ru-RU" dirty="0"/>
-              <a:t>Почему нельзя было просто нанять программистов?</a:t>
-            </a:r>
-            <a:r>
-              <a:rPr lang="en-US" dirty="0"/>
-              <a:t>]</a:t>
-            </a:r>
-            <a:endParaRPr lang="ru-RU" dirty="0"/>
-          </a:p>
-          <a:p>
-            <a:pPr marL="0" marR="0" lvl="0" indent="0" algn="l" defTabSz="914400" rtl="0" eaLnBrk="1" fontAlgn="auto" latinLnBrk="0" hangingPunct="1">
-              <a:lnSpc>
-                <a:spcPct val="100000"/>
-              </a:lnSpc>
-              <a:spcBef>
-                <a:spcPts val="0"/>
-              </a:spcBef>
-              <a:spcAft>
-                <a:spcPts val="0"/>
-              </a:spcAft>
-              <a:buClrTx/>
-              <a:buSzTx/>
-              <a:buFontTx/>
-              <a:buNone/>
-              <a:tabLst/>
-              <a:defRPr/>
-            </a:pPr>
-            <a:r>
-              <a:rPr lang="ru-RU" dirty="0"/>
-              <a:t>Большие расходы. Требуется много кадров-программистов. Их требуется обучить предметной области. Научить инженеров общаться с программистами.</a:t>
-            </a:r>
-            <a:br>
-              <a:rPr lang="ru-RU" dirty="0"/>
-            </a:br>
-            <a:r>
-              <a:rPr lang="ru-RU" dirty="0"/>
-              <a:t>Различие специализаций. Как написать программу – знали одни специалисты, как управлять системой – другие.</a:t>
+              <a:t>В языке ДРАКОН каждый элемент схемы имеет собственное место и связан особым образом, что позволяет как упростить написание и чтение алгоритма, так и реализовать транслятор в текстовые ЯП удовлетворительной сложности.</a:t>
             </a:r>
           </a:p>
         </p:txBody>
@@ -2436,7 +2547,7 @@
     </p:spTree>
     <p:extLst>
       <p:ext uri="{BB962C8B-B14F-4D97-AF65-F5344CB8AC3E}">
-        <p14:creationId xmlns:p14="http://schemas.microsoft.com/office/powerpoint/2010/main" val="3070228472"/>
+        <p14:creationId xmlns:p14="http://schemas.microsoft.com/office/powerpoint/2010/main" val="1231962126"/>
       </p:ext>
     </p:extLst>
   </p:cSld>
@@ -2490,17 +2601,89 @@
           <a:bodyPr/>
           <a:lstStyle/>
           <a:p>
-            <a:r>
-              <a:rPr lang="ru-RU" dirty="0"/>
-              <a:t>Дракон в своё время решил главную проблему классических блок-схем: отсутствие строгой дисциплины в построении.</a:t>
-            </a:r>
+            <a:pPr marL="0" indent="0" algn="just">
+              <a:buFont typeface="+mj-lt"/>
+              <a:buNone/>
+            </a:pPr>
             <a:br>
               <a:rPr lang="ru-RU" dirty="0"/>
             </a:br>
             <a:r>
               <a:rPr lang="ru-RU" dirty="0"/>
-              <a:t>В языке ДРАКОН каждый элемент схемы имеет собственное место и связан особым образом, что позволяет как упростить написание и чтение алгоритма, так и реализовать транслятор в текстовой ЯП удовлетворительной сложности.</a:t>
-            </a:r>
+              <a:t>Были разработаны жесткие правила представления схем:</a:t>
+            </a:r>
+          </a:p>
+          <a:p>
+            <a:pPr marL="457200" indent="-457200" algn="just">
+              <a:buFont typeface="+mj-lt"/>
+              <a:buAutoNum type="arabicPeriod"/>
+            </a:pPr>
+            <a:r>
+              <a:rPr lang="ru-RU" dirty="0"/>
+              <a:t>У каждой ДРАКОН-схемы одна точка входа и один конец. А Её начало всегда располагается в левом верхнем углу.</a:t>
+            </a:r>
+          </a:p>
+          <a:p>
+            <a:pPr marL="457200" indent="-457200" algn="just">
+              <a:buFont typeface="+mj-lt"/>
+              <a:buAutoNum type="arabicPeriod"/>
+            </a:pPr>
+            <a:endParaRPr lang="ru-RU" dirty="0"/>
+          </a:p>
+          <a:p>
+            <a:pPr marL="457200" indent="-457200" algn="just">
+              <a:buFont typeface="+mj-lt"/>
+              <a:buAutoNum type="arabicPeriod"/>
+            </a:pPr>
+            <a:r>
+              <a:rPr lang="ru-RU" dirty="0"/>
+              <a:t>Все операции описываются внутри икон, а сам алгоритм описывается вертикально сверху вниз</a:t>
+            </a:r>
+          </a:p>
+          <a:p>
+            <a:pPr marL="457200" indent="-457200" algn="just">
+              <a:buFont typeface="+mj-lt"/>
+              <a:buAutoNum type="arabicPeriod" startAt="5"/>
+            </a:pPr>
+            <a:endParaRPr lang="ru-RU" sz="1200" dirty="0"/>
+          </a:p>
+          <a:p>
+            <a:pPr marL="0" indent="0" algn="just">
+              <a:buFont typeface="+mj-lt"/>
+              <a:buNone/>
+            </a:pPr>
+            <a:r>
+              <a:rPr lang="ru-RU" sz="1200" dirty="0"/>
+              <a:t>ПЕРЕКЛЮЧИТЬ</a:t>
+            </a:r>
+          </a:p>
+          <a:p>
+            <a:pPr marL="457200" indent="-457200" algn="just">
+              <a:buFont typeface="+mj-lt"/>
+              <a:buAutoNum type="arabicPeriod" startAt="5"/>
+            </a:pPr>
+            <a:endParaRPr lang="ru-RU" sz="1200" dirty="0"/>
+          </a:p>
+          <a:p>
+            <a:pPr marL="0" indent="0" algn="just">
+              <a:buFont typeface="+mj-lt"/>
+              <a:buNone/>
+            </a:pPr>
+            <a:r>
+              <a:rPr lang="ru-RU" sz="1200" dirty="0"/>
+              <a:t>3. 	Ветвление маршрутов осуществляются только вправо, при этом главный маршрут должен проходить как можно по более короткому пути.</a:t>
+            </a:r>
+          </a:p>
+          <a:p>
+            <a:pPr marL="0" indent="0" algn="just">
+              <a:buFont typeface="+mj-lt"/>
+              <a:buNone/>
+            </a:pPr>
+            <a:r>
+              <a:rPr lang="ru-RU" sz="1200" dirty="0"/>
+              <a:t>4.	Любые пересечения икон, веток и линий запрещены, сами линии всегда прямые и поворачивают только на угол в 90 градусов.</a:t>
+            </a:r>
+            <a:endParaRPr lang="ru-RU" dirty="0"/>
           </a:p>
         </p:txBody>
       </p:sp>
@@ -2530,7 +2713,7 @@
     </p:spTree>
     <p:extLst>
       <p:ext uri="{BB962C8B-B14F-4D97-AF65-F5344CB8AC3E}">
-        <p14:creationId xmlns:p14="http://schemas.microsoft.com/office/powerpoint/2010/main" val="1231962126"/>
+        <p14:creationId xmlns:p14="http://schemas.microsoft.com/office/powerpoint/2010/main" val="2347705048"/>
       </p:ext>
     </p:extLst>
   </p:cSld>
@@ -2584,124 +2767,83 @@
           <a:bodyPr/>
           <a:lstStyle/>
           <a:p>
-            <a:pPr marL="0" indent="0" algn="just">
-              <a:buFont typeface="+mj-lt"/>
-              <a:buNone/>
-            </a:pPr>
-            <a:r>
-              <a:rPr lang="ru-RU" dirty="0"/>
-              <a:t>Язык-ДРАКОН обладает несколькими несложными правилами</a:t>
-            </a:r>
-          </a:p>
-          <a:p>
-            <a:pPr marL="457200" indent="-457200" algn="just">
-              <a:buFont typeface="+mj-lt"/>
-              <a:buAutoNum type="arabicPeriod"/>
-            </a:pPr>
-            <a:r>
-              <a:rPr lang="ru-RU" dirty="0"/>
-              <a:t>У каждой ДРАКОН-схемы одна точка входа и один конец</a:t>
-            </a:r>
-          </a:p>
-          <a:p>
-            <a:pPr marL="457200" indent="-457200" algn="just">
-              <a:buFont typeface="+mj-lt"/>
-              <a:buAutoNum type="arabicPeriod"/>
-            </a:pPr>
-            <a:r>
-              <a:rPr lang="ru-RU" dirty="0"/>
-              <a:t>Начало алгоритма располагается всегда в левом верхнем углу</a:t>
-            </a:r>
-          </a:p>
-          <a:p>
-            <a:pPr marL="457200" indent="-457200" algn="just">
-              <a:buFont typeface="+mj-lt"/>
-              <a:buAutoNum type="arabicPeriod"/>
-            </a:pPr>
-            <a:r>
-              <a:rPr lang="ru-RU" dirty="0"/>
-              <a:t>Операции описываются внутри икон</a:t>
-            </a:r>
-          </a:p>
-          <a:p>
-            <a:pPr marL="457200" indent="-457200" algn="just">
-              <a:buFont typeface="+mj-lt"/>
-              <a:buAutoNum type="arabicPeriod"/>
-            </a:pPr>
-            <a:r>
-              <a:rPr lang="ru-RU" dirty="0"/>
-              <a:t>Алгоритм выполняется сверху вниз </a:t>
-            </a:r>
-            <a:r>
-              <a:rPr lang="en-US" dirty="0"/>
-              <a:t>[</a:t>
-            </a:r>
-            <a:r>
-              <a:rPr lang="ru-RU" dirty="0"/>
-              <a:t>ПЕРЕКЛЮЧИТЬ</a:t>
-            </a:r>
-            <a:r>
-              <a:rPr lang="en-US" dirty="0"/>
-              <a:t>]</a:t>
-            </a:r>
-            <a:endParaRPr lang="ru-RU" dirty="0"/>
-          </a:p>
-          <a:p>
-            <a:pPr marL="457200" indent="-457200" algn="just">
-              <a:buFont typeface="+mj-lt"/>
-              <a:buAutoNum type="arabicPeriod" startAt="5"/>
-            </a:pPr>
-            <a:r>
-              <a:rPr lang="ru-RU" sz="1200" dirty="0"/>
-              <a:t>Главный маршрут проходит по главной вертикали. Главный маршрут – самый позитивный ход алгоритма</a:t>
-            </a:r>
-          </a:p>
-          <a:p>
-            <a:pPr marL="457200" indent="-457200" algn="just">
-              <a:buFont typeface="+mj-lt"/>
-              <a:buAutoNum type="arabicPeriod" startAt="5"/>
-            </a:pPr>
-            <a:r>
-              <a:rPr lang="ru-RU" sz="1200" dirty="0"/>
-              <a:t>Ветвление </a:t>
-            </a:r>
-            <a:r>
-              <a:rPr lang="ru-RU" sz="1200" dirty="0" err="1"/>
-              <a:t>макроикон</a:t>
-            </a:r>
-            <a:r>
-              <a:rPr lang="ru-RU" sz="1200" dirty="0"/>
-              <a:t> осуществляется только вправо</a:t>
-            </a:r>
-          </a:p>
-          <a:p>
-            <a:pPr marL="457200" indent="-457200" algn="just">
-              <a:buFont typeface="+mj-lt"/>
-              <a:buAutoNum type="arabicPeriod" startAt="5"/>
-            </a:pPr>
-            <a:r>
-              <a:rPr lang="ru-RU" sz="1200" dirty="0"/>
-              <a:t>Пересечение любых икон запрещены</a:t>
-            </a:r>
-          </a:p>
-          <a:p>
-            <a:pPr marL="457200" indent="-457200" algn="just">
-              <a:buFont typeface="+mj-lt"/>
-              <a:buAutoNum type="arabicPeriod" startAt="5"/>
-            </a:pPr>
-            <a:r>
-              <a:rPr lang="ru-RU" sz="1200" dirty="0"/>
-              <a:t>Соединительные линии между иконами всегда прямые</a:t>
-            </a:r>
-          </a:p>
-          <a:p>
-            <a:pPr marL="457200" indent="-457200" algn="just">
-              <a:buFont typeface="+mj-lt"/>
-              <a:buAutoNum type="arabicPeriod" startAt="5"/>
-            </a:pPr>
-            <a:r>
-              <a:rPr lang="ru-RU" sz="1200" dirty="0"/>
-              <a:t>Пересечение линий также запрещены</a:t>
+            <a:r>
+              <a:rPr lang="ru-RU" b="0" i="0" dirty="0">
+                <a:solidFill>
+                  <a:srgbClr val="222222"/>
+                </a:solidFill>
+                <a:effectLst/>
+                <a:latin typeface="-apple-system"/>
+              </a:rPr>
+              <a:t>Алгоритмы можно представить с помощью двух основных конструкций – примитив и силуэт.</a:t>
+            </a:r>
+          </a:p>
+          <a:p>
+            <a:endParaRPr lang="ru-RU" b="0" i="0" dirty="0">
+              <a:solidFill>
+                <a:srgbClr val="222222"/>
+              </a:solidFill>
+              <a:effectLst/>
+              <a:latin typeface="-apple-system"/>
+            </a:endParaRPr>
+          </a:p>
+          <a:p>
+            <a:r>
+              <a:rPr lang="ru-RU" b="0" i="0" dirty="0">
+                <a:solidFill>
+                  <a:srgbClr val="222222"/>
+                </a:solidFill>
+                <a:effectLst/>
+                <a:latin typeface="-apple-system"/>
+              </a:rPr>
+              <a:t>Примитив содержит единственную последовательность икон, выполняемую сверху вниз.</a:t>
+            </a:r>
+            <a:br>
+              <a:rPr lang="ru-RU" b="0" i="0" dirty="0">
+                <a:solidFill>
+                  <a:srgbClr val="222222"/>
+                </a:solidFill>
+                <a:effectLst/>
+                <a:latin typeface="-apple-system"/>
+              </a:rPr>
+            </a:br>
+            <a:endParaRPr lang="ru-RU" b="0" i="0" dirty="0">
+              <a:solidFill>
+                <a:srgbClr val="222222"/>
+              </a:solidFill>
+              <a:effectLst/>
+              <a:latin typeface="-apple-system"/>
+            </a:endParaRPr>
+          </a:p>
+          <a:p>
+            <a:r>
+              <a:rPr lang="ru-RU" b="0" i="0" dirty="0">
+                <a:solidFill>
+                  <a:srgbClr val="222222"/>
+                </a:solidFill>
+                <a:effectLst/>
+                <a:latin typeface="-apple-system"/>
+              </a:rPr>
+              <a:t>Силуэт состоит из нескольких примитивов, называемых ветками. Ветки силуэта упорядочиваются слева-направо</a:t>
+            </a:r>
+            <a:br>
+              <a:rPr lang="ru-RU" b="0" i="0" dirty="0">
+                <a:solidFill>
+                  <a:srgbClr val="222222"/>
+                </a:solidFill>
+                <a:effectLst/>
+                <a:latin typeface="-apple-system"/>
+              </a:rPr>
+            </a:br>
+            <a:r>
+              <a:rPr lang="ru-RU" b="0" i="0" dirty="0">
+                <a:solidFill>
+                  <a:srgbClr val="222222"/>
+                </a:solidFill>
+                <a:effectLst/>
+                <a:latin typeface="-apple-system"/>
+              </a:rPr>
+              <a:t>Каждый примитив в ветке обозначается адресом, в который переходит процесс выполнения по достижению конца ветки</a:t>
             </a:r>
             <a:endParaRPr lang="ru-RU" dirty="0"/>
           </a:p>
@@ -2733,7 +2875,7 @@
     </p:spTree>
     <p:extLst>
       <p:ext uri="{BB962C8B-B14F-4D97-AF65-F5344CB8AC3E}">
-        <p14:creationId xmlns:p14="http://schemas.microsoft.com/office/powerpoint/2010/main" val="2347705048"/>
+        <p14:creationId xmlns:p14="http://schemas.microsoft.com/office/powerpoint/2010/main" val="657801881"/>
       </p:ext>
     </p:extLst>
   </p:cSld>
@@ -2787,85 +2929,32 @@
           <a:bodyPr/>
           <a:lstStyle/>
           <a:p>
-            <a:r>
-              <a:rPr lang="ru-RU" b="0" i="0" dirty="0">
-                <a:solidFill>
-                  <a:srgbClr val="222222"/>
-                </a:solidFill>
-                <a:effectLst/>
-                <a:latin typeface="-apple-system"/>
-              </a:rPr>
-              <a:t>Алгоритмы можно представить с помощью двух основных конструкций – примитив и силуэт.</a:t>
-            </a:r>
-          </a:p>
-          <a:p>
-            <a:endParaRPr lang="ru-RU" b="0" i="0" dirty="0">
-              <a:solidFill>
-                <a:srgbClr val="222222"/>
-              </a:solidFill>
-              <a:effectLst/>
-              <a:latin typeface="-apple-system"/>
-            </a:endParaRPr>
-          </a:p>
-          <a:p>
-            <a:r>
-              <a:rPr lang="ru-RU" b="0" i="0" dirty="0">
-                <a:solidFill>
-                  <a:srgbClr val="222222"/>
-                </a:solidFill>
-                <a:effectLst/>
-                <a:latin typeface="-apple-system"/>
-              </a:rPr>
-              <a:t>Примитив содержит единственную последовательность икон, выполняемую сверху вниз.</a:t>
-            </a:r>
+            <a:pPr marL="0" indent="0">
+              <a:buNone/>
+            </a:pPr>
+            <a:r>
+              <a:rPr lang="ru-RU" dirty="0"/>
+              <a:t>Поскольку ДРАКОН-схема однозначно представляется, то можно однозначно перевести алгоритм в некий язык программирования автоматизированным способом.</a:t>
+            </a:r>
+          </a:p>
+          <a:p>
+            <a:pPr marL="0" indent="0">
+              <a:buNone/>
+            </a:pPr>
             <a:br>
-              <a:rPr lang="ru-RU" b="0" i="0" dirty="0">
-                <a:solidFill>
-                  <a:srgbClr val="222222"/>
-                </a:solidFill>
-                <a:effectLst/>
-                <a:latin typeface="-apple-system"/>
-              </a:rPr>
+              <a:rPr lang="ru-RU" dirty="0"/>
             </a:br>
-            <a:endParaRPr lang="ru-RU" b="0" i="0" dirty="0">
-              <a:solidFill>
-                <a:srgbClr val="222222"/>
-              </a:solidFill>
-              <a:effectLst/>
-              <a:latin typeface="-apple-system"/>
-            </a:endParaRPr>
-          </a:p>
-          <a:p>
-            <a:r>
-              <a:rPr lang="ru-RU" b="0" i="0" dirty="0">
-                <a:solidFill>
-                  <a:srgbClr val="222222"/>
-                </a:solidFill>
-                <a:effectLst/>
-                <a:latin typeface="-apple-system"/>
-              </a:rPr>
-              <a:t>Силуэт состоит из нескольких примитивов, называемых ветками. Ветки силуэта упорядочиваются слева-направо</a:t>
+            <a:r>
+              <a:rPr lang="ru-RU" dirty="0"/>
+              <a:t>При соблюдении правил построения ДРАКОН-схем можно написать функцию трансляции, которая сопоставит конструкции языка ДРАКОН с конструкциями некоторого языка.</a:t>
             </a:r>
             <a:br>
-              <a:rPr lang="ru-RU" b="0" i="0" dirty="0">
-                <a:solidFill>
-                  <a:srgbClr val="222222"/>
-                </a:solidFill>
-                <a:effectLst/>
-                <a:latin typeface="-apple-system"/>
-              </a:rPr>
+              <a:rPr lang="ru-RU" dirty="0"/>
             </a:br>
             <a:r>
-              <a:rPr lang="ru-RU" b="0" i="0" dirty="0">
-                <a:solidFill>
-                  <a:srgbClr val="222222"/>
-                </a:solidFill>
-                <a:effectLst/>
-                <a:latin typeface="-apple-system"/>
-              </a:rPr>
-              <a:t>Каждый примитив в ветке обозначается адресом, в который переходит процесс выполнения по достижению конца ветки</a:t>
-            </a:r>
-            <a:endParaRPr lang="ru-RU" dirty="0"/>
+              <a:rPr lang="ru-RU" dirty="0"/>
+              <a:t>В результате получится код программы, готовый к выполнению.</a:t>
+            </a:r>
           </a:p>
         </p:txBody>
       </p:sp>
@@ -2895,7 +2984,7 @@
     </p:spTree>
     <p:extLst>
       <p:ext uri="{BB962C8B-B14F-4D97-AF65-F5344CB8AC3E}">
-        <p14:creationId xmlns:p14="http://schemas.microsoft.com/office/powerpoint/2010/main" val="657801881"/>
+        <p14:creationId xmlns:p14="http://schemas.microsoft.com/office/powerpoint/2010/main" val="1150973776"/>
       </p:ext>
     </p:extLst>
   </p:cSld>
@@ -2949,54 +3038,21 @@
           <a:bodyPr/>
           <a:lstStyle/>
           <a:p>
-            <a:pPr marL="0" indent="0">
-              <a:buNone/>
-            </a:pPr>
-            <a:r>
-              <a:rPr lang="ru-RU" dirty="0"/>
-              <a:t>Одним из достоинств языка ДРАКОН – его правила позволяют реализовать транслятор в любой процедурный язык программирования</a:t>
-            </a:r>
-          </a:p>
-          <a:p>
-            <a:pPr marL="0" indent="0">
-              <a:buNone/>
-            </a:pPr>
+            <a:r>
+              <a:rPr lang="ru-RU" dirty="0"/>
+              <a:t>Язык ДРАКОН официально включен в программу обучения для некоторых направлений высшего образования. Некоторые ВУЗы нашей страны используют данный язык для обучения студентов основам алгоритмизации.</a:t>
+            </a:r>
+            <a:br>
+              <a:rPr lang="ru-RU" dirty="0"/>
+            </a:br>
+            <a:r>
+              <a:rPr lang="ru-RU" dirty="0"/>
+              <a:t>И на это есть ряд причин:</a:t>
+            </a:r>
+            <a:br>
+              <a:rPr lang="ru-RU" dirty="0"/>
+            </a:br>
             <a:endParaRPr lang="ru-RU" dirty="0"/>
-          </a:p>
-          <a:p>
-            <a:pPr marL="0" indent="0">
-              <a:buNone/>
-            </a:pPr>
-            <a:r>
-              <a:rPr lang="ru-RU" dirty="0"/>
-              <a:t>Для этого необходимо реализовать ряд правил по оформлению содержимого икон.</a:t>
-            </a:r>
-          </a:p>
-          <a:p>
-            <a:pPr marL="0" indent="0">
-              <a:buNone/>
-            </a:pPr>
-            <a:r>
-              <a:rPr lang="ru-RU" dirty="0"/>
-              <a:t>После чего с помощью языка ДРАКОН и конструкций гибридного языка описать сам алгоритм.</a:t>
-            </a:r>
-            <a:br>
-              <a:rPr lang="ru-RU" dirty="0"/>
-            </a:br>
-            <a:br>
-              <a:rPr lang="ru-RU" dirty="0"/>
-            </a:br>
-            <a:r>
-              <a:rPr lang="ru-RU" dirty="0"/>
-              <a:t>При соблюдении правил построения ДРАКОН-схем можно написать функцию трансляции, которая сопоставит конструкции языка ДРАКОН с конструкциями конечного языка.</a:t>
-            </a:r>
-            <a:br>
-              <a:rPr lang="ru-RU" dirty="0"/>
-            </a:br>
-            <a:r>
-              <a:rPr lang="ru-RU" dirty="0"/>
-              <a:t>В результате получится код программы, готовый к выполнению.</a:t>
-            </a:r>
           </a:p>
         </p:txBody>
       </p:sp>
@@ -3026,7 +3082,7 @@
     </p:spTree>
     <p:extLst>
       <p:ext uri="{BB962C8B-B14F-4D97-AF65-F5344CB8AC3E}">
-        <p14:creationId xmlns:p14="http://schemas.microsoft.com/office/powerpoint/2010/main" val="1150973776"/>
+        <p14:creationId xmlns:p14="http://schemas.microsoft.com/office/powerpoint/2010/main" val="34991014"/>
       </p:ext>
     </p:extLst>
   </p:cSld>
@@ -3082,19 +3138,8 @@
           <a:p>
             <a:r>
               <a:rPr lang="ru-RU" dirty="0"/>
-              <a:t>Язык ДРАКОН официально включен в программу обучения для некоторых направлений высшего образования. Некоторые ВУЗы нашей страны используют данный язык для обучения студентов основам алгоритмизации.</a:t>
-            </a:r>
-            <a:br>
-              <a:rPr lang="ru-RU" dirty="0"/>
-            </a:br>
-            <a:r>
-              <a:rPr lang="ru-RU" dirty="0"/>
-              <a:t>И на это есть ряд причин:</a:t>
-            </a:r>
-            <a:br>
-              <a:rPr lang="ru-RU" dirty="0"/>
-            </a:br>
-            <a:endParaRPr lang="ru-RU" dirty="0"/>
+              <a:t>Для того, чтобы обучать алгоритмизации требуется не просто дать возможность писать программы, но создать среду обучения, которая должна обладать следующими качествами.</a:t>
+            </a:r>
           </a:p>
         </p:txBody>
       </p:sp>
@@ -3124,7 +3169,7 @@
     </p:spTree>
     <p:extLst>
       <p:ext uri="{BB962C8B-B14F-4D97-AF65-F5344CB8AC3E}">
-        <p14:creationId xmlns:p14="http://schemas.microsoft.com/office/powerpoint/2010/main" val="34991014"/>
+        <p14:creationId xmlns:p14="http://schemas.microsoft.com/office/powerpoint/2010/main" val="3921963955"/>
       </p:ext>
     </p:extLst>
   </p:cSld>
@@ -3303,7 +3348,7 @@
           <a:p>
             <a:fld id="{62AE3241-46A6-174A-8F19-3213B10CEE0C}" type="datetime1">
               <a:rPr lang="ru-RU" smtClean="0"/>
-              <a:t>27.05.2021</a:t>
+              <a:t>28.05.2021</a:t>
             </a:fld>
             <a:endParaRPr lang="en-US" dirty="0"/>
           </a:p>
@@ -3633,7 +3678,7 @@
           <a:p>
             <a:fld id="{5E8C3463-215C-EA45-B917-1ADAD461D17F}" type="datetime1">
               <a:rPr lang="ru-RU" smtClean="0"/>
-              <a:t>27.05.2021</a:t>
+              <a:t>28.05.2021</a:t>
             </a:fld>
             <a:endParaRPr lang="en-US" dirty="0"/>
           </a:p>
@@ -3813,7 +3858,7 @@
           <a:p>
             <a:fld id="{174209E6-A630-DE44-8E88-EBA71BAE8EE0}" type="datetime1">
               <a:rPr lang="ru-RU" smtClean="0"/>
-              <a:t>27.05.2021</a:t>
+              <a:t>28.05.2021</a:t>
             </a:fld>
             <a:endParaRPr lang="en-US" dirty="0"/>
           </a:p>
@@ -3908,7 +3953,7 @@
           <a:lstStyle/>
           <a:p>
             <a:r>
-              <a:rPr lang="ru-RU"/>
+              <a:rPr lang="ru-RU" dirty="0"/>
               <a:t>Образец заголовка</a:t>
             </a:r>
             <a:endParaRPr lang="en-US" dirty="0"/>
@@ -3928,39 +3973,61 @@
         <p:spPr/>
         <p:txBody>
           <a:bodyPr/>
-          <a:lstStyle/>
+          <a:lstStyle>
+            <a:lvl1pPr marL="384048" indent="-384048">
+              <a:buFont typeface="Arial" panose="020B0604020202020204" pitchFamily="34" charset="0"/>
+              <a:buChar char="•"/>
+              <a:defRPr sz="2800"/>
+            </a:lvl1pPr>
+            <a:lvl2pPr>
+              <a:defRPr sz="2400"/>
+            </a:lvl2pPr>
+            <a:lvl3pPr marL="1371600" indent="-384048">
+              <a:buFont typeface="Arial" panose="020B0604020202020204" pitchFamily="34" charset="0"/>
+              <a:buChar char="•"/>
+              <a:defRPr sz="2000"/>
+            </a:lvl3pPr>
+            <a:lvl4pPr>
+              <a:defRPr sz="2000"/>
+            </a:lvl4pPr>
+            <a:lvl5pPr marL="2286000" indent="-384048">
+              <a:buFont typeface="Arial" panose="020B0604020202020204" pitchFamily="34" charset="0"/>
+              <a:buChar char="•"/>
+              <a:defRPr sz="1800"/>
+            </a:lvl5pPr>
+          </a:lstStyle>
           <a:p>
             <a:pPr lvl="0"/>
             <a:r>
-              <a:rPr lang="ru-RU"/>
+              <a:rPr lang="ru-RU" dirty="0"/>
               <a:t>Образец текста</a:t>
             </a:r>
           </a:p>
           <a:p>
             <a:pPr lvl="1"/>
             <a:r>
-              <a:rPr lang="ru-RU"/>
+              <a:rPr lang="ru-RU" dirty="0"/>
               <a:t>Второй уровень</a:t>
             </a:r>
           </a:p>
           <a:p>
             <a:pPr lvl="2"/>
             <a:r>
-              <a:rPr lang="ru-RU"/>
+              <a:rPr lang="ru-RU" dirty="0"/>
               <a:t>Третий уровень</a:t>
             </a:r>
           </a:p>
           <a:p>
             <a:pPr lvl="3"/>
             <a:r>
-              <a:rPr lang="ru-RU"/>
+              <a:rPr lang="ru-RU" dirty="0"/>
               <a:t>Четвертый уровень</a:t>
             </a:r>
           </a:p>
           <a:p>
             <a:pPr lvl="4"/>
             <a:r>
-              <a:rPr lang="ru-RU"/>
+              <a:rPr lang="ru-RU" dirty="0"/>
               <a:t>Пятый уровень</a:t>
             </a:r>
             <a:endParaRPr lang="en-US" dirty="0"/>
@@ -3984,7 +4051,7 @@
           <a:p>
             <a:fld id="{0D6C3294-7A17-5547-93C5-2E9A7DCED528}" type="datetime1">
               <a:rPr lang="ru-RU" smtClean="0"/>
-              <a:t>27.05.2021</a:t>
+              <a:t>28.05.2021</a:t>
             </a:fld>
             <a:endParaRPr lang="en-US" dirty="0"/>
           </a:p>
@@ -4271,7 +4338,7 @@
           <a:p>
             <a:fld id="{AE46F606-2589-DA4B-85F0-7F6C49369CAA}" type="datetime1">
               <a:rPr lang="ru-RU" smtClean="0"/>
-              <a:t>27.05.2021</a:t>
+              <a:t>28.05.2021</a:t>
             </a:fld>
             <a:endParaRPr lang="en-US" dirty="0"/>
           </a:p>
@@ -4665,7 +4732,7 @@
           <a:p>
             <a:fld id="{F4C89706-8A7B-C54A-A6F4-0B24533DEB80}" type="datetime1">
               <a:rPr lang="ru-RU" smtClean="0"/>
-              <a:t>27.05.2021</a:t>
+              <a:t>28.05.2021</a:t>
             </a:fld>
             <a:endParaRPr lang="en-US" dirty="0"/>
           </a:p>
@@ -5142,7 +5209,7 @@
           <a:p>
             <a:fld id="{504FAB59-BF21-8441-8AB1-F0D7CEF8C0B1}" type="datetime1">
               <a:rPr lang="ru-RU" smtClean="0"/>
-              <a:t>27.05.2021</a:t>
+              <a:t>28.05.2021</a:t>
             </a:fld>
             <a:endParaRPr lang="en-US" dirty="0"/>
           </a:p>
@@ -5260,7 +5327,7 @@
           <a:p>
             <a:fld id="{10FD55EB-5648-CE46-A55A-5283D13BBF17}" type="datetime1">
               <a:rPr lang="ru-RU" smtClean="0"/>
-              <a:t>27.05.2021</a:t>
+              <a:t>28.05.2021</a:t>
             </a:fld>
             <a:endParaRPr lang="en-US" dirty="0"/>
           </a:p>
@@ -5355,7 +5422,7 @@
           <a:p>
             <a:fld id="{C959EE28-D22C-CF4D-BC91-E85D2C473E7F}" type="datetime1">
               <a:rPr lang="ru-RU" smtClean="0"/>
-              <a:t>27.05.2021</a:t>
+              <a:t>28.05.2021</a:t>
             </a:fld>
             <a:endParaRPr lang="en-US" dirty="0"/>
           </a:p>
@@ -5701,7 +5768,7 @@
           <a:p>
             <a:fld id="{D89BAB5C-B105-F740-8AC6-FDB6A84F66ED}" type="datetime1">
               <a:rPr lang="ru-RU" smtClean="0"/>
-              <a:t>27.05.2021</a:t>
+              <a:t>28.05.2021</a:t>
             </a:fld>
             <a:endParaRPr lang="en-US" dirty="0"/>
           </a:p>
@@ -6089,7 +6156,7 @@
           <a:p>
             <a:fld id="{F584361A-6439-3149-9F2D-66FA6BF4D879}" type="datetime1">
               <a:rPr lang="ru-RU" smtClean="0"/>
-              <a:t>27.05.2021</a:t>
+              <a:t>28.05.2021</a:t>
             </a:fld>
             <a:endParaRPr lang="en-US" dirty="0"/>
           </a:p>
@@ -6369,7 +6436,7 @@
           <a:p>
             <a:fld id="{F584361A-6439-3149-9F2D-66FA6BF4D879}" type="datetime1">
               <a:rPr lang="ru-RU" smtClean="0"/>
-              <a:t>27.05.2021</a:t>
+              <a:t>28.05.2021</a:t>
             </a:fld>
             <a:endParaRPr lang="en-US" dirty="0"/>
           </a:p>
@@ -6907,7 +6974,7 @@
         </p:spPr>
         <p:txBody>
           <a:bodyPr>
-            <a:normAutofit fontScale="90000"/>
+            <a:normAutofit/>
           </a:bodyPr>
           <a:lstStyle/>
           <a:p>
@@ -6920,32 +6987,25 @@
               <a:rPr lang="ru-RU" sz="3400" dirty="0"/>
             </a:br>
             <a:r>
-              <a:rPr lang="ru-RU" sz="3400" dirty="0"/>
-              <a:t>О прохождении преддипломной практики</a:t>
+              <a:rPr lang="ru-RU" sz="2800" dirty="0"/>
+              <a:t>по преддипломной практике</a:t>
             </a:r>
             <a:br>
-              <a:rPr lang="ru-RU" sz="3400" dirty="0"/>
+              <a:rPr lang="ru-RU" sz="2800" dirty="0"/>
             </a:br>
             <a:r>
-              <a:rPr lang="ru-RU" sz="3100" dirty="0"/>
-              <a:t>на кафедре «АСОИУ» АГТУ</a:t>
+              <a:rPr lang="ru-RU" sz="2800" dirty="0"/>
+              <a:t>на тему</a:t>
             </a:r>
             <a:br>
               <a:rPr lang="ru-RU" sz="3100" dirty="0"/>
             </a:br>
             <a:r>
-              <a:rPr lang="ru-RU" sz="3100" dirty="0"/>
-              <a:t>на тему</a:t>
-            </a:r>
-            <a:br>
-              <a:rPr lang="ru-RU" sz="3100" dirty="0"/>
-            </a:br>
-            <a:r>
-              <a:rPr lang="ru-RU" sz="3100" dirty="0"/>
+              <a:rPr lang="ru-RU" sz="3100" b="1" dirty="0"/>
               <a:t>Разработка интегрированной среды обучения алгоритмизации </a:t>
             </a:r>
             <a:r>
-              <a:rPr lang="en-US" sz="3100" dirty="0"/>
+              <a:rPr lang="en-US" sz="3100" b="1" dirty="0"/>
               <a:t>DRAKON IDE</a:t>
             </a:r>
             <a:br>
@@ -7137,162 +7197,6 @@
           <p:cNvPr id="2" name="Заголовок 1">
             <a:extLst>
               <a:ext uri="{FF2B5EF4-FFF2-40B4-BE49-F238E27FC236}">
-                <a16:creationId xmlns:a16="http://schemas.microsoft.com/office/drawing/2014/main" id="{2280FDB8-C220-4491-AAB2-A546660F4542}"/>
-              </a:ext>
-            </a:extLst>
-          </p:cNvPr>
-          <p:cNvSpPr>
-            <a:spLocks noGrp="1"/>
-          </p:cNvSpPr>
-          <p:nvPr>
-            <p:ph type="title"/>
-          </p:nvPr>
-        </p:nvSpPr>
-        <p:spPr>
-          <a:xfrm>
-            <a:off x="1390650" y="685800"/>
-            <a:ext cx="10150862" cy="1485900"/>
-          </a:xfrm>
-        </p:spPr>
-        <p:txBody>
-          <a:bodyPr>
-            <a:normAutofit fontScale="90000"/>
-          </a:bodyPr>
-          <a:lstStyle/>
-          <a:p>
-            <a:r>
-              <a:rPr lang="ru-RU" dirty="0"/>
-              <a:t>Язык ДРАКОН</a:t>
-            </a:r>
-            <a:br>
-              <a:rPr lang="ru-RU" dirty="0"/>
-            </a:br>
-            <a:r>
-              <a:rPr lang="ru-RU" dirty="0"/>
-              <a:t>как инструмент обучения программированию</a:t>
-            </a:r>
-          </a:p>
-        </p:txBody>
-      </p:sp>
-      <p:sp>
-        <p:nvSpPr>
-          <p:cNvPr id="3" name="Объект 2">
-            <a:extLst>
-              <a:ext uri="{FF2B5EF4-FFF2-40B4-BE49-F238E27FC236}">
-                <a16:creationId xmlns:a16="http://schemas.microsoft.com/office/drawing/2014/main" id="{FADF83A4-F4AD-4863-82CE-4708C6629C8D}"/>
-              </a:ext>
-            </a:extLst>
-          </p:cNvPr>
-          <p:cNvSpPr>
-            <a:spLocks noGrp="1"/>
-          </p:cNvSpPr>
-          <p:nvPr>
-            <p:ph idx="1"/>
-          </p:nvPr>
-        </p:nvSpPr>
-        <p:spPr>
-          <a:xfrm>
-            <a:off x="1371599" y="2286000"/>
-            <a:ext cx="10150861" cy="3581400"/>
-          </a:xfrm>
-        </p:spPr>
-        <p:txBody>
-          <a:bodyPr/>
-          <a:lstStyle/>
-          <a:p>
-            <a:r>
-              <a:rPr lang="ru-RU" dirty="0"/>
-              <a:t>Обладает низким порогом входа</a:t>
-            </a:r>
-          </a:p>
-          <a:p>
-            <a:r>
-              <a:rPr lang="ru-RU" dirty="0"/>
-              <a:t>Обладает преимуществом в наглядности в сравнении с классическими блок-схемами</a:t>
-            </a:r>
-          </a:p>
-          <a:p>
-            <a:r>
-              <a:rPr lang="ru-RU" dirty="0"/>
-              <a:t>Проще текстовых языков программирования</a:t>
-            </a:r>
-          </a:p>
-          <a:p>
-            <a:endParaRPr lang="ru-RU" dirty="0"/>
-          </a:p>
-          <a:p>
-            <a:endParaRPr lang="ru-RU" dirty="0"/>
-          </a:p>
-          <a:p>
-            <a:endParaRPr lang="ru-RU" dirty="0"/>
-          </a:p>
-        </p:txBody>
-      </p:sp>
-      <p:sp>
-        <p:nvSpPr>
-          <p:cNvPr id="4" name="Номер слайда 3">
-            <a:extLst>
-              <a:ext uri="{FF2B5EF4-FFF2-40B4-BE49-F238E27FC236}">
-                <a16:creationId xmlns:a16="http://schemas.microsoft.com/office/drawing/2014/main" id="{025F53E2-6E41-4560-9904-F5EA390FBAA4}"/>
-              </a:ext>
-            </a:extLst>
-          </p:cNvPr>
-          <p:cNvSpPr>
-            <a:spLocks noGrp="1"/>
-          </p:cNvSpPr>
-          <p:nvPr>
-            <p:ph type="sldNum" sz="quarter" idx="12"/>
-          </p:nvPr>
-        </p:nvSpPr>
-        <p:spPr/>
-        <p:txBody>
-          <a:bodyPr/>
-          <a:lstStyle/>
-          <a:p>
-            <a:fld id="{6D22F896-40B5-4ADD-8801-0D06FADFA095}" type="slidenum">
-              <a:rPr lang="en-US" smtClean="0"/>
-              <a:pPr/>
-              <a:t>10</a:t>
-            </a:fld>
-            <a:endParaRPr lang="en-US" dirty="0"/>
-          </a:p>
-        </p:txBody>
-      </p:sp>
-    </p:spTree>
-    <p:extLst>
-      <p:ext uri="{BB962C8B-B14F-4D97-AF65-F5344CB8AC3E}">
-        <p14:creationId xmlns:p14="http://schemas.microsoft.com/office/powerpoint/2010/main" val="1597983281"/>
-      </p:ext>
-    </p:extLst>
-  </p:cSld>
-  <p:clrMapOvr>
-    <a:masterClrMapping/>
-  </p:clrMapOvr>
-</p:sld>
-</file>
-
-<file path=ppt/slides/slide11.xml><?xml version="1.0" encoding="utf-8"?>
-<p:sld xmlns:a="http://schemas.openxmlformats.org/drawingml/2006/main" xmlns:r="http://schemas.openxmlformats.org/officeDocument/2006/relationships" xmlns:p="http://schemas.openxmlformats.org/presentationml/2006/main">
-  <p:cSld>
-    <p:spTree>
-      <p:nvGrpSpPr>
-        <p:cNvPr id="1" name=""/>
-        <p:cNvGrpSpPr/>
-        <p:nvPr/>
-      </p:nvGrpSpPr>
-      <p:grpSpPr>
-        <a:xfrm>
-          <a:off x="0" y="0"/>
-          <a:ext cx="0" cy="0"/>
-          <a:chOff x="0" y="0"/>
-          <a:chExt cx="0" cy="0"/>
-        </a:xfrm>
-      </p:grpSpPr>
-      <p:sp>
-        <p:nvSpPr>
-          <p:cNvPr id="2" name="Заголовок 1">
-            <a:extLst>
-              <a:ext uri="{FF2B5EF4-FFF2-40B4-BE49-F238E27FC236}">
                 <a16:creationId xmlns:a16="http://schemas.microsoft.com/office/drawing/2014/main" id="{E941F079-6038-444F-B9AD-681A7D45AA5B}"/>
               </a:ext>
             </a:extLst>
@@ -7334,8 +7238,8 @@
         </p:nvSpPr>
         <p:spPr>
           <a:xfrm>
-            <a:off x="1390650" y="1538868"/>
-            <a:ext cx="9601200" cy="3581400"/>
+            <a:off x="1081816" y="1485677"/>
+            <a:ext cx="10541978" cy="3581400"/>
           </a:xfrm>
         </p:spPr>
         <p:txBody>
@@ -7400,7 +7304,7 @@
             <a:fld id="{6D22F896-40B5-4ADD-8801-0D06FADFA095}" type="slidenum">
               <a:rPr lang="en-US" smtClean="0"/>
               <a:pPr/>
-              <a:t>11</a:t>
+              <a:t>10</a:t>
             </a:fld>
             <a:endParaRPr lang="en-US" dirty="0"/>
           </a:p>
@@ -7421,7 +7325,7 @@
           <p:nvPr/>
         </p:nvPicPr>
         <p:blipFill>
-          <a:blip r:embed="rId2">
+          <a:blip r:embed="rId3">
             <a:extLst>
               <a:ext uri="{28A0092B-C50C-407E-A947-70E740481C1C}">
                 <a14:useLocalDpi xmlns:a14="http://schemas.microsoft.com/office/drawing/2010/main" val="0"/>
@@ -7435,8 +7339,8 @@
         </p:blipFill>
         <p:spPr bwMode="auto">
           <a:xfrm>
-            <a:off x="2752725" y="3648655"/>
-            <a:ext cx="6877050" cy="2943225"/>
+            <a:off x="3417702" y="4587237"/>
+            <a:ext cx="5356595" cy="2292504"/>
           </a:xfrm>
           <a:prstGeom prst="rect">
             <a:avLst/>
@@ -7471,6 +7375,185 @@
 </p:sld>
 </file>
 
+<file path=ppt/slides/slide11.xml><?xml version="1.0" encoding="utf-8"?>
+<p:sld xmlns:a="http://schemas.openxmlformats.org/drawingml/2006/main" xmlns:r="http://schemas.openxmlformats.org/officeDocument/2006/relationships" xmlns:p="http://schemas.openxmlformats.org/presentationml/2006/main">
+  <p:cSld>
+    <p:spTree>
+      <p:nvGrpSpPr>
+        <p:cNvPr id="1" name=""/>
+        <p:cNvGrpSpPr/>
+        <p:nvPr/>
+      </p:nvGrpSpPr>
+      <p:grpSpPr>
+        <a:xfrm>
+          <a:off x="0" y="0"/>
+          <a:ext cx="0" cy="0"/>
+          <a:chOff x="0" y="0"/>
+          <a:chExt cx="0" cy="0"/>
+        </a:xfrm>
+      </p:grpSpPr>
+      <p:sp>
+        <p:nvSpPr>
+          <p:cNvPr id="2" name="Заголовок 1">
+            <a:extLst>
+              <a:ext uri="{FF2B5EF4-FFF2-40B4-BE49-F238E27FC236}">
+                <a16:creationId xmlns:a16="http://schemas.microsoft.com/office/drawing/2014/main" id="{E1BEE0FC-AC49-4A4A-9F7E-5235E846AD9B}"/>
+              </a:ext>
+            </a:extLst>
+          </p:cNvPr>
+          <p:cNvSpPr>
+            <a:spLocks noGrp="1"/>
+          </p:cNvSpPr>
+          <p:nvPr>
+            <p:ph type="title"/>
+          </p:nvPr>
+        </p:nvSpPr>
+        <p:spPr/>
+        <p:txBody>
+          <a:bodyPr/>
+          <a:lstStyle/>
+          <a:p>
+            <a:r>
+              <a:rPr lang="ru-RU" dirty="0"/>
+              <a:t>Цель и назначение</a:t>
+            </a:r>
+          </a:p>
+        </p:txBody>
+      </p:sp>
+      <p:sp>
+        <p:nvSpPr>
+          <p:cNvPr id="3" name="Объект 2">
+            <a:extLst>
+              <a:ext uri="{FF2B5EF4-FFF2-40B4-BE49-F238E27FC236}">
+                <a16:creationId xmlns:a16="http://schemas.microsoft.com/office/drawing/2014/main" id="{730790BB-B6D7-4303-9522-57B54B2E8FCE}"/>
+              </a:ext>
+            </a:extLst>
+          </p:cNvPr>
+          <p:cNvSpPr>
+            <a:spLocks noGrp="1"/>
+          </p:cNvSpPr>
+          <p:nvPr>
+            <p:ph idx="1"/>
+          </p:nvPr>
+        </p:nvSpPr>
+        <p:spPr>
+          <a:xfrm>
+            <a:off x="811097" y="1333144"/>
+            <a:ext cx="11761693" cy="5238385"/>
+          </a:xfrm>
+        </p:spPr>
+        <p:txBody>
+          <a:bodyPr>
+            <a:normAutofit/>
+          </a:bodyPr>
+          <a:lstStyle/>
+          <a:p>
+            <a:pPr marL="0" indent="0">
+              <a:buNone/>
+            </a:pPr>
+            <a:r>
+              <a:rPr lang="ru-RU" dirty="0"/>
+              <a:t>Цель:</a:t>
+            </a:r>
+          </a:p>
+          <a:p>
+            <a:pPr marL="0" indent="0">
+              <a:buNone/>
+            </a:pPr>
+            <a:r>
+              <a:rPr lang="ru-RU" dirty="0"/>
+              <a:t>Разработка ИС для автоматизации процесса обучения алгоритмизации с помощью языка ДРАКОН</a:t>
+            </a:r>
+          </a:p>
+          <a:p>
+            <a:pPr marL="0" indent="0">
+              <a:buNone/>
+            </a:pPr>
+            <a:endParaRPr lang="ru-RU" dirty="0"/>
+          </a:p>
+          <a:p>
+            <a:pPr marL="0" indent="0">
+              <a:buNone/>
+            </a:pPr>
+            <a:r>
+              <a:rPr lang="ru-RU" dirty="0"/>
+              <a:t>Назначение: </a:t>
+            </a:r>
+          </a:p>
+          <a:p>
+            <a:r>
+              <a:rPr lang="ru-RU" dirty="0"/>
+              <a:t>автоматизация процесса обучения студентов основам алгоритмизации</a:t>
+            </a:r>
+          </a:p>
+          <a:p>
+            <a:r>
+              <a:rPr lang="ru-RU" dirty="0"/>
+              <a:t>снижение нагрузки на преподавателей</a:t>
+            </a:r>
+          </a:p>
+          <a:p>
+            <a:r>
+              <a:rPr lang="ru-RU" dirty="0"/>
+              <a:t>повышение практической пользы языка ДРАКОН</a:t>
+            </a:r>
+          </a:p>
+        </p:txBody>
+      </p:sp>
+      <p:sp>
+        <p:nvSpPr>
+          <p:cNvPr id="4" name="Номер слайда 3">
+            <a:extLst>
+              <a:ext uri="{FF2B5EF4-FFF2-40B4-BE49-F238E27FC236}">
+                <a16:creationId xmlns:a16="http://schemas.microsoft.com/office/drawing/2014/main" id="{30AB7711-7170-4F3F-9DDF-E84A62E6B324}"/>
+              </a:ext>
+            </a:extLst>
+          </p:cNvPr>
+          <p:cNvSpPr>
+            <a:spLocks noGrp="1"/>
+          </p:cNvSpPr>
+          <p:nvPr>
+            <p:ph type="sldNum" sz="quarter" idx="12"/>
+          </p:nvPr>
+        </p:nvSpPr>
+        <p:spPr/>
+        <p:txBody>
+          <a:bodyPr/>
+          <a:lstStyle/>
+          <a:p>
+            <a:fld id="{6D22F896-40B5-4ADD-8801-0D06FADFA095}" type="slidenum">
+              <a:rPr lang="en-US" smtClean="0"/>
+              <a:t>11</a:t>
+            </a:fld>
+            <a:endParaRPr lang="en-US" dirty="0"/>
+          </a:p>
+        </p:txBody>
+      </p:sp>
+    </p:spTree>
+    <p:extLst>
+      <p:ext uri="{BB962C8B-B14F-4D97-AF65-F5344CB8AC3E}">
+        <p14:creationId xmlns:p14="http://schemas.microsoft.com/office/powerpoint/2010/main" val="2476212322"/>
+      </p:ext>
+    </p:extLst>
+  </p:cSld>
+  <p:clrMapOvr>
+    <a:masterClrMapping/>
+  </p:clrMapOvr>
+  <mc:AlternateContent xmlns:mc="http://schemas.openxmlformats.org/markup-compatibility/2006" xmlns:p14="http://schemas.microsoft.com/office/powerpoint/2010/main">
+    <mc:Choice Requires="p14">
+      <p:transition spd="med" p14:dur="700">
+        <p:fade/>
+      </p:transition>
+    </mc:Choice>
+    <mc:Fallback xmlns="">
+      <p:transition spd="med">
+        <p:fade/>
+      </p:transition>
+    </mc:Fallback>
+  </mc:AlternateContent>
+</p:sld>
+</file>
+
 <file path=ppt/slides/slide12.xml><?xml version="1.0" encoding="utf-8"?>
 <p:sld xmlns:a="http://schemas.openxmlformats.org/drawingml/2006/main" xmlns:r="http://schemas.openxmlformats.org/officeDocument/2006/relationships" xmlns:p="http://schemas.openxmlformats.org/presentationml/2006/main">
   <p:cSld>
@@ -7506,7 +7589,7 @@
         </p:nvSpPr>
         <p:spPr>
           <a:xfrm>
-            <a:off x="1616926" y="329482"/>
+            <a:off x="1616925" y="329482"/>
             <a:ext cx="9613861" cy="1080938"/>
           </a:xfrm>
         </p:spPr>
@@ -7554,10 +7637,10 @@
       </p:sp>
       <p:pic>
         <p:nvPicPr>
-          <p:cNvPr id="5" name="Рисунок 4">
+          <p:cNvPr id="8" name="Рисунок 7">
             <a:extLst>
               <a:ext uri="{FF2B5EF4-FFF2-40B4-BE49-F238E27FC236}">
-                <a16:creationId xmlns:a16="http://schemas.microsoft.com/office/drawing/2014/main" id="{E5B22FB1-3E97-4715-A0E8-5C1759EA8E12}"/>
+                <a16:creationId xmlns:a16="http://schemas.microsoft.com/office/drawing/2014/main" id="{655AC269-5C87-4098-849E-82B3F900F968}"/>
               </a:ext>
             </a:extLst>
           </p:cNvPr>
@@ -7574,8 +7657,8 @@
         </p:blipFill>
         <p:spPr>
           <a:xfrm>
-            <a:off x="1556059" y="1142577"/>
-            <a:ext cx="9735594" cy="5474784"/>
+            <a:off x="1145337" y="1196881"/>
+            <a:ext cx="10787291" cy="5420480"/>
           </a:xfrm>
           <a:prstGeom prst="rect">
             <a:avLst/>
@@ -7762,6 +7845,504 @@
           <p:cNvPr id="2" name="Заголовок 1">
             <a:extLst>
               <a:ext uri="{FF2B5EF4-FFF2-40B4-BE49-F238E27FC236}">
+                <a16:creationId xmlns:a16="http://schemas.microsoft.com/office/drawing/2014/main" id="{71CE5A6F-4100-4B63-BB12-5915B537747D}"/>
+              </a:ext>
+            </a:extLst>
+          </p:cNvPr>
+          <p:cNvSpPr>
+            <a:spLocks noGrp="1"/>
+          </p:cNvSpPr>
+          <p:nvPr>
+            <p:ph type="title"/>
+          </p:nvPr>
+        </p:nvSpPr>
+        <p:spPr>
+          <a:xfrm>
+            <a:off x="1295400" y="83635"/>
+            <a:ext cx="9601200" cy="1485900"/>
+          </a:xfrm>
+        </p:spPr>
+        <p:txBody>
+          <a:bodyPr/>
+          <a:lstStyle/>
+          <a:p>
+            <a:r>
+              <a:rPr lang="ru-RU" dirty="0"/>
+              <a:t>Формат сохранения ДРАКОН-схем в формате </a:t>
+            </a:r>
+            <a:r>
+              <a:rPr lang="en-US" dirty="0"/>
+              <a:t>JSON</a:t>
+            </a:r>
+            <a:endParaRPr lang="ru-RU" dirty="0"/>
+          </a:p>
+        </p:txBody>
+      </p:sp>
+      <p:sp>
+        <p:nvSpPr>
+          <p:cNvPr id="4" name="Номер слайда 3">
+            <a:extLst>
+              <a:ext uri="{FF2B5EF4-FFF2-40B4-BE49-F238E27FC236}">
+                <a16:creationId xmlns:a16="http://schemas.microsoft.com/office/drawing/2014/main" id="{1F74F841-593A-4C65-B57D-40BA5877898E}"/>
+              </a:ext>
+            </a:extLst>
+          </p:cNvPr>
+          <p:cNvSpPr>
+            <a:spLocks noGrp="1"/>
+          </p:cNvSpPr>
+          <p:nvPr>
+            <p:ph type="sldNum" sz="quarter" idx="12"/>
+          </p:nvPr>
+        </p:nvSpPr>
+        <p:spPr/>
+        <p:txBody>
+          <a:bodyPr/>
+          <a:lstStyle/>
+          <a:p>
+            <a:fld id="{6D22F896-40B5-4ADD-8801-0D06FADFA095}" type="slidenum">
+              <a:rPr lang="en-US" smtClean="0"/>
+              <a:pPr/>
+              <a:t>14</a:t>
+            </a:fld>
+            <a:endParaRPr lang="en-US" dirty="0"/>
+          </a:p>
+        </p:txBody>
+      </p:sp>
+      <p:sp>
+        <p:nvSpPr>
+          <p:cNvPr id="6" name="TextBox 5">
+            <a:extLst>
+              <a:ext uri="{FF2B5EF4-FFF2-40B4-BE49-F238E27FC236}">
+                <a16:creationId xmlns:a16="http://schemas.microsoft.com/office/drawing/2014/main" id="{AD74C247-9211-4325-B766-1BD1781E2FED}"/>
+              </a:ext>
+            </a:extLst>
+          </p:cNvPr>
+          <p:cNvSpPr txBox="1"/>
+          <p:nvPr/>
+        </p:nvSpPr>
+        <p:spPr>
+          <a:xfrm>
+            <a:off x="2311555" y="1457011"/>
+            <a:ext cx="7568890" cy="5262979"/>
+          </a:xfrm>
+          <a:prstGeom prst="rect">
+            <a:avLst/>
+          </a:prstGeom>
+        </p:spPr>
+        <p:style>
+          <a:lnRef idx="2">
+            <a:schemeClr val="dk1"/>
+          </a:lnRef>
+          <a:fillRef idx="1">
+            <a:schemeClr val="lt1"/>
+          </a:fillRef>
+          <a:effectRef idx="0">
+            <a:schemeClr val="dk1"/>
+          </a:effectRef>
+          <a:fontRef idx="minor">
+            <a:schemeClr val="dk1"/>
+          </a:fontRef>
+        </p:style>
+        <p:txBody>
+          <a:bodyPr wrap="square">
+            <a:spAutoFit/>
+          </a:bodyPr>
+          <a:lstStyle/>
+          <a:p>
+            <a:r>
+              <a:rPr lang="en-US" sz="1600" b="0" dirty="0">
+                <a:solidFill>
+                  <a:schemeClr val="tx1"/>
+                </a:solidFill>
+                <a:effectLst/>
+                <a:latin typeface="Consolas" panose="020B0609020204030204" pitchFamily="49" charset="0"/>
+              </a:rPr>
+              <a:t>{</a:t>
+            </a:r>
+          </a:p>
+          <a:p>
+            <a:r>
+              <a:rPr lang="en-US" sz="1600" b="0" dirty="0">
+                <a:solidFill>
+                  <a:schemeClr val="tx1"/>
+                </a:solidFill>
+                <a:effectLst/>
+                <a:latin typeface="Consolas" panose="020B0609020204030204" pitchFamily="49" charset="0"/>
+              </a:rPr>
+              <a:t>    "</a:t>
+            </a:r>
+            <a:r>
+              <a:rPr lang="en-US" sz="1600" b="0" dirty="0" err="1">
+                <a:solidFill>
+                  <a:schemeClr val="tx1"/>
+                </a:solidFill>
+                <a:effectLst/>
+                <a:latin typeface="Consolas" panose="020B0609020204030204" pitchFamily="49" charset="0"/>
+              </a:rPr>
+              <a:t>uuid</a:t>
+            </a:r>
+            <a:r>
+              <a:rPr lang="en-US" sz="1600" b="0" dirty="0">
+                <a:solidFill>
+                  <a:schemeClr val="tx1"/>
+                </a:solidFill>
+                <a:effectLst/>
+                <a:latin typeface="Consolas" panose="020B0609020204030204" pitchFamily="49" charset="0"/>
+              </a:rPr>
+              <a:t>": "c376022a-dd08-4c32-989f-ba86f960a7f4",</a:t>
+            </a:r>
+          </a:p>
+          <a:p>
+            <a:r>
+              <a:rPr lang="en-US" sz="1600" b="0" dirty="0">
+                <a:solidFill>
+                  <a:schemeClr val="tx1"/>
+                </a:solidFill>
+                <a:effectLst/>
+                <a:latin typeface="Consolas" panose="020B0609020204030204" pitchFamily="49" charset="0"/>
+              </a:rPr>
+              <a:t>    "name": "mySchema3",</a:t>
+            </a:r>
+          </a:p>
+          <a:p>
+            <a:r>
+              <a:rPr lang="en-US" sz="1600" b="0" dirty="0">
+                <a:solidFill>
+                  <a:schemeClr val="tx1"/>
+                </a:solidFill>
+                <a:effectLst/>
+                <a:latin typeface="Consolas" panose="020B0609020204030204" pitchFamily="49" charset="0"/>
+              </a:rPr>
+              <a:t>    "</a:t>
+            </a:r>
+            <a:r>
+              <a:rPr lang="en-US" sz="1600" b="0" dirty="0" err="1">
+                <a:solidFill>
+                  <a:schemeClr val="tx1"/>
+                </a:solidFill>
+                <a:effectLst/>
+                <a:latin typeface="Consolas" panose="020B0609020204030204" pitchFamily="49" charset="0"/>
+              </a:rPr>
+              <a:t>idUser</a:t>
+            </a:r>
+            <a:r>
+              <a:rPr lang="en-US" sz="1600" b="0" dirty="0">
+                <a:solidFill>
+                  <a:schemeClr val="tx1"/>
+                </a:solidFill>
+                <a:effectLst/>
+                <a:latin typeface="Consolas" panose="020B0609020204030204" pitchFamily="49" charset="0"/>
+              </a:rPr>
+              <a:t>": "d3dac628-ce84-4509-8ccb-7ec24f7a36dc",</a:t>
+            </a:r>
+          </a:p>
+          <a:p>
+            <a:r>
+              <a:rPr lang="en-US" sz="1600" b="0" dirty="0">
+                <a:solidFill>
+                  <a:schemeClr val="tx1"/>
+                </a:solidFill>
+                <a:effectLst/>
+                <a:latin typeface="Consolas" panose="020B0609020204030204" pitchFamily="49" charset="0"/>
+              </a:rPr>
+              <a:t>    "data": {</a:t>
+            </a:r>
+          </a:p>
+          <a:p>
+            <a:r>
+              <a:rPr lang="en-US" sz="1600" b="0" dirty="0">
+                <a:solidFill>
+                  <a:schemeClr val="tx1"/>
+                </a:solidFill>
+                <a:effectLst/>
+                <a:latin typeface="Consolas" panose="020B0609020204030204" pitchFamily="49" charset="0"/>
+              </a:rPr>
+              <a:t>        "0b66aa71-81e0-4bec-afce-3d06876dbe50": {</a:t>
+            </a:r>
+          </a:p>
+          <a:p>
+            <a:r>
+              <a:rPr lang="en-US" sz="1600" b="0" dirty="0">
+                <a:solidFill>
+                  <a:schemeClr val="tx1"/>
+                </a:solidFill>
+                <a:effectLst/>
+                <a:latin typeface="Consolas" panose="020B0609020204030204" pitchFamily="49" charset="0"/>
+              </a:rPr>
+              <a:t>            "id": "0b66aa71-81e0-4bec-afce-3d06876dbe50",</a:t>
+            </a:r>
+          </a:p>
+          <a:p>
+            <a:r>
+              <a:rPr lang="en-US" sz="1600" b="0" dirty="0">
+                <a:solidFill>
+                  <a:schemeClr val="tx1"/>
+                </a:solidFill>
+                <a:effectLst/>
+                <a:latin typeface="Consolas" panose="020B0609020204030204" pitchFamily="49" charset="0"/>
+              </a:rPr>
+              <a:t>            "next": "a451aa22-74c9-4b39-a20d-e36ae97921f0",</a:t>
+            </a:r>
+          </a:p>
+          <a:p>
+            <a:r>
+              <a:rPr lang="en-US" sz="1600" b="0" dirty="0">
+                <a:solidFill>
+                  <a:schemeClr val="tx1"/>
+                </a:solidFill>
+                <a:effectLst/>
+                <a:latin typeface="Consolas" panose="020B0609020204030204" pitchFamily="49" charset="0"/>
+              </a:rPr>
+              <a:t>            "type": "BEGIN“,</a:t>
+            </a:r>
+          </a:p>
+          <a:p>
+            <a:r>
+              <a:rPr lang="en-US" sz="1600" b="0" dirty="0">
+                <a:solidFill>
+                  <a:schemeClr val="tx1"/>
+                </a:solidFill>
+                <a:effectLst/>
+                <a:latin typeface="Consolas" panose="020B0609020204030204" pitchFamily="49" charset="0"/>
+              </a:rPr>
+              <a:t>			"text": “</a:t>
+            </a:r>
+            <a:r>
+              <a:rPr lang="en-US" sz="1600" b="0" dirty="0" err="1">
+                <a:solidFill>
+                  <a:schemeClr val="tx1"/>
+                </a:solidFill>
+                <a:effectLst/>
+                <a:latin typeface="Consolas" panose="020B0609020204030204" pitchFamily="49" charset="0"/>
+              </a:rPr>
+              <a:t>mySchemaName</a:t>
+            </a:r>
+            <a:r>
+              <a:rPr lang="en-US" sz="1600" b="0" dirty="0">
+                <a:solidFill>
+                  <a:schemeClr val="tx1"/>
+                </a:solidFill>
+                <a:effectLst/>
+                <a:latin typeface="Consolas" panose="020B0609020204030204" pitchFamily="49" charset="0"/>
+              </a:rPr>
+              <a:t>“,</a:t>
+            </a:r>
+          </a:p>
+          <a:p>
+            <a:r>
+              <a:rPr lang="en-US" sz="1600" dirty="0">
+                <a:solidFill>
+                  <a:schemeClr val="tx1"/>
+                </a:solidFill>
+                <a:latin typeface="Consolas" panose="020B0609020204030204" pitchFamily="49" charset="0"/>
+              </a:rPr>
+              <a:t>			</a:t>
+            </a:r>
+            <a:endParaRPr lang="en-US" sz="1600" b="0" dirty="0">
+              <a:solidFill>
+                <a:schemeClr val="tx1"/>
+              </a:solidFill>
+              <a:effectLst/>
+              <a:latin typeface="Consolas" panose="020B0609020204030204" pitchFamily="49" charset="0"/>
+            </a:endParaRPr>
+          </a:p>
+          <a:p>
+            <a:r>
+              <a:rPr lang="en-US" sz="1600" b="0" dirty="0">
+                <a:solidFill>
+                  <a:schemeClr val="tx1"/>
+                </a:solidFill>
+                <a:effectLst/>
+                <a:latin typeface="Consolas" panose="020B0609020204030204" pitchFamily="49" charset="0"/>
+              </a:rPr>
+              <a:t>        },</a:t>
+            </a:r>
+          </a:p>
+          <a:p>
+            <a:r>
+              <a:rPr lang="en-US" sz="1600" b="0" dirty="0">
+                <a:solidFill>
+                  <a:schemeClr val="tx1"/>
+                </a:solidFill>
+                <a:effectLst/>
+                <a:latin typeface="Consolas" panose="020B0609020204030204" pitchFamily="49" charset="0"/>
+              </a:rPr>
+              <a:t>        "a451aa22-74c9-4b39-a20d-e36ae97921f0": {</a:t>
+            </a:r>
+          </a:p>
+          <a:p>
+            <a:r>
+              <a:rPr lang="en-US" sz="1600" b="0" dirty="0">
+                <a:solidFill>
+                  <a:schemeClr val="tx1"/>
+                </a:solidFill>
+                <a:effectLst/>
+                <a:latin typeface="Consolas" panose="020B0609020204030204" pitchFamily="49" charset="0"/>
+              </a:rPr>
+              <a:t>            "id": "a451aa22-74c9-4b39-a20d-e36ae97921f0",</a:t>
+            </a:r>
+          </a:p>
+          <a:p>
+            <a:r>
+              <a:rPr lang="en-US" sz="1600" b="0" dirty="0">
+                <a:solidFill>
+                  <a:schemeClr val="tx1"/>
+                </a:solidFill>
+                <a:effectLst/>
+                <a:latin typeface="Consolas" panose="020B0609020204030204" pitchFamily="49" charset="0"/>
+              </a:rPr>
+              <a:t>            "next": "",</a:t>
+            </a:r>
+          </a:p>
+          <a:p>
+            <a:r>
+              <a:rPr lang="en-US" sz="1600" b="0" dirty="0">
+                <a:solidFill>
+                  <a:schemeClr val="tx1"/>
+                </a:solidFill>
+                <a:effectLst/>
+                <a:latin typeface="Consolas" panose="020B0609020204030204" pitchFamily="49" charset="0"/>
+              </a:rPr>
+              <a:t>            "type": "END"</a:t>
+            </a:r>
+          </a:p>
+          <a:p>
+            <a:r>
+              <a:rPr lang="en-US" sz="1600" b="0" dirty="0">
+                <a:solidFill>
+                  <a:schemeClr val="tx1"/>
+                </a:solidFill>
+                <a:effectLst/>
+                <a:latin typeface="Consolas" panose="020B0609020204030204" pitchFamily="49" charset="0"/>
+              </a:rPr>
+              <a:t>        }</a:t>
+            </a:r>
+          </a:p>
+          <a:p>
+            <a:r>
+              <a:rPr lang="en-US" sz="1600" b="0" dirty="0">
+                <a:solidFill>
+                  <a:schemeClr val="tx1"/>
+                </a:solidFill>
+                <a:effectLst/>
+                <a:latin typeface="Consolas" panose="020B0609020204030204" pitchFamily="49" charset="0"/>
+              </a:rPr>
+              <a:t>    },</a:t>
+            </a:r>
+          </a:p>
+          <a:p>
+            <a:r>
+              <a:rPr lang="en-US" sz="1600" b="0" dirty="0">
+                <a:solidFill>
+                  <a:schemeClr val="tx1"/>
+                </a:solidFill>
+                <a:effectLst/>
+                <a:latin typeface="Consolas" panose="020B0609020204030204" pitchFamily="49" charset="0"/>
+              </a:rPr>
+              <a:t>    "</a:t>
+            </a:r>
+            <a:r>
+              <a:rPr lang="en-US" sz="1600" b="0" dirty="0" err="1">
+                <a:solidFill>
+                  <a:schemeClr val="tx1"/>
+                </a:solidFill>
+                <a:effectLst/>
+                <a:latin typeface="Consolas" panose="020B0609020204030204" pitchFamily="49" charset="0"/>
+              </a:rPr>
+              <a:t>last_changed</a:t>
+            </a:r>
+            <a:r>
+              <a:rPr lang="en-US" sz="1600" b="0" dirty="0">
+                <a:solidFill>
+                  <a:schemeClr val="tx1"/>
+                </a:solidFill>
+                <a:effectLst/>
+                <a:latin typeface="Consolas" panose="020B0609020204030204" pitchFamily="49" charset="0"/>
+              </a:rPr>
+              <a:t>": null,</a:t>
+            </a:r>
+          </a:p>
+          <a:p>
+            <a:r>
+              <a:rPr lang="en-US" sz="1600" b="0" dirty="0">
+                <a:solidFill>
+                  <a:schemeClr val="tx1"/>
+                </a:solidFill>
+                <a:effectLst/>
+                <a:latin typeface="Consolas" panose="020B0609020204030204" pitchFamily="49" charset="0"/>
+              </a:rPr>
+              <a:t>    "</a:t>
+            </a:r>
+            <a:r>
+              <a:rPr lang="en-US" sz="1600" b="0" dirty="0" err="1">
+                <a:solidFill>
+                  <a:schemeClr val="tx1"/>
+                </a:solidFill>
+                <a:effectLst/>
+                <a:latin typeface="Consolas" panose="020B0609020204030204" pitchFamily="49" charset="0"/>
+              </a:rPr>
+              <a:t>last_changed_by_id</a:t>
+            </a:r>
+            <a:r>
+              <a:rPr lang="en-US" sz="1600" b="0" dirty="0">
+                <a:solidFill>
+                  <a:schemeClr val="tx1"/>
+                </a:solidFill>
+                <a:effectLst/>
+                <a:latin typeface="Consolas" panose="020B0609020204030204" pitchFamily="49" charset="0"/>
+              </a:rPr>
+              <a:t>": c376022a-dd08-4c32-989f-ba86f960a7f4</a:t>
+            </a:r>
+          </a:p>
+          <a:p>
+            <a:r>
+              <a:rPr lang="en-US" sz="1600" b="0" dirty="0">
+                <a:solidFill>
+                  <a:schemeClr val="tx1"/>
+                </a:solidFill>
+                <a:effectLst/>
+                <a:latin typeface="Consolas" panose="020B0609020204030204" pitchFamily="49" charset="0"/>
+              </a:rPr>
+              <a:t>}</a:t>
+            </a:r>
+          </a:p>
+        </p:txBody>
+      </p:sp>
+    </p:spTree>
+    <p:extLst>
+      <p:ext uri="{BB962C8B-B14F-4D97-AF65-F5344CB8AC3E}">
+        <p14:creationId xmlns:p14="http://schemas.microsoft.com/office/powerpoint/2010/main" val="445505137"/>
+      </p:ext>
+    </p:extLst>
+  </p:cSld>
+  <p:clrMapOvr>
+    <a:masterClrMapping/>
+  </p:clrMapOvr>
+</p:sld>
+</file>
+
+<file path=ppt/slides/slide15.xml><?xml version="1.0" encoding="utf-8"?>
+<p:sld xmlns:a="http://schemas.openxmlformats.org/drawingml/2006/main" xmlns:r="http://schemas.openxmlformats.org/officeDocument/2006/relationships" xmlns:p="http://schemas.openxmlformats.org/presentationml/2006/main">
+  <p:cSld>
+    <p:spTree>
+      <p:nvGrpSpPr>
+        <p:cNvPr id="1" name=""/>
+        <p:cNvGrpSpPr/>
+        <p:nvPr/>
+      </p:nvGrpSpPr>
+      <p:grpSpPr>
+        <a:xfrm>
+          <a:off x="0" y="0"/>
+          <a:ext cx="0" cy="0"/>
+          <a:chOff x="0" y="0"/>
+          <a:chExt cx="0" cy="0"/>
+        </a:xfrm>
+      </p:grpSpPr>
+      <p:sp>
+        <p:nvSpPr>
+          <p:cNvPr id="2" name="Заголовок 1">
+            <a:extLst>
+              <a:ext uri="{FF2B5EF4-FFF2-40B4-BE49-F238E27FC236}">
                 <a16:creationId xmlns:a16="http://schemas.microsoft.com/office/drawing/2014/main" id="{38F2220A-65B9-4D41-9502-D2E72DA92243}"/>
               </a:ext>
             </a:extLst>
@@ -7808,7 +8389,7 @@
           <a:p>
             <a:fld id="{6D22F896-40B5-4ADD-8801-0D06FADFA095}" type="slidenum">
               <a:rPr lang="en-US" smtClean="0"/>
-              <a:t>14</a:t>
+              <a:t>15</a:t>
             </a:fld>
             <a:endParaRPr lang="en-US" dirty="0"/>
           </a:p>
@@ -7880,7 +8461,7 @@
 </p:sld>
 </file>
 
-<file path=ppt/slides/slide15.xml><?xml version="1.0" encoding="utf-8"?>
+<file path=ppt/slides/slide16.xml><?xml version="1.0" encoding="utf-8"?>
 <p:sld xmlns:a="http://schemas.openxmlformats.org/drawingml/2006/main" xmlns:r="http://schemas.openxmlformats.org/officeDocument/2006/relationships" xmlns:p="http://schemas.openxmlformats.org/presentationml/2006/main">
   <p:cSld>
     <p:spTree>
@@ -7950,7 +8531,7 @@
           <a:p>
             <a:fld id="{6D22F896-40B5-4ADD-8801-0D06FADFA095}" type="slidenum">
               <a:rPr lang="en-US" smtClean="0"/>
-              <a:t>15</a:t>
+              <a:t>16</a:t>
             </a:fld>
             <a:endParaRPr lang="en-US" dirty="0"/>
           </a:p>
@@ -8009,7 +8590,7 @@
 </p:sld>
 </file>
 
-<file path=ppt/slides/slide16.xml><?xml version="1.0" encoding="utf-8"?>
+<file path=ppt/slides/slide17.xml><?xml version="1.0" encoding="utf-8"?>
 <p:sld xmlns:a="http://schemas.openxmlformats.org/drawingml/2006/main" xmlns:r="http://schemas.openxmlformats.org/officeDocument/2006/relationships" xmlns:p="http://schemas.openxmlformats.org/presentationml/2006/main">
   <p:cSld>
     <p:spTree>
@@ -8112,7 +8693,7 @@
             <a:fld id="{6D22F896-40B5-4ADD-8801-0D06FADFA095}" type="slidenum">
               <a:rPr lang="en-US" smtClean="0"/>
               <a:pPr/>
-              <a:t>16</a:t>
+              <a:t>17</a:t>
             </a:fld>
             <a:endParaRPr lang="en-US" dirty="0"/>
           </a:p>
@@ -8131,7 +8712,7 @@
 </p:sld>
 </file>
 
-<file path=ppt/slides/slide17.xml><?xml version="1.0" encoding="utf-8"?>
+<file path=ppt/slides/slide18.xml><?xml version="1.0" encoding="utf-8"?>
 <p:sld xmlns:a="http://schemas.openxmlformats.org/drawingml/2006/main" xmlns:r="http://schemas.openxmlformats.org/officeDocument/2006/relationships" xmlns:p="http://schemas.openxmlformats.org/presentationml/2006/main">
   <p:cSld>
     <p:spTree>
@@ -8194,138 +8775,29 @@
         </p:nvSpPr>
         <p:spPr>
           <a:xfrm>
-            <a:off x="680321" y="2090057"/>
-            <a:ext cx="9613861" cy="4648199"/>
+            <a:off x="2120937" y="1745811"/>
+            <a:ext cx="8140625" cy="4648199"/>
           </a:xfrm>
         </p:spPr>
         <p:txBody>
           <a:bodyPr>
-            <a:normAutofit fontScale="85000" lnSpcReduction="20000"/>
+            <a:normAutofit/>
           </a:bodyPr>
           <a:lstStyle/>
           <a:p>
             <a:pPr marL="0" indent="0">
               <a:buNone/>
             </a:pPr>
-            <a:r>
-              <a:rPr lang="ru-RU" dirty="0"/>
-              <a:t>Схема аутентификации</a:t>
-            </a:r>
-            <a:r>
-              <a:rPr lang="en-US" dirty="0"/>
-              <a:t>:</a:t>
-            </a:r>
-            <a:endParaRPr lang="ru-RU" dirty="0"/>
-          </a:p>
-          <a:p>
-            <a:r>
-              <a:rPr lang="en-US" dirty="0"/>
-              <a:t>Http Basic (RFC 7617)</a:t>
-            </a:r>
-          </a:p>
-          <a:p>
-            <a:endParaRPr lang="en-US" dirty="0"/>
+            <a:endParaRPr lang="ru-RU" sz="1800" dirty="0"/>
+          </a:p>
+          <a:p>
+            <a:endParaRPr lang="en-US" sz="1800" dirty="0"/>
           </a:p>
           <a:p>
             <a:pPr marL="0" indent="0">
               <a:buNone/>
             </a:pPr>
-            <a:r>
-              <a:rPr lang="ru-RU" dirty="0"/>
-              <a:t>Схема авторизации:</a:t>
-            </a:r>
-          </a:p>
-          <a:p>
-            <a:r>
-              <a:rPr lang="en-US" dirty="0"/>
-              <a:t>Http Bearer  (RFC 6750) </a:t>
-            </a:r>
-          </a:p>
-          <a:p>
-            <a:endParaRPr lang="en-US" dirty="0"/>
-          </a:p>
-          <a:p>
-            <a:pPr marL="0" indent="0">
-              <a:buNone/>
-            </a:pPr>
-            <a:r>
-              <a:rPr lang="en-US" dirty="0"/>
-              <a:t>Middleware </a:t>
-            </a:r>
-            <a:r>
-              <a:rPr lang="ru-RU" dirty="0"/>
-              <a:t>авторизации:</a:t>
-            </a:r>
-            <a:endParaRPr lang="en-US" dirty="0"/>
-          </a:p>
-          <a:p>
-            <a:r>
-              <a:rPr lang="en-US" dirty="0" err="1"/>
-              <a:t>passport.js</a:t>
-            </a:r>
-            <a:r>
-              <a:rPr lang="en-US" dirty="0"/>
-              <a:t>  </a:t>
-            </a:r>
-            <a:r>
-              <a:rPr lang="ru-RU" dirty="0"/>
-              <a:t>0.4.1</a:t>
-            </a:r>
-            <a:endParaRPr lang="en-US" dirty="0"/>
-          </a:p>
-          <a:p>
-            <a:r>
-              <a:rPr lang="en-US" dirty="0"/>
-              <a:t>passport-</a:t>
-            </a:r>
-            <a:r>
-              <a:rPr lang="en-US" dirty="0" err="1"/>
-              <a:t>jwt.js</a:t>
-            </a:r>
-            <a:r>
-              <a:rPr lang="en-US" dirty="0"/>
-              <a:t> 4.0.0</a:t>
-            </a:r>
-          </a:p>
-          <a:p>
-            <a:endParaRPr lang="en-US" dirty="0"/>
-          </a:p>
-          <a:p>
-            <a:pPr marL="0" indent="0">
-              <a:buNone/>
-            </a:pPr>
-            <a:r>
-              <a:rPr lang="ru-RU" dirty="0"/>
-              <a:t>Защита паролей</a:t>
-            </a:r>
-            <a:r>
-              <a:rPr lang="en-US" dirty="0"/>
-              <a:t>:</a:t>
-            </a:r>
-          </a:p>
-          <a:p>
-            <a:r>
-              <a:rPr lang="en-US" dirty="0" err="1"/>
-              <a:t>bcrypt</a:t>
-            </a:r>
-            <a:endParaRPr lang="en-US" dirty="0"/>
-          </a:p>
-          <a:p>
-            <a:r>
-              <a:rPr lang="ru-RU" dirty="0"/>
-              <a:t>Число раундов соли: 2</a:t>
-            </a:r>
-            <a:r>
-              <a:rPr lang="en-US" dirty="0"/>
-              <a:t>^10</a:t>
-            </a:r>
-            <a:endParaRPr lang="ru-RU" dirty="0"/>
-          </a:p>
-          <a:p>
-            <a:pPr marL="0" indent="0">
-              <a:buNone/>
-            </a:pPr>
-            <a:endParaRPr lang="ru-RU" dirty="0"/>
+            <a:endParaRPr lang="ru-RU" sz="1800" dirty="0"/>
           </a:p>
         </p:txBody>
       </p:sp>
@@ -8352,12 +8824,424 @@
           <a:p>
             <a:fld id="{6D22F896-40B5-4ADD-8801-0D06FADFA095}" type="slidenum">
               <a:rPr lang="en-US" smtClean="0"/>
-              <a:t>17</a:t>
+              <a:t>18</a:t>
             </a:fld>
             <a:endParaRPr lang="en-US" dirty="0"/>
           </a:p>
         </p:txBody>
       </p:sp>
+      <p:graphicFrame>
+        <p:nvGraphicFramePr>
+          <p:cNvPr id="5" name="Таблица 5">
+            <a:extLst>
+              <a:ext uri="{FF2B5EF4-FFF2-40B4-BE49-F238E27FC236}">
+                <a16:creationId xmlns:a16="http://schemas.microsoft.com/office/drawing/2014/main" id="{F1CD269E-8E74-4B2E-A2F1-9A8628E2AB3F}"/>
+              </a:ext>
+            </a:extLst>
+          </p:cNvPr>
+          <p:cNvGraphicFramePr>
+            <a:graphicFrameLocks noGrp="1"/>
+          </p:cNvGraphicFramePr>
+          <p:nvPr>
+            <p:extLst>
+              <p:ext uri="{D42A27DB-BD31-4B8C-83A1-F6EECF244321}">
+                <p14:modId xmlns:p14="http://schemas.microsoft.com/office/powerpoint/2010/main" val="4088736086"/>
+              </p:ext>
+            </p:extLst>
+          </p:nvPr>
+        </p:nvGraphicFramePr>
+        <p:xfrm>
+          <a:off x="2294398" y="2212247"/>
+          <a:ext cx="3471702" cy="792480"/>
+        </p:xfrm>
+        <a:graphic>
+          <a:graphicData uri="http://schemas.openxmlformats.org/drawingml/2006/table">
+            <a:tbl>
+              <a:tblPr firstRow="1" bandRow="1">
+                <a:tableStyleId>{5C22544A-7EE6-4342-B048-85BDC9FD1C3A}</a:tableStyleId>
+              </a:tblPr>
+              <a:tblGrid>
+                <a:gridCol w="3471702">
+                  <a:extLst>
+                    <a:ext uri="{9D8B030D-6E8A-4147-A177-3AD203B41FA5}">
+                      <a16:colId xmlns:a16="http://schemas.microsoft.com/office/drawing/2014/main" val="3312127302"/>
+                    </a:ext>
+                  </a:extLst>
+                </a:gridCol>
+              </a:tblGrid>
+              <a:tr h="370840">
+                <a:tc>
+                  <a:txBody>
+                    <a:bodyPr/>
+                    <a:lstStyle/>
+                    <a:p>
+                      <a:pPr marL="0" marR="0" lvl="0" indent="0" algn="l" defTabSz="914400" rtl="0" eaLnBrk="1" fontAlgn="auto" latinLnBrk="0" hangingPunct="1">
+                        <a:lnSpc>
+                          <a:spcPct val="100000"/>
+                        </a:lnSpc>
+                        <a:spcBef>
+                          <a:spcPts val="0"/>
+                        </a:spcBef>
+                        <a:spcAft>
+                          <a:spcPts val="0"/>
+                        </a:spcAft>
+                        <a:buClrTx/>
+                        <a:buSzTx/>
+                        <a:buFontTx/>
+                        <a:buNone/>
+                        <a:tabLst/>
+                        <a:defRPr/>
+                      </a:pPr>
+                      <a:r>
+                        <a:rPr lang="ru-RU" sz="2000" dirty="0"/>
+                        <a:t>Схема аутентификации</a:t>
+                      </a:r>
+                      <a:r>
+                        <a:rPr lang="en-US" sz="2000" dirty="0"/>
+                        <a:t>:</a:t>
+                      </a:r>
+                      <a:endParaRPr lang="ru-RU" sz="2000" dirty="0"/>
+                    </a:p>
+                  </a:txBody>
+                  <a:tcPr/>
+                </a:tc>
+                <a:extLst>
+                  <a:ext uri="{0D108BD9-81ED-4DB2-BD59-A6C34878D82A}">
+                    <a16:rowId xmlns:a16="http://schemas.microsoft.com/office/drawing/2014/main" val="493886329"/>
+                  </a:ext>
+                </a:extLst>
+              </a:tr>
+              <a:tr h="370840">
+                <a:tc>
+                  <a:txBody>
+                    <a:bodyPr/>
+                    <a:lstStyle/>
+                    <a:p>
+                      <a:pPr marL="0" marR="0" lvl="0" indent="0" algn="l" defTabSz="914400" rtl="0" eaLnBrk="1" fontAlgn="auto" latinLnBrk="0" hangingPunct="1">
+                        <a:lnSpc>
+                          <a:spcPct val="100000"/>
+                        </a:lnSpc>
+                        <a:spcBef>
+                          <a:spcPts val="0"/>
+                        </a:spcBef>
+                        <a:spcAft>
+                          <a:spcPts val="0"/>
+                        </a:spcAft>
+                        <a:buClrTx/>
+                        <a:buSzTx/>
+                        <a:buFontTx/>
+                        <a:buNone/>
+                        <a:tabLst/>
+                        <a:defRPr/>
+                      </a:pPr>
+                      <a:r>
+                        <a:rPr lang="en-US" sz="2000" b="1" dirty="0"/>
+                        <a:t>Http Basic (RFC 7617)</a:t>
+                      </a:r>
+                    </a:p>
+                  </a:txBody>
+                  <a:tcPr/>
+                </a:tc>
+                <a:extLst>
+                  <a:ext uri="{0D108BD9-81ED-4DB2-BD59-A6C34878D82A}">
+                    <a16:rowId xmlns:a16="http://schemas.microsoft.com/office/drawing/2014/main" val="1860568474"/>
+                  </a:ext>
+                </a:extLst>
+              </a:tr>
+            </a:tbl>
+          </a:graphicData>
+        </a:graphic>
+      </p:graphicFrame>
+      <p:graphicFrame>
+        <p:nvGraphicFramePr>
+          <p:cNvPr id="6" name="Таблица 5">
+            <a:extLst>
+              <a:ext uri="{FF2B5EF4-FFF2-40B4-BE49-F238E27FC236}">
+                <a16:creationId xmlns:a16="http://schemas.microsoft.com/office/drawing/2014/main" id="{A3D1E158-B111-4D4F-878B-C290B30AE1D2}"/>
+              </a:ext>
+            </a:extLst>
+          </p:cNvPr>
+          <p:cNvGraphicFramePr>
+            <a:graphicFrameLocks noGrp="1"/>
+          </p:cNvGraphicFramePr>
+          <p:nvPr>
+            <p:extLst>
+              <p:ext uri="{D42A27DB-BD31-4B8C-83A1-F6EECF244321}">
+                <p14:modId xmlns:p14="http://schemas.microsoft.com/office/powerpoint/2010/main" val="4115681805"/>
+              </p:ext>
+            </p:extLst>
+          </p:nvPr>
+        </p:nvGraphicFramePr>
+        <p:xfrm>
+          <a:off x="6599361" y="2212247"/>
+          <a:ext cx="3471702" cy="792480"/>
+        </p:xfrm>
+        <a:graphic>
+          <a:graphicData uri="http://schemas.openxmlformats.org/drawingml/2006/table">
+            <a:tbl>
+              <a:tblPr firstRow="1" bandRow="1">
+                <a:tableStyleId>{5C22544A-7EE6-4342-B048-85BDC9FD1C3A}</a:tableStyleId>
+              </a:tblPr>
+              <a:tblGrid>
+                <a:gridCol w="3471702">
+                  <a:extLst>
+                    <a:ext uri="{9D8B030D-6E8A-4147-A177-3AD203B41FA5}">
+                      <a16:colId xmlns:a16="http://schemas.microsoft.com/office/drawing/2014/main" val="3312127302"/>
+                    </a:ext>
+                  </a:extLst>
+                </a:gridCol>
+              </a:tblGrid>
+              <a:tr h="370840">
+                <a:tc>
+                  <a:txBody>
+                    <a:bodyPr/>
+                    <a:lstStyle/>
+                    <a:p>
+                      <a:pPr marL="0" indent="0">
+                        <a:buNone/>
+                      </a:pPr>
+                      <a:r>
+                        <a:rPr lang="ru-RU" sz="2000" dirty="0"/>
+                        <a:t>Схема авторизации:</a:t>
+                      </a:r>
+                    </a:p>
+                  </a:txBody>
+                  <a:tcPr/>
+                </a:tc>
+                <a:extLst>
+                  <a:ext uri="{0D108BD9-81ED-4DB2-BD59-A6C34878D82A}">
+                    <a16:rowId xmlns:a16="http://schemas.microsoft.com/office/drawing/2014/main" val="493886329"/>
+                  </a:ext>
+                </a:extLst>
+              </a:tr>
+              <a:tr h="370840">
+                <a:tc>
+                  <a:txBody>
+                    <a:bodyPr/>
+                    <a:lstStyle/>
+                    <a:p>
+                      <a:r>
+                        <a:rPr lang="en-US" sz="2000" b="1" dirty="0"/>
+                        <a:t>Http Bearer  (RFC 6750) </a:t>
+                      </a:r>
+                    </a:p>
+                  </a:txBody>
+                  <a:tcPr/>
+                </a:tc>
+                <a:extLst>
+                  <a:ext uri="{0D108BD9-81ED-4DB2-BD59-A6C34878D82A}">
+                    <a16:rowId xmlns:a16="http://schemas.microsoft.com/office/drawing/2014/main" val="1860568474"/>
+                  </a:ext>
+                </a:extLst>
+              </a:tr>
+            </a:tbl>
+          </a:graphicData>
+        </a:graphic>
+      </p:graphicFrame>
+      <p:graphicFrame>
+        <p:nvGraphicFramePr>
+          <p:cNvPr id="7" name="Таблица 6">
+            <a:extLst>
+              <a:ext uri="{FF2B5EF4-FFF2-40B4-BE49-F238E27FC236}">
+                <a16:creationId xmlns:a16="http://schemas.microsoft.com/office/drawing/2014/main" id="{4ABB4868-EE9C-4A94-BAEE-3D54F8EA7085}"/>
+              </a:ext>
+            </a:extLst>
+          </p:cNvPr>
+          <p:cNvGraphicFramePr>
+            <a:graphicFrameLocks noGrp="1"/>
+          </p:cNvGraphicFramePr>
+          <p:nvPr>
+            <p:extLst>
+              <p:ext uri="{D42A27DB-BD31-4B8C-83A1-F6EECF244321}">
+                <p14:modId xmlns:p14="http://schemas.microsoft.com/office/powerpoint/2010/main" val="3945925569"/>
+              </p:ext>
+            </p:extLst>
+          </p:nvPr>
+        </p:nvGraphicFramePr>
+        <p:xfrm>
+          <a:off x="2294398" y="3614789"/>
+          <a:ext cx="3471702" cy="1097280"/>
+        </p:xfrm>
+        <a:graphic>
+          <a:graphicData uri="http://schemas.openxmlformats.org/drawingml/2006/table">
+            <a:tbl>
+              <a:tblPr firstRow="1" bandRow="1">
+                <a:tableStyleId>{5C22544A-7EE6-4342-B048-85BDC9FD1C3A}</a:tableStyleId>
+              </a:tblPr>
+              <a:tblGrid>
+                <a:gridCol w="3471702">
+                  <a:extLst>
+                    <a:ext uri="{9D8B030D-6E8A-4147-A177-3AD203B41FA5}">
+                      <a16:colId xmlns:a16="http://schemas.microsoft.com/office/drawing/2014/main" val="3312127302"/>
+                    </a:ext>
+                  </a:extLst>
+                </a:gridCol>
+              </a:tblGrid>
+              <a:tr h="370840">
+                <a:tc>
+                  <a:txBody>
+                    <a:bodyPr/>
+                    <a:lstStyle/>
+                    <a:p>
+                      <a:pPr marL="0" indent="0">
+                        <a:buNone/>
+                      </a:pPr>
+                      <a:r>
+                        <a:rPr lang="en-US" sz="2000" dirty="0"/>
+                        <a:t>Middleware </a:t>
+                      </a:r>
+                      <a:r>
+                        <a:rPr lang="ru-RU" sz="2000" dirty="0"/>
+                        <a:t>авторизации:</a:t>
+                      </a:r>
+                      <a:endParaRPr lang="en-US" sz="2000" dirty="0"/>
+                    </a:p>
+                  </a:txBody>
+                  <a:tcPr/>
+                </a:tc>
+                <a:extLst>
+                  <a:ext uri="{0D108BD9-81ED-4DB2-BD59-A6C34878D82A}">
+                    <a16:rowId xmlns:a16="http://schemas.microsoft.com/office/drawing/2014/main" val="493886329"/>
+                  </a:ext>
+                </a:extLst>
+              </a:tr>
+              <a:tr h="370840">
+                <a:tc>
+                  <a:txBody>
+                    <a:bodyPr/>
+                    <a:lstStyle/>
+                    <a:p>
+                      <a:r>
+                        <a:rPr lang="en-US" sz="2000" b="1" dirty="0"/>
+                        <a:t>passport.js  </a:t>
+                      </a:r>
+                      <a:r>
+                        <a:rPr lang="ru-RU" sz="2000" b="1" dirty="0"/>
+                        <a:t>0.4.1</a:t>
+                      </a:r>
+                      <a:endParaRPr lang="en-US" sz="2000" b="1" dirty="0"/>
+                    </a:p>
+                    <a:p>
+                      <a:r>
+                        <a:rPr lang="en-US" sz="2000" b="1" dirty="0"/>
+                        <a:t>passport-jwt.js 4.0.0</a:t>
+                      </a:r>
+                    </a:p>
+                  </a:txBody>
+                  <a:tcPr/>
+                </a:tc>
+                <a:extLst>
+                  <a:ext uri="{0D108BD9-81ED-4DB2-BD59-A6C34878D82A}">
+                    <a16:rowId xmlns:a16="http://schemas.microsoft.com/office/drawing/2014/main" val="1860568474"/>
+                  </a:ext>
+                </a:extLst>
+              </a:tr>
+            </a:tbl>
+          </a:graphicData>
+        </a:graphic>
+      </p:graphicFrame>
+      <p:graphicFrame>
+        <p:nvGraphicFramePr>
+          <p:cNvPr id="8" name="Таблица 7">
+            <a:extLst>
+              <a:ext uri="{FF2B5EF4-FFF2-40B4-BE49-F238E27FC236}">
+                <a16:creationId xmlns:a16="http://schemas.microsoft.com/office/drawing/2014/main" id="{FE812B7A-AA99-4156-B8F7-B1E5DA156AD2}"/>
+              </a:ext>
+            </a:extLst>
+          </p:cNvPr>
+          <p:cNvGraphicFramePr>
+            <a:graphicFrameLocks noGrp="1"/>
+          </p:cNvGraphicFramePr>
+          <p:nvPr>
+            <p:extLst>
+              <p:ext uri="{D42A27DB-BD31-4B8C-83A1-F6EECF244321}">
+                <p14:modId xmlns:p14="http://schemas.microsoft.com/office/powerpoint/2010/main" val="4267173884"/>
+              </p:ext>
+            </p:extLst>
+          </p:nvPr>
+        </p:nvGraphicFramePr>
+        <p:xfrm>
+          <a:off x="6599362" y="3602087"/>
+          <a:ext cx="3471702" cy="1109981"/>
+        </p:xfrm>
+        <a:graphic>
+          <a:graphicData uri="http://schemas.openxmlformats.org/drawingml/2006/table">
+            <a:tbl>
+              <a:tblPr firstRow="1" bandRow="1">
+                <a:tableStyleId>{5C22544A-7EE6-4342-B048-85BDC9FD1C3A}</a:tableStyleId>
+              </a:tblPr>
+              <a:tblGrid>
+                <a:gridCol w="3471702">
+                  <a:extLst>
+                    <a:ext uri="{9D8B030D-6E8A-4147-A177-3AD203B41FA5}">
+                      <a16:colId xmlns:a16="http://schemas.microsoft.com/office/drawing/2014/main" val="3312127302"/>
+                    </a:ext>
+                  </a:extLst>
+                </a:gridCol>
+              </a:tblGrid>
+              <a:tr h="400826">
+                <a:tc>
+                  <a:txBody>
+                    <a:bodyPr/>
+                    <a:lstStyle/>
+                    <a:p>
+                      <a:pPr marL="0" indent="0">
+                        <a:buNone/>
+                      </a:pPr>
+                      <a:r>
+                        <a:rPr lang="ru-RU" sz="2000" dirty="0"/>
+                        <a:t>Защита паролей</a:t>
+                      </a:r>
+                      <a:r>
+                        <a:rPr lang="en-US" sz="2000" dirty="0"/>
+                        <a:t>:</a:t>
+                      </a:r>
+                    </a:p>
+                  </a:txBody>
+                  <a:tcPr/>
+                </a:tc>
+                <a:extLst>
+                  <a:ext uri="{0D108BD9-81ED-4DB2-BD59-A6C34878D82A}">
+                    <a16:rowId xmlns:a16="http://schemas.microsoft.com/office/drawing/2014/main" val="493886329"/>
+                  </a:ext>
+                </a:extLst>
+              </a:tr>
+              <a:tr h="709155">
+                <a:tc>
+                  <a:txBody>
+                    <a:bodyPr/>
+                    <a:lstStyle/>
+                    <a:p>
+                      <a:r>
+                        <a:rPr lang="en-US" sz="2000" b="1" dirty="0" err="1"/>
+                        <a:t>bcrypt</a:t>
+                      </a:r>
+                      <a:endParaRPr lang="en-US" sz="2000" b="1" dirty="0"/>
+                    </a:p>
+                    <a:p>
+                      <a:r>
+                        <a:rPr lang="ru-RU" sz="2000" b="1" dirty="0"/>
+                        <a:t>Число раундов соли: 2</a:t>
+                      </a:r>
+                      <a:r>
+                        <a:rPr lang="en-US" sz="2000" b="1" dirty="0"/>
+                        <a:t>^10</a:t>
+                      </a:r>
+                      <a:endParaRPr lang="ru-RU" sz="2000" b="1" dirty="0"/>
+                    </a:p>
+                  </a:txBody>
+                  <a:tcPr/>
+                </a:tc>
+                <a:extLst>
+                  <a:ext uri="{0D108BD9-81ED-4DB2-BD59-A6C34878D82A}">
+                    <a16:rowId xmlns:a16="http://schemas.microsoft.com/office/drawing/2014/main" val="1860568474"/>
+                  </a:ext>
+                </a:extLst>
+              </a:tr>
+            </a:tbl>
+          </a:graphicData>
+        </a:graphic>
+      </p:graphicFrame>
     </p:spTree>
     <p:extLst>
       <p:ext uri="{BB962C8B-B14F-4D97-AF65-F5344CB8AC3E}">
@@ -8380,504 +9264,6 @@
       </p:transition>
     </mc:Fallback>
   </mc:AlternateContent>
-</p:sld>
-</file>
-
-<file path=ppt/slides/slide18.xml><?xml version="1.0" encoding="utf-8"?>
-<p:sld xmlns:a="http://schemas.openxmlformats.org/drawingml/2006/main" xmlns:r="http://schemas.openxmlformats.org/officeDocument/2006/relationships" xmlns:p="http://schemas.openxmlformats.org/presentationml/2006/main">
-  <p:cSld>
-    <p:spTree>
-      <p:nvGrpSpPr>
-        <p:cNvPr id="1" name=""/>
-        <p:cNvGrpSpPr/>
-        <p:nvPr/>
-      </p:nvGrpSpPr>
-      <p:grpSpPr>
-        <a:xfrm>
-          <a:off x="0" y="0"/>
-          <a:ext cx="0" cy="0"/>
-          <a:chOff x="0" y="0"/>
-          <a:chExt cx="0" cy="0"/>
-        </a:xfrm>
-      </p:grpSpPr>
-      <p:sp>
-        <p:nvSpPr>
-          <p:cNvPr id="2" name="Заголовок 1">
-            <a:extLst>
-              <a:ext uri="{FF2B5EF4-FFF2-40B4-BE49-F238E27FC236}">
-                <a16:creationId xmlns:a16="http://schemas.microsoft.com/office/drawing/2014/main" id="{71CE5A6F-4100-4B63-BB12-5915B537747D}"/>
-              </a:ext>
-            </a:extLst>
-          </p:cNvPr>
-          <p:cNvSpPr>
-            <a:spLocks noGrp="1"/>
-          </p:cNvSpPr>
-          <p:nvPr>
-            <p:ph type="title"/>
-          </p:nvPr>
-        </p:nvSpPr>
-        <p:spPr>
-          <a:xfrm>
-            <a:off x="1295400" y="83635"/>
-            <a:ext cx="9601200" cy="1485900"/>
-          </a:xfrm>
-        </p:spPr>
-        <p:txBody>
-          <a:bodyPr/>
-          <a:lstStyle/>
-          <a:p>
-            <a:r>
-              <a:rPr lang="ru-RU" dirty="0"/>
-              <a:t>Формат сохранения ДРАКОН-схем в формате </a:t>
-            </a:r>
-            <a:r>
-              <a:rPr lang="en-US" dirty="0"/>
-              <a:t>JSON</a:t>
-            </a:r>
-            <a:endParaRPr lang="ru-RU" dirty="0"/>
-          </a:p>
-        </p:txBody>
-      </p:sp>
-      <p:sp>
-        <p:nvSpPr>
-          <p:cNvPr id="4" name="Номер слайда 3">
-            <a:extLst>
-              <a:ext uri="{FF2B5EF4-FFF2-40B4-BE49-F238E27FC236}">
-                <a16:creationId xmlns:a16="http://schemas.microsoft.com/office/drawing/2014/main" id="{1F74F841-593A-4C65-B57D-40BA5877898E}"/>
-              </a:ext>
-            </a:extLst>
-          </p:cNvPr>
-          <p:cNvSpPr>
-            <a:spLocks noGrp="1"/>
-          </p:cNvSpPr>
-          <p:nvPr>
-            <p:ph type="sldNum" sz="quarter" idx="12"/>
-          </p:nvPr>
-        </p:nvSpPr>
-        <p:spPr/>
-        <p:txBody>
-          <a:bodyPr/>
-          <a:lstStyle/>
-          <a:p>
-            <a:fld id="{6D22F896-40B5-4ADD-8801-0D06FADFA095}" type="slidenum">
-              <a:rPr lang="en-US" smtClean="0"/>
-              <a:pPr/>
-              <a:t>18</a:t>
-            </a:fld>
-            <a:endParaRPr lang="en-US" dirty="0"/>
-          </a:p>
-        </p:txBody>
-      </p:sp>
-      <p:sp>
-        <p:nvSpPr>
-          <p:cNvPr id="6" name="TextBox 5">
-            <a:extLst>
-              <a:ext uri="{FF2B5EF4-FFF2-40B4-BE49-F238E27FC236}">
-                <a16:creationId xmlns:a16="http://schemas.microsoft.com/office/drawing/2014/main" id="{AD74C247-9211-4325-B766-1BD1781E2FED}"/>
-              </a:ext>
-            </a:extLst>
-          </p:cNvPr>
-          <p:cNvSpPr txBox="1"/>
-          <p:nvPr/>
-        </p:nvSpPr>
-        <p:spPr>
-          <a:xfrm>
-            <a:off x="2311555" y="1457011"/>
-            <a:ext cx="7568890" cy="5262979"/>
-          </a:xfrm>
-          <a:prstGeom prst="rect">
-            <a:avLst/>
-          </a:prstGeom>
-        </p:spPr>
-        <p:style>
-          <a:lnRef idx="2">
-            <a:schemeClr val="dk1"/>
-          </a:lnRef>
-          <a:fillRef idx="1">
-            <a:schemeClr val="lt1"/>
-          </a:fillRef>
-          <a:effectRef idx="0">
-            <a:schemeClr val="dk1"/>
-          </a:effectRef>
-          <a:fontRef idx="minor">
-            <a:schemeClr val="dk1"/>
-          </a:fontRef>
-        </p:style>
-        <p:txBody>
-          <a:bodyPr wrap="square">
-            <a:spAutoFit/>
-          </a:bodyPr>
-          <a:lstStyle/>
-          <a:p>
-            <a:r>
-              <a:rPr lang="en-US" sz="1600" b="0" dirty="0">
-                <a:solidFill>
-                  <a:schemeClr val="tx1"/>
-                </a:solidFill>
-                <a:effectLst/>
-                <a:latin typeface="Consolas" panose="020B0609020204030204" pitchFamily="49" charset="0"/>
-              </a:rPr>
-              <a:t>{</a:t>
-            </a:r>
-          </a:p>
-          <a:p>
-            <a:r>
-              <a:rPr lang="en-US" sz="1600" b="0" dirty="0">
-                <a:solidFill>
-                  <a:schemeClr val="tx1"/>
-                </a:solidFill>
-                <a:effectLst/>
-                <a:latin typeface="Consolas" panose="020B0609020204030204" pitchFamily="49" charset="0"/>
-              </a:rPr>
-              <a:t>    "</a:t>
-            </a:r>
-            <a:r>
-              <a:rPr lang="en-US" sz="1600" b="0" dirty="0" err="1">
-                <a:solidFill>
-                  <a:schemeClr val="tx1"/>
-                </a:solidFill>
-                <a:effectLst/>
-                <a:latin typeface="Consolas" panose="020B0609020204030204" pitchFamily="49" charset="0"/>
-              </a:rPr>
-              <a:t>uuid</a:t>
-            </a:r>
-            <a:r>
-              <a:rPr lang="en-US" sz="1600" b="0" dirty="0">
-                <a:solidFill>
-                  <a:schemeClr val="tx1"/>
-                </a:solidFill>
-                <a:effectLst/>
-                <a:latin typeface="Consolas" panose="020B0609020204030204" pitchFamily="49" charset="0"/>
-              </a:rPr>
-              <a:t>": "c376022a-dd08-4c32-989f-ba86f960a7f4",</a:t>
-            </a:r>
-          </a:p>
-          <a:p>
-            <a:r>
-              <a:rPr lang="en-US" sz="1600" b="0" dirty="0">
-                <a:solidFill>
-                  <a:schemeClr val="tx1"/>
-                </a:solidFill>
-                <a:effectLst/>
-                <a:latin typeface="Consolas" panose="020B0609020204030204" pitchFamily="49" charset="0"/>
-              </a:rPr>
-              <a:t>    "name": "mySchema3",</a:t>
-            </a:r>
-          </a:p>
-          <a:p>
-            <a:r>
-              <a:rPr lang="en-US" sz="1600" b="0" dirty="0">
-                <a:solidFill>
-                  <a:schemeClr val="tx1"/>
-                </a:solidFill>
-                <a:effectLst/>
-                <a:latin typeface="Consolas" panose="020B0609020204030204" pitchFamily="49" charset="0"/>
-              </a:rPr>
-              <a:t>    "</a:t>
-            </a:r>
-            <a:r>
-              <a:rPr lang="en-US" sz="1600" b="0" dirty="0" err="1">
-                <a:solidFill>
-                  <a:schemeClr val="tx1"/>
-                </a:solidFill>
-                <a:effectLst/>
-                <a:latin typeface="Consolas" panose="020B0609020204030204" pitchFamily="49" charset="0"/>
-              </a:rPr>
-              <a:t>idUser</a:t>
-            </a:r>
-            <a:r>
-              <a:rPr lang="en-US" sz="1600" b="0" dirty="0">
-                <a:solidFill>
-                  <a:schemeClr val="tx1"/>
-                </a:solidFill>
-                <a:effectLst/>
-                <a:latin typeface="Consolas" panose="020B0609020204030204" pitchFamily="49" charset="0"/>
-              </a:rPr>
-              <a:t>": "d3dac628-ce84-4509-8ccb-7ec24f7a36dc",</a:t>
-            </a:r>
-          </a:p>
-          <a:p>
-            <a:r>
-              <a:rPr lang="en-US" sz="1600" b="0" dirty="0">
-                <a:solidFill>
-                  <a:schemeClr val="tx1"/>
-                </a:solidFill>
-                <a:effectLst/>
-                <a:latin typeface="Consolas" panose="020B0609020204030204" pitchFamily="49" charset="0"/>
-              </a:rPr>
-              <a:t>    "data": {</a:t>
-            </a:r>
-          </a:p>
-          <a:p>
-            <a:r>
-              <a:rPr lang="en-US" sz="1600" b="0" dirty="0">
-                <a:solidFill>
-                  <a:schemeClr val="tx1"/>
-                </a:solidFill>
-                <a:effectLst/>
-                <a:latin typeface="Consolas" panose="020B0609020204030204" pitchFamily="49" charset="0"/>
-              </a:rPr>
-              <a:t>        "0b66aa71-81e0-4bec-afce-3d06876dbe50": {</a:t>
-            </a:r>
-          </a:p>
-          <a:p>
-            <a:r>
-              <a:rPr lang="en-US" sz="1600" b="0" dirty="0">
-                <a:solidFill>
-                  <a:schemeClr val="tx1"/>
-                </a:solidFill>
-                <a:effectLst/>
-                <a:latin typeface="Consolas" panose="020B0609020204030204" pitchFamily="49" charset="0"/>
-              </a:rPr>
-              <a:t>            "id": "0b66aa71-81e0-4bec-afce-3d06876dbe50",</a:t>
-            </a:r>
-          </a:p>
-          <a:p>
-            <a:r>
-              <a:rPr lang="en-US" sz="1600" b="0" dirty="0">
-                <a:solidFill>
-                  <a:schemeClr val="tx1"/>
-                </a:solidFill>
-                <a:effectLst/>
-                <a:latin typeface="Consolas" panose="020B0609020204030204" pitchFamily="49" charset="0"/>
-              </a:rPr>
-              <a:t>            "next": "a451aa22-74c9-4b39-a20d-e36ae97921f0",</a:t>
-            </a:r>
-          </a:p>
-          <a:p>
-            <a:r>
-              <a:rPr lang="en-US" sz="1600" b="0" dirty="0">
-                <a:solidFill>
-                  <a:schemeClr val="tx1"/>
-                </a:solidFill>
-                <a:effectLst/>
-                <a:latin typeface="Consolas" panose="020B0609020204030204" pitchFamily="49" charset="0"/>
-              </a:rPr>
-              <a:t>            "type": "BEGIN“,</a:t>
-            </a:r>
-          </a:p>
-          <a:p>
-            <a:r>
-              <a:rPr lang="en-US" sz="1600" b="0" dirty="0">
-                <a:solidFill>
-                  <a:schemeClr val="tx1"/>
-                </a:solidFill>
-                <a:effectLst/>
-                <a:latin typeface="Consolas" panose="020B0609020204030204" pitchFamily="49" charset="0"/>
-              </a:rPr>
-              <a:t>			"text": “</a:t>
-            </a:r>
-            <a:r>
-              <a:rPr lang="en-US" sz="1600" b="0" dirty="0" err="1">
-                <a:solidFill>
-                  <a:schemeClr val="tx1"/>
-                </a:solidFill>
-                <a:effectLst/>
-                <a:latin typeface="Consolas" panose="020B0609020204030204" pitchFamily="49" charset="0"/>
-              </a:rPr>
-              <a:t>mySchemaName</a:t>
-            </a:r>
-            <a:r>
-              <a:rPr lang="en-US" sz="1600" b="0" dirty="0">
-                <a:solidFill>
-                  <a:schemeClr val="tx1"/>
-                </a:solidFill>
-                <a:effectLst/>
-                <a:latin typeface="Consolas" panose="020B0609020204030204" pitchFamily="49" charset="0"/>
-              </a:rPr>
-              <a:t>“,</a:t>
-            </a:r>
-          </a:p>
-          <a:p>
-            <a:r>
-              <a:rPr lang="en-US" sz="1600" dirty="0">
-                <a:solidFill>
-                  <a:schemeClr val="tx1"/>
-                </a:solidFill>
-                <a:latin typeface="Consolas" panose="020B0609020204030204" pitchFamily="49" charset="0"/>
-              </a:rPr>
-              <a:t>			</a:t>
-            </a:r>
-            <a:endParaRPr lang="en-US" sz="1600" b="0" dirty="0">
-              <a:solidFill>
-                <a:schemeClr val="tx1"/>
-              </a:solidFill>
-              <a:effectLst/>
-              <a:latin typeface="Consolas" panose="020B0609020204030204" pitchFamily="49" charset="0"/>
-            </a:endParaRPr>
-          </a:p>
-          <a:p>
-            <a:r>
-              <a:rPr lang="en-US" sz="1600" b="0" dirty="0">
-                <a:solidFill>
-                  <a:schemeClr val="tx1"/>
-                </a:solidFill>
-                <a:effectLst/>
-                <a:latin typeface="Consolas" panose="020B0609020204030204" pitchFamily="49" charset="0"/>
-              </a:rPr>
-              <a:t>        },</a:t>
-            </a:r>
-          </a:p>
-          <a:p>
-            <a:r>
-              <a:rPr lang="en-US" sz="1600" b="0" dirty="0">
-                <a:solidFill>
-                  <a:schemeClr val="tx1"/>
-                </a:solidFill>
-                <a:effectLst/>
-                <a:latin typeface="Consolas" panose="020B0609020204030204" pitchFamily="49" charset="0"/>
-              </a:rPr>
-              <a:t>        "a451aa22-74c9-4b39-a20d-e36ae97921f0": {</a:t>
-            </a:r>
-          </a:p>
-          <a:p>
-            <a:r>
-              <a:rPr lang="en-US" sz="1600" b="0" dirty="0">
-                <a:solidFill>
-                  <a:schemeClr val="tx1"/>
-                </a:solidFill>
-                <a:effectLst/>
-                <a:latin typeface="Consolas" panose="020B0609020204030204" pitchFamily="49" charset="0"/>
-              </a:rPr>
-              <a:t>            "id": "a451aa22-74c9-4b39-a20d-e36ae97921f0",</a:t>
-            </a:r>
-          </a:p>
-          <a:p>
-            <a:r>
-              <a:rPr lang="en-US" sz="1600" b="0" dirty="0">
-                <a:solidFill>
-                  <a:schemeClr val="tx1"/>
-                </a:solidFill>
-                <a:effectLst/>
-                <a:latin typeface="Consolas" panose="020B0609020204030204" pitchFamily="49" charset="0"/>
-              </a:rPr>
-              <a:t>            "next": "",</a:t>
-            </a:r>
-          </a:p>
-          <a:p>
-            <a:r>
-              <a:rPr lang="en-US" sz="1600" b="0" dirty="0">
-                <a:solidFill>
-                  <a:schemeClr val="tx1"/>
-                </a:solidFill>
-                <a:effectLst/>
-                <a:latin typeface="Consolas" panose="020B0609020204030204" pitchFamily="49" charset="0"/>
-              </a:rPr>
-              <a:t>            "type": "END"</a:t>
-            </a:r>
-          </a:p>
-          <a:p>
-            <a:r>
-              <a:rPr lang="en-US" sz="1600" b="0" dirty="0">
-                <a:solidFill>
-                  <a:schemeClr val="tx1"/>
-                </a:solidFill>
-                <a:effectLst/>
-                <a:latin typeface="Consolas" panose="020B0609020204030204" pitchFamily="49" charset="0"/>
-              </a:rPr>
-              <a:t>        }</a:t>
-            </a:r>
-          </a:p>
-          <a:p>
-            <a:r>
-              <a:rPr lang="en-US" sz="1600" b="0" dirty="0">
-                <a:solidFill>
-                  <a:schemeClr val="tx1"/>
-                </a:solidFill>
-                <a:effectLst/>
-                <a:latin typeface="Consolas" panose="020B0609020204030204" pitchFamily="49" charset="0"/>
-              </a:rPr>
-              <a:t>    },</a:t>
-            </a:r>
-          </a:p>
-          <a:p>
-            <a:r>
-              <a:rPr lang="en-US" sz="1600" b="0" dirty="0">
-                <a:solidFill>
-                  <a:schemeClr val="tx1"/>
-                </a:solidFill>
-                <a:effectLst/>
-                <a:latin typeface="Consolas" panose="020B0609020204030204" pitchFamily="49" charset="0"/>
-              </a:rPr>
-              <a:t>    "</a:t>
-            </a:r>
-            <a:r>
-              <a:rPr lang="en-US" sz="1600" b="0" dirty="0" err="1">
-                <a:solidFill>
-                  <a:schemeClr val="tx1"/>
-                </a:solidFill>
-                <a:effectLst/>
-                <a:latin typeface="Consolas" panose="020B0609020204030204" pitchFamily="49" charset="0"/>
-              </a:rPr>
-              <a:t>last_changed</a:t>
-            </a:r>
-            <a:r>
-              <a:rPr lang="en-US" sz="1600" b="0" dirty="0">
-                <a:solidFill>
-                  <a:schemeClr val="tx1"/>
-                </a:solidFill>
-                <a:effectLst/>
-                <a:latin typeface="Consolas" panose="020B0609020204030204" pitchFamily="49" charset="0"/>
-              </a:rPr>
-              <a:t>": null,</a:t>
-            </a:r>
-          </a:p>
-          <a:p>
-            <a:r>
-              <a:rPr lang="en-US" sz="1600" b="0" dirty="0">
-                <a:solidFill>
-                  <a:schemeClr val="tx1"/>
-                </a:solidFill>
-                <a:effectLst/>
-                <a:latin typeface="Consolas" panose="020B0609020204030204" pitchFamily="49" charset="0"/>
-              </a:rPr>
-              <a:t>    "</a:t>
-            </a:r>
-            <a:r>
-              <a:rPr lang="en-US" sz="1600" b="0" dirty="0" err="1">
-                <a:solidFill>
-                  <a:schemeClr val="tx1"/>
-                </a:solidFill>
-                <a:effectLst/>
-                <a:latin typeface="Consolas" panose="020B0609020204030204" pitchFamily="49" charset="0"/>
-              </a:rPr>
-              <a:t>last_changed_by_id</a:t>
-            </a:r>
-            <a:r>
-              <a:rPr lang="en-US" sz="1600" b="0" dirty="0">
-                <a:solidFill>
-                  <a:schemeClr val="tx1"/>
-                </a:solidFill>
-                <a:effectLst/>
-                <a:latin typeface="Consolas" panose="020B0609020204030204" pitchFamily="49" charset="0"/>
-              </a:rPr>
-              <a:t>": c376022a-dd08-4c32-989f-ba86f960a7f4</a:t>
-            </a:r>
-          </a:p>
-          <a:p>
-            <a:r>
-              <a:rPr lang="en-US" sz="1600" b="0" dirty="0">
-                <a:solidFill>
-                  <a:schemeClr val="tx1"/>
-                </a:solidFill>
-                <a:effectLst/>
-                <a:latin typeface="Consolas" panose="020B0609020204030204" pitchFamily="49" charset="0"/>
-              </a:rPr>
-              <a:t>}</a:t>
-            </a:r>
-          </a:p>
-        </p:txBody>
-      </p:sp>
-    </p:spTree>
-    <p:extLst>
-      <p:ext uri="{BB962C8B-B14F-4D97-AF65-F5344CB8AC3E}">
-        <p14:creationId xmlns:p14="http://schemas.microsoft.com/office/powerpoint/2010/main" val="445505137"/>
-      </p:ext>
-    </p:extLst>
-  </p:cSld>
-  <p:clrMapOvr>
-    <a:masterClrMapping/>
-  </p:clrMapOvr>
 </p:sld>
 </file>
 
@@ -9345,22 +9731,29 @@
             <p:ph idx="1"/>
           </p:nvPr>
         </p:nvSpPr>
-        <p:spPr/>
+        <p:spPr>
+          <a:xfrm>
+            <a:off x="1936376" y="2212246"/>
+            <a:ext cx="9455972" cy="3769005"/>
+          </a:xfrm>
+        </p:spPr>
         <p:txBody>
           <a:bodyPr>
             <a:normAutofit/>
           </a:bodyPr>
           <a:lstStyle/>
           <a:p>
-            <a:r>
-              <a:rPr lang="ru-RU" dirty="0"/>
-              <a:t>файл ДРАКОН-схемы в формате JSON;</a:t>
-            </a:r>
-          </a:p>
-          <a:p>
-            <a:r>
-              <a:rPr lang="ru-RU" dirty="0"/>
-              <a:t>файл с исходным кодом оттранслированной ДРАКОН-схемы на языке </a:t>
+            <a:pPr algn="just"/>
+            <a:r>
+              <a:rPr lang="ru-RU" dirty="0"/>
+              <a:t>Файл ДРАКОН-схемы в формате JSON;</a:t>
+            </a:r>
+          </a:p>
+          <a:p>
+            <a:pPr algn="just"/>
+            <a:r>
+              <a:rPr lang="ru-RU" dirty="0"/>
+              <a:t>Файл с исходным кодом оттранслированной ДРАКОН-схемы на языке </a:t>
             </a:r>
             <a:r>
               <a:rPr lang="ru-RU" dirty="0" err="1"/>
@@ -9372,15 +9765,17 @@
             </a:r>
           </a:p>
           <a:p>
-            <a:r>
-              <a:rPr lang="ru-RU" dirty="0"/>
-              <a:t>список ДРАКОН-схем и их содержимое из базы данных;</a:t>
-            </a:r>
-          </a:p>
-          <a:p>
-            <a:r>
-              <a:rPr lang="ru-RU" dirty="0"/>
-              <a:t>список курируемых пользователей для каждого куратора.</a:t>
+            <a:pPr algn="just"/>
+            <a:r>
+              <a:rPr lang="ru-RU" dirty="0"/>
+              <a:t>Список ДРАКОН-схем и их содержимое из базы данных;</a:t>
+            </a:r>
+          </a:p>
+          <a:p>
+            <a:pPr algn="just"/>
+            <a:r>
+              <a:rPr lang="ru-RU" dirty="0"/>
+              <a:t>Список курируемых пользователей для каждого куратора.</a:t>
             </a:r>
           </a:p>
         </p:txBody>
@@ -9913,10 +10308,15 @@
             <p:ph idx="1"/>
           </p:nvPr>
         </p:nvSpPr>
-        <p:spPr/>
+        <p:spPr>
+          <a:xfrm>
+            <a:off x="1390650" y="1538344"/>
+            <a:ext cx="9601200" cy="4916244"/>
+          </a:xfrm>
+        </p:spPr>
         <p:txBody>
           <a:bodyPr>
-            <a:normAutofit fontScale="85000" lnSpcReduction="20000"/>
+            <a:normAutofit fontScale="92500" lnSpcReduction="10000"/>
           </a:bodyPr>
           <a:lstStyle/>
           <a:p>
@@ -10226,7 +10626,7 @@
         </p:spPr>
         <p:txBody>
           <a:bodyPr>
-            <a:normAutofit/>
+            <a:normAutofit lnSpcReduction="10000"/>
           </a:bodyPr>
           <a:lstStyle/>
           <a:p>
@@ -10251,6 +10651,24 @@
               </a:rPr>
               <a:t>0 строк кода</a:t>
             </a:r>
+          </a:p>
+          <a:p>
+            <a:r>
+              <a:rPr lang="ru-RU" dirty="0">
+                <a:latin typeface="Calibri" panose="020F0502020204030204" pitchFamily="34" charset="0"/>
+                <a:cs typeface="Calibri" panose="020F0502020204030204" pitchFamily="34" charset="0"/>
+              </a:rPr>
+              <a:t>Свыше 200 строк кода развертывания БД</a:t>
+            </a:r>
+          </a:p>
+          <a:p>
+            <a:r>
+              <a:rPr lang="ru-RU" dirty="0">
+                <a:latin typeface="Calibri" panose="020F0502020204030204" pitchFamily="34" charset="0"/>
+                <a:cs typeface="Calibri" panose="020F0502020204030204" pitchFamily="34" charset="0"/>
+              </a:rPr>
+              <a:t>3 справочника для базы данных</a:t>
+            </a:r>
             <a:endParaRPr lang="en-US" dirty="0">
               <a:latin typeface="Calibri" panose="020F0502020204030204" pitchFamily="34" charset="0"/>
               <a:cs typeface="Calibri" panose="020F0502020204030204" pitchFamily="34" charset="0"/>
@@ -10336,16 +10754,6 @@
                 <a:cs typeface="Calibri" panose="020F0502020204030204" pitchFamily="34" charset="0"/>
               </a:rPr>
               <a:t> для отображения динамически изменяющегося контента.</a:t>
-            </a:r>
-          </a:p>
-          <a:p>
-            <a:pPr lvl="0"/>
-            <a:r>
-              <a:rPr lang="ru-RU" dirty="0">
-                <a:latin typeface="Calibri" panose="020F0502020204030204" pitchFamily="34" charset="0"/>
-                <a:cs typeface="Calibri" panose="020F0502020204030204" pitchFamily="34" charset="0"/>
-              </a:rPr>
-              <a:t>3 справочника для базы данных</a:t>
             </a:r>
           </a:p>
         </p:txBody>
@@ -10472,18 +10880,31 @@
           </a:bodyPr>
           <a:lstStyle/>
           <a:p>
+            <a:pPr marL="0" indent="0" algn="just">
+              <a:buNone/>
+            </a:pPr>
+            <a:r>
+              <a:rPr lang="ru-RU" dirty="0"/>
+              <a:t>В результате выполнения преддипломной практической работы разработаны:</a:t>
+            </a:r>
+          </a:p>
+          <a:p>
             <a:pPr algn="just"/>
             <a:r>
               <a:rPr lang="ru-RU" dirty="0"/>
-              <a:t>В результате выполнения преддипломной практической работы были разработаны интерфейсы интегрированной среды обучения алгоритмизации </a:t>
+              <a:t> интерфейсы интегрированной среды обучения алгоритмизации </a:t>
             </a:r>
             <a:r>
               <a:rPr lang="en-US" dirty="0"/>
               <a:t>DRAKON IDE</a:t>
             </a:r>
-            <a:r>
-              <a:rPr lang="ru-RU" dirty="0"/>
-              <a:t>, а также разработаны способы представления ДРАКОН-схем.</a:t>
+            <a:endParaRPr lang="ru-RU" dirty="0"/>
+          </a:p>
+          <a:p>
+            <a:pPr algn="just"/>
+            <a:r>
+              <a:rPr lang="ru-RU" dirty="0"/>
+              <a:t>способы представления ДРАКОН-схем.</a:t>
             </a:r>
           </a:p>
         </p:txBody>
@@ -10575,7 +10996,12 @@
             <p:ph type="title"/>
           </p:nvPr>
         </p:nvSpPr>
-        <p:spPr/>
+        <p:spPr>
+          <a:xfrm>
+            <a:off x="1441925" y="442946"/>
+            <a:ext cx="9601200" cy="1485900"/>
+          </a:xfrm>
+        </p:spPr>
         <p:txBody>
           <a:bodyPr/>
           <a:lstStyle/>
@@ -10605,17 +11031,17 @@
         </p:nvSpPr>
         <p:spPr>
           <a:xfrm>
-            <a:off x="1371600" y="1862983"/>
-            <a:ext cx="9601200" cy="4004417"/>
+            <a:off x="1441924" y="1273323"/>
+            <a:ext cx="10240881" cy="5708390"/>
           </a:xfrm>
         </p:spPr>
         <p:txBody>
           <a:bodyPr>
-            <a:normAutofit fontScale="92500" lnSpcReduction="10000"/>
+            <a:normAutofit/>
           </a:bodyPr>
           <a:lstStyle/>
           <a:p>
-            <a:pPr marL="0" indent="0">
+            <a:pPr marL="0" indent="0" algn="just">
               <a:buNone/>
             </a:pPr>
             <a:r>
@@ -10625,27 +11051,23 @@
             <a:endParaRPr lang="en-US" sz="3000" dirty="0"/>
           </a:p>
           <a:p>
-            <a:pPr marL="0" indent="0">
+            <a:pPr marL="0" indent="0" algn="just">
               <a:buNone/>
             </a:pPr>
-            <a:endParaRPr lang="ru-RU" dirty="0"/>
-          </a:p>
-          <a:p>
-            <a:pPr marL="0" indent="0">
-              <a:buNone/>
-            </a:pPr>
             <a:r>
               <a:rPr lang="ru-RU" dirty="0"/>
               <a:t>Требования:</a:t>
             </a:r>
           </a:p>
           <a:p>
+            <a:pPr algn="just"/>
             <a:r>
               <a:rPr lang="ru-RU" dirty="0"/>
               <a:t>ИС – клиент-серверное веб приложение</a:t>
             </a:r>
           </a:p>
           <a:p>
+            <a:pPr algn="just"/>
             <a:r>
               <a:rPr lang="ru-RU" dirty="0"/>
               <a:t>пользователь может создавать алгоритмы на языке ДРАКОН и транслировать их в язык </a:t>
@@ -10657,30 +11079,33 @@
             <a:endParaRPr lang="ru-RU" dirty="0"/>
           </a:p>
           <a:p>
+            <a:pPr algn="just"/>
             <a:r>
               <a:rPr lang="ru-RU" dirty="0"/>
               <a:t>роли:</a:t>
             </a:r>
           </a:p>
           <a:p>
-            <a:pPr lvl="1"/>
-            <a:r>
-              <a:rPr lang="ru-RU" dirty="0"/>
-              <a:t>Ученик. Может создавать и изменять только свои схемы</a:t>
-            </a:r>
-          </a:p>
-          <a:p>
-            <a:pPr lvl="1"/>
-            <a:r>
-              <a:rPr lang="ru-RU" dirty="0"/>
-              <a:t>Преподаватель. Может изменять схемы учеников и выдавать роли другим пользователям</a:t>
-            </a:r>
-          </a:p>
-          <a:p>
-            <a:pPr marL="530352" lvl="1" indent="0">
-              <a:buNone/>
-            </a:pPr>
-            <a:endParaRPr lang="ru-RU" dirty="0"/>
+            <a:pPr lvl="1" algn="just"/>
+            <a:r>
+              <a:rPr lang="ru-RU" sz="2800" dirty="0"/>
+              <a:t>Ученик. </a:t>
+            </a:r>
+            <a:r>
+              <a:rPr lang="ru-RU" sz="2800" i="0" dirty="0"/>
+              <a:t>Может создавать и изменять только свои схемы</a:t>
+            </a:r>
+          </a:p>
+          <a:p>
+            <a:pPr lvl="1" algn="just"/>
+            <a:r>
+              <a:rPr lang="ru-RU" sz="2800" dirty="0"/>
+              <a:t>Преподаватель. </a:t>
+            </a:r>
+            <a:r>
+              <a:rPr lang="ru-RU" sz="2800" i="0" dirty="0"/>
+              <a:t>Может изменять схемы учеников и выдавать роли другим пользователям</a:t>
+            </a:r>
           </a:p>
         </p:txBody>
       </p:sp>
@@ -10749,185 +11174,6 @@
           <p:cNvPr id="2" name="Заголовок 1">
             <a:extLst>
               <a:ext uri="{FF2B5EF4-FFF2-40B4-BE49-F238E27FC236}">
-                <a16:creationId xmlns:a16="http://schemas.microsoft.com/office/drawing/2014/main" id="{E1BEE0FC-AC49-4A4A-9F7E-5235E846AD9B}"/>
-              </a:ext>
-            </a:extLst>
-          </p:cNvPr>
-          <p:cNvSpPr>
-            <a:spLocks noGrp="1"/>
-          </p:cNvSpPr>
-          <p:nvPr>
-            <p:ph type="title"/>
-          </p:nvPr>
-        </p:nvSpPr>
-        <p:spPr/>
-        <p:txBody>
-          <a:bodyPr/>
-          <a:lstStyle/>
-          <a:p>
-            <a:r>
-              <a:rPr lang="ru-RU" dirty="0"/>
-              <a:t>Цель и назначение</a:t>
-            </a:r>
-          </a:p>
-        </p:txBody>
-      </p:sp>
-      <p:sp>
-        <p:nvSpPr>
-          <p:cNvPr id="3" name="Объект 2">
-            <a:extLst>
-              <a:ext uri="{FF2B5EF4-FFF2-40B4-BE49-F238E27FC236}">
-                <a16:creationId xmlns:a16="http://schemas.microsoft.com/office/drawing/2014/main" id="{730790BB-B6D7-4303-9522-57B54B2E8FCE}"/>
-              </a:ext>
-            </a:extLst>
-          </p:cNvPr>
-          <p:cNvSpPr>
-            <a:spLocks noGrp="1"/>
-          </p:cNvSpPr>
-          <p:nvPr>
-            <p:ph idx="1"/>
-          </p:nvPr>
-        </p:nvSpPr>
-        <p:spPr>
-          <a:xfrm>
-            <a:off x="811097" y="2171700"/>
-            <a:ext cx="11761693" cy="4399829"/>
-          </a:xfrm>
-        </p:spPr>
-        <p:txBody>
-          <a:bodyPr>
-            <a:normAutofit/>
-          </a:bodyPr>
-          <a:lstStyle/>
-          <a:p>
-            <a:pPr marL="0" indent="0">
-              <a:buNone/>
-            </a:pPr>
-            <a:r>
-              <a:rPr lang="ru-RU" dirty="0"/>
-              <a:t>Цель:</a:t>
-            </a:r>
-          </a:p>
-          <a:p>
-            <a:pPr marL="0" indent="0">
-              <a:buNone/>
-            </a:pPr>
-            <a:r>
-              <a:rPr lang="ru-RU" dirty="0"/>
-              <a:t>Разработка ИС для автоматизации процесса обучения алгоритмизации с помощью языка ДРАКОН</a:t>
-            </a:r>
-          </a:p>
-          <a:p>
-            <a:pPr marL="0" indent="0">
-              <a:buNone/>
-            </a:pPr>
-            <a:endParaRPr lang="ru-RU" dirty="0"/>
-          </a:p>
-          <a:p>
-            <a:pPr marL="0" indent="0">
-              <a:buNone/>
-            </a:pPr>
-            <a:r>
-              <a:rPr lang="ru-RU" dirty="0"/>
-              <a:t>Назначение: </a:t>
-            </a:r>
-          </a:p>
-          <a:p>
-            <a:r>
-              <a:rPr lang="ru-RU" dirty="0"/>
-              <a:t>автоматизация процесса обучения студентов основам алгоритмизации</a:t>
-            </a:r>
-          </a:p>
-          <a:p>
-            <a:r>
-              <a:rPr lang="ru-RU" dirty="0"/>
-              <a:t>снижение нагрузки на преподавателей</a:t>
-            </a:r>
-          </a:p>
-          <a:p>
-            <a:r>
-              <a:rPr lang="ru-RU" dirty="0"/>
-              <a:t>повышение практической пользы языка ДРАКОН</a:t>
-            </a:r>
-          </a:p>
-        </p:txBody>
-      </p:sp>
-      <p:sp>
-        <p:nvSpPr>
-          <p:cNvPr id="4" name="Номер слайда 3">
-            <a:extLst>
-              <a:ext uri="{FF2B5EF4-FFF2-40B4-BE49-F238E27FC236}">
-                <a16:creationId xmlns:a16="http://schemas.microsoft.com/office/drawing/2014/main" id="{30AB7711-7170-4F3F-9DDF-E84A62E6B324}"/>
-              </a:ext>
-            </a:extLst>
-          </p:cNvPr>
-          <p:cNvSpPr>
-            <a:spLocks noGrp="1"/>
-          </p:cNvSpPr>
-          <p:nvPr>
-            <p:ph type="sldNum" sz="quarter" idx="12"/>
-          </p:nvPr>
-        </p:nvSpPr>
-        <p:spPr/>
-        <p:txBody>
-          <a:bodyPr/>
-          <a:lstStyle/>
-          <a:p>
-            <a:fld id="{6D22F896-40B5-4ADD-8801-0D06FADFA095}" type="slidenum">
-              <a:rPr lang="en-US" smtClean="0"/>
-              <a:t>4</a:t>
-            </a:fld>
-            <a:endParaRPr lang="en-US" dirty="0"/>
-          </a:p>
-        </p:txBody>
-      </p:sp>
-    </p:spTree>
-    <p:extLst>
-      <p:ext uri="{BB962C8B-B14F-4D97-AF65-F5344CB8AC3E}">
-        <p14:creationId xmlns:p14="http://schemas.microsoft.com/office/powerpoint/2010/main" val="2476212322"/>
-      </p:ext>
-    </p:extLst>
-  </p:cSld>
-  <p:clrMapOvr>
-    <a:masterClrMapping/>
-  </p:clrMapOvr>
-  <mc:AlternateContent xmlns:mc="http://schemas.openxmlformats.org/markup-compatibility/2006" xmlns:p14="http://schemas.microsoft.com/office/powerpoint/2010/main">
-    <mc:Choice Requires="p14">
-      <p:transition spd="med" p14:dur="700">
-        <p:fade/>
-      </p:transition>
-    </mc:Choice>
-    <mc:Fallback xmlns="">
-      <p:transition spd="med">
-        <p:fade/>
-      </p:transition>
-    </mc:Fallback>
-  </mc:AlternateContent>
-</p:sld>
-</file>
-
-<file path=ppt/slides/slide5.xml><?xml version="1.0" encoding="utf-8"?>
-<p:sld xmlns:a="http://schemas.openxmlformats.org/drawingml/2006/main" xmlns:r="http://schemas.openxmlformats.org/officeDocument/2006/relationships" xmlns:p="http://schemas.openxmlformats.org/presentationml/2006/main">
-  <p:cSld>
-    <p:spTree>
-      <p:nvGrpSpPr>
-        <p:cNvPr id="1" name=""/>
-        <p:cNvGrpSpPr/>
-        <p:nvPr/>
-      </p:nvGrpSpPr>
-      <p:grpSpPr>
-        <a:xfrm>
-          <a:off x="0" y="0"/>
-          <a:ext cx="0" cy="0"/>
-          <a:chOff x="0" y="0"/>
-          <a:chExt cx="0" cy="0"/>
-        </a:xfrm>
-      </p:grpSpPr>
-      <p:sp>
-        <p:nvSpPr>
-          <p:cNvPr id="2" name="Заголовок 1">
-            <a:extLst>
-              <a:ext uri="{FF2B5EF4-FFF2-40B4-BE49-F238E27FC236}">
                 <a16:creationId xmlns:a16="http://schemas.microsoft.com/office/drawing/2014/main" id="{8D6CC30A-95C3-4B1F-A792-BB90EF427310}"/>
               </a:ext>
             </a:extLst>
@@ -10951,14 +11197,26 @@
           <a:p>
             <a:pPr algn="ctr"/>
             <a:r>
-              <a:rPr lang="ru-RU" dirty="0"/>
+              <a:rPr lang="ru-RU" dirty="0">
+                <a:solidFill>
+                  <a:schemeClr val="bg1"/>
+                </a:solidFill>
+              </a:rPr>
               <a:t>ЯЗЫК ДРАКОН </a:t>
             </a:r>
             <a:br>
-              <a:rPr lang="ru-RU" dirty="0"/>
+              <a:rPr lang="ru-RU" dirty="0">
+                <a:solidFill>
+                  <a:schemeClr val="bg1"/>
+                </a:solidFill>
+              </a:rPr>
             </a:br>
             <a:r>
-              <a:rPr lang="ru-RU" dirty="0"/>
+              <a:rPr lang="ru-RU" dirty="0">
+                <a:solidFill>
+                  <a:schemeClr val="bg1"/>
+                </a:solidFill>
+              </a:rPr>
               <a:t>ПРЕДПОСЫЛКИ</a:t>
             </a:r>
           </a:p>
@@ -10994,8 +11252,12 @@
           <a:p>
             <a:pPr algn="ctr"/>
             <a:r>
-              <a:rPr lang="ru-RU" sz="1800" dirty="0"/>
-              <a:t>Дружелюбный Российский Алгоритмический язык, Который обеспечивает Наглядность</a:t>
+              <a:rPr lang="ru-RU" sz="2000" dirty="0">
+                <a:solidFill>
+                  <a:schemeClr val="bg1"/>
+                </a:solidFill>
+              </a:rPr>
+              <a:t>Дружелюбный Российский Алгоритмический язык, Который Обеспечивает Наглядность</a:t>
             </a:r>
           </a:p>
         </p:txBody>
@@ -11024,7 +11286,7 @@
             <a:fld id="{6D22F896-40B5-4ADD-8801-0D06FADFA095}" type="slidenum">
               <a:rPr lang="en-US" smtClean="0"/>
               <a:pPr/>
-              <a:t>5</a:t>
+              <a:t>4</a:t>
             </a:fld>
             <a:endParaRPr lang="en-US" dirty="0"/>
           </a:p>
@@ -11139,7 +11401,7 @@
 </p:sld>
 </file>
 
-<file path=ppt/slides/slide6.xml><?xml version="1.0" encoding="utf-8"?>
+<file path=ppt/slides/slide5.xml><?xml version="1.0" encoding="utf-8"?>
 <p:sld xmlns:a="http://schemas.openxmlformats.org/drawingml/2006/main" xmlns:r="http://schemas.openxmlformats.org/officeDocument/2006/relationships" xmlns:p="http://schemas.openxmlformats.org/presentationml/2006/main">
   <p:cSld>
     <p:spTree>
@@ -11213,7 +11475,7 @@
             <a:fld id="{6D22F896-40B5-4ADD-8801-0D06FADFA095}" type="slidenum">
               <a:rPr lang="en-US" smtClean="0"/>
               <a:pPr/>
-              <a:t>6</a:t>
+              <a:t>5</a:t>
             </a:fld>
             <a:endParaRPr lang="en-US" dirty="0"/>
           </a:p>
@@ -11281,7 +11543,7 @@
 </p:sld>
 </file>
 
-<file path=ppt/slides/slide7.xml><?xml version="1.0" encoding="utf-8"?>
+<file path=ppt/slides/slide6.xml><?xml version="1.0" encoding="utf-8"?>
 <p:sld xmlns:a="http://schemas.openxmlformats.org/drawingml/2006/main" xmlns:r="http://schemas.openxmlformats.org/officeDocument/2006/relationships" xmlns:p="http://schemas.openxmlformats.org/presentationml/2006/main">
   <p:cSld>
     <p:spTree>
@@ -11349,12 +11611,45 @@
           <a:p>
             <a:fld id="{6D22F896-40B5-4ADD-8801-0D06FADFA095}" type="slidenum">
               <a:rPr lang="en-US" smtClean="0"/>
-              <a:t>7</a:t>
+              <a:t>6</a:t>
             </a:fld>
             <a:endParaRPr lang="en-US" dirty="0"/>
           </a:p>
         </p:txBody>
       </p:sp>
+      <p:pic>
+        <p:nvPicPr>
+          <p:cNvPr id="6" name="Рисунок 5">
+            <a:extLst>
+              <a:ext uri="{FF2B5EF4-FFF2-40B4-BE49-F238E27FC236}">
+                <a16:creationId xmlns:a16="http://schemas.microsoft.com/office/drawing/2014/main" id="{3B482788-9C6E-1F4F-9BB6-36F97BBD18C5}"/>
+              </a:ext>
+            </a:extLst>
+          </p:cNvPr>
+          <p:cNvPicPr/>
+          <p:nvPr/>
+        </p:nvPicPr>
+        <p:blipFill>
+          <a:blip r:embed="rId3"/>
+          <a:stretch>
+            <a:fillRect/>
+          </a:stretch>
+        </p:blipFill>
+        <p:spPr>
+          <a:xfrm>
+            <a:off x="1875417" y="1824866"/>
+            <a:ext cx="7602070" cy="4745416"/>
+          </a:xfrm>
+          <a:prstGeom prst="rect">
+            <a:avLst/>
+          </a:prstGeom>
+          <a:ln>
+            <a:solidFill>
+              <a:schemeClr val="tx1"/>
+            </a:solidFill>
+          </a:ln>
+        </p:spPr>
+      </p:pic>
       <p:pic>
         <p:nvPicPr>
           <p:cNvPr id="1029" name="Рисунок 13">
@@ -11370,7 +11665,7 @@
           <p:nvPr/>
         </p:nvPicPr>
         <p:blipFill>
-          <a:blip r:embed="rId3">
+          <a:blip r:embed="rId4">
             <a:extLst>
               <a:ext uri="{28A0092B-C50C-407E-A947-70E740481C1C}">
                 <a14:useLocalDpi xmlns:a14="http://schemas.microsoft.com/office/drawing/2010/main" val="0"/>
@@ -11384,7 +11679,7 @@
         </p:blipFill>
         <p:spPr bwMode="auto">
           <a:xfrm>
-            <a:off x="1961477" y="1824866"/>
+            <a:off x="1875417" y="1824866"/>
             <a:ext cx="8786069" cy="4745416"/>
           </a:xfrm>
           <a:prstGeom prst="rect">
@@ -11408,39 +11703,6 @@
               </a14:hiddenFill>
             </a:ext>
           </a:extLst>
-        </p:spPr>
-      </p:pic>
-      <p:pic>
-        <p:nvPicPr>
-          <p:cNvPr id="6" name="Рисунок 5">
-            <a:extLst>
-              <a:ext uri="{FF2B5EF4-FFF2-40B4-BE49-F238E27FC236}">
-                <a16:creationId xmlns:a16="http://schemas.microsoft.com/office/drawing/2014/main" id="{3B482788-9C6E-1F4F-9BB6-36F97BBD18C5}"/>
-              </a:ext>
-            </a:extLst>
-          </p:cNvPr>
-          <p:cNvPicPr/>
-          <p:nvPr/>
-        </p:nvPicPr>
-        <p:blipFill>
-          <a:blip r:embed="rId4"/>
-          <a:stretch>
-            <a:fillRect/>
-          </a:stretch>
-        </p:blipFill>
-        <p:spPr>
-          <a:xfrm>
-            <a:off x="1875417" y="1824866"/>
-            <a:ext cx="7602070" cy="4745416"/>
-          </a:xfrm>
-          <a:prstGeom prst="rect">
-            <a:avLst/>
-          </a:prstGeom>
-          <a:ln>
-            <a:solidFill>
-              <a:schemeClr val="tx1"/>
-            </a:solidFill>
-          </a:ln>
         </p:spPr>
       </p:pic>
     </p:spTree>
@@ -11499,7 +11761,7 @@
                                           </p:stCondLst>
                                         </p:cTn>
                                         <p:tgtEl>
-                                          <p:spTgt spid="6"/>
+                                          <p:spTgt spid="1029"/>
                                         </p:tgtEl>
                                         <p:attrNameLst>
                                           <p:attrName>style.visibility</p:attrName>
@@ -11507,51 +11769,6 @@
                                       </p:cBhvr>
                                       <p:to>
                                         <p:strVal val="visible"/>
-                                      </p:to>
-                                    </p:set>
-                                  </p:childTnLst>
-                                </p:cTn>
-                              </p:par>
-                            </p:childTnLst>
-                          </p:cTn>
-                        </p:par>
-                      </p:childTnLst>
-                    </p:cTn>
-                  </p:par>
-                  <p:par>
-                    <p:cTn id="7" fill="hold">
-                      <p:stCondLst>
-                        <p:cond delay="indefinite"/>
-                      </p:stCondLst>
-                      <p:childTnLst>
-                        <p:par>
-                          <p:cTn id="8" fill="hold">
-                            <p:stCondLst>
-                              <p:cond delay="0"/>
-                            </p:stCondLst>
-                            <p:childTnLst>
-                              <p:par>
-                                <p:cTn id="9" presetID="1" presetClass="exit" presetSubtype="0" fill="hold" nodeType="clickEffect">
-                                  <p:stCondLst>
-                                    <p:cond delay="0"/>
-                                  </p:stCondLst>
-                                  <p:childTnLst>
-                                    <p:set>
-                                      <p:cBhvr>
-                                        <p:cTn id="10" dur="1" fill="hold">
-                                          <p:stCondLst>
-                                            <p:cond delay="0"/>
-                                          </p:stCondLst>
-                                        </p:cTn>
-                                        <p:tgtEl>
-                                          <p:spTgt spid="1029"/>
-                                        </p:tgtEl>
-                                        <p:attrNameLst>
-                                          <p:attrName>style.visibility</p:attrName>
-                                        </p:attrNameLst>
-                                      </p:cBhvr>
-                                      <p:to>
-                                        <p:strVal val="hidden"/>
                                       </p:to>
                                     </p:set>
                                   </p:childTnLst>
@@ -11588,7 +11805,7 @@
 </p:sld>
 </file>
 
-<file path=ppt/slides/slide8.xml><?xml version="1.0" encoding="utf-8"?>
+<file path=ppt/slides/slide7.xml><?xml version="1.0" encoding="utf-8"?>
 <p:sld xmlns:a="http://schemas.openxmlformats.org/drawingml/2006/main" xmlns:r="http://schemas.openxmlformats.org/officeDocument/2006/relationships" xmlns:p="http://schemas.openxmlformats.org/presentationml/2006/main">
   <p:cSld>
     <p:spTree>
@@ -11662,7 +11879,7 @@
           <a:p>
             <a:fld id="{6D22F896-40B5-4ADD-8801-0D06FADFA095}" type="slidenum">
               <a:rPr lang="en-US" smtClean="0"/>
-              <a:t>8</a:t>
+              <a:t>7</a:t>
             </a:fld>
             <a:endParaRPr lang="en-US" dirty="0"/>
           </a:p>
@@ -11797,7 +12014,7 @@
 </p:sld>
 </file>
 
-<file path=ppt/slides/slide9.xml><?xml version="1.0" encoding="utf-8"?>
+<file path=ppt/slides/slide8.xml><?xml version="1.0" encoding="utf-8"?>
 <p:sld xmlns:a="http://schemas.openxmlformats.org/drawingml/2006/main" xmlns:r="http://schemas.openxmlformats.org/officeDocument/2006/relationships" xmlns:p="http://schemas.openxmlformats.org/presentationml/2006/main">
   <p:cSld>
     <p:spTree>
@@ -11871,7 +12088,7 @@
           <a:p>
             <a:fld id="{6D22F896-40B5-4ADD-8801-0D06FADFA095}" type="slidenum">
               <a:rPr lang="en-US" smtClean="0"/>
-              <a:t>9</a:t>
+              <a:t>8</a:t>
             </a:fld>
             <a:endParaRPr lang="en-US" dirty="0"/>
           </a:p>
@@ -11949,6 +12166,168 @@
       </p:transition>
     </mc:Fallback>
   </mc:AlternateContent>
+</p:sld>
+</file>
+
+<file path=ppt/slides/slide9.xml><?xml version="1.0" encoding="utf-8"?>
+<p:sld xmlns:a="http://schemas.openxmlformats.org/drawingml/2006/main" xmlns:r="http://schemas.openxmlformats.org/officeDocument/2006/relationships" xmlns:p="http://schemas.openxmlformats.org/presentationml/2006/main">
+  <p:cSld>
+    <p:spTree>
+      <p:nvGrpSpPr>
+        <p:cNvPr id="1" name=""/>
+        <p:cNvGrpSpPr/>
+        <p:nvPr/>
+      </p:nvGrpSpPr>
+      <p:grpSpPr>
+        <a:xfrm>
+          <a:off x="0" y="0"/>
+          <a:ext cx="0" cy="0"/>
+          <a:chOff x="0" y="0"/>
+          <a:chExt cx="0" cy="0"/>
+        </a:xfrm>
+      </p:grpSpPr>
+      <p:sp>
+        <p:nvSpPr>
+          <p:cNvPr id="2" name="Заголовок 1">
+            <a:extLst>
+              <a:ext uri="{FF2B5EF4-FFF2-40B4-BE49-F238E27FC236}">
+                <a16:creationId xmlns:a16="http://schemas.microsoft.com/office/drawing/2014/main" id="{2280FDB8-C220-4491-AAB2-A546660F4542}"/>
+              </a:ext>
+            </a:extLst>
+          </p:cNvPr>
+          <p:cNvSpPr>
+            <a:spLocks noGrp="1"/>
+          </p:cNvSpPr>
+          <p:nvPr>
+            <p:ph type="title"/>
+          </p:nvPr>
+        </p:nvSpPr>
+        <p:spPr>
+          <a:xfrm>
+            <a:off x="1390650" y="685800"/>
+            <a:ext cx="10150862" cy="1485900"/>
+          </a:xfrm>
+        </p:spPr>
+        <p:txBody>
+          <a:bodyPr>
+            <a:normAutofit fontScale="90000"/>
+          </a:bodyPr>
+          <a:lstStyle/>
+          <a:p>
+            <a:r>
+              <a:rPr lang="ru-RU" dirty="0"/>
+              <a:t>Язык ДРАКОН</a:t>
+            </a:r>
+            <a:br>
+              <a:rPr lang="ru-RU" dirty="0"/>
+            </a:br>
+            <a:r>
+              <a:rPr lang="ru-RU" dirty="0"/>
+              <a:t>как инструмент обучения программированию</a:t>
+            </a:r>
+          </a:p>
+        </p:txBody>
+      </p:sp>
+      <p:sp>
+        <p:nvSpPr>
+          <p:cNvPr id="3" name="Объект 2">
+            <a:extLst>
+              <a:ext uri="{FF2B5EF4-FFF2-40B4-BE49-F238E27FC236}">
+                <a16:creationId xmlns:a16="http://schemas.microsoft.com/office/drawing/2014/main" id="{FADF83A4-F4AD-4863-82CE-4708C6629C8D}"/>
+              </a:ext>
+            </a:extLst>
+          </p:cNvPr>
+          <p:cNvSpPr>
+            <a:spLocks noGrp="1"/>
+          </p:cNvSpPr>
+          <p:nvPr>
+            <p:ph idx="1"/>
+          </p:nvPr>
+        </p:nvSpPr>
+        <p:spPr>
+          <a:xfrm>
+            <a:off x="1371599" y="2286000"/>
+            <a:ext cx="10150861" cy="3581400"/>
+          </a:xfrm>
+        </p:spPr>
+        <p:txBody>
+          <a:bodyPr/>
+          <a:lstStyle/>
+          <a:p>
+            <a:r>
+              <a:rPr lang="ru-RU" sz="3200" dirty="0"/>
+              <a:t>Обладает низким порогом входа</a:t>
+            </a:r>
+          </a:p>
+          <a:p>
+            <a:r>
+              <a:rPr lang="ru-RU" sz="3200" dirty="0"/>
+              <a:t>Обладает преимуществом в наглядности в сравнении с классическими блок-схемами</a:t>
+            </a:r>
+          </a:p>
+          <a:p>
+            <a:r>
+              <a:rPr lang="ru-RU" sz="3200" dirty="0"/>
+              <a:t>Проще текстовых языков программирования</a:t>
+            </a:r>
+          </a:p>
+          <a:p>
+            <a:r>
+              <a:rPr lang="ru-RU" sz="3200" dirty="0"/>
+              <a:t>Присутствует автоматизация перевода в язык программирования</a:t>
+            </a:r>
+          </a:p>
+          <a:p>
+            <a:endParaRPr lang="ru-RU" dirty="0"/>
+          </a:p>
+          <a:p>
+            <a:endParaRPr lang="ru-RU" dirty="0"/>
+          </a:p>
+          <a:p>
+            <a:endParaRPr lang="ru-RU" dirty="0"/>
+          </a:p>
+        </p:txBody>
+      </p:sp>
+      <p:sp>
+        <p:nvSpPr>
+          <p:cNvPr id="4" name="Номер слайда 3">
+            <a:extLst>
+              <a:ext uri="{FF2B5EF4-FFF2-40B4-BE49-F238E27FC236}">
+                <a16:creationId xmlns:a16="http://schemas.microsoft.com/office/drawing/2014/main" id="{025F53E2-6E41-4560-9904-F5EA390FBAA4}"/>
+              </a:ext>
+            </a:extLst>
+          </p:cNvPr>
+          <p:cNvSpPr>
+            <a:spLocks noGrp="1"/>
+          </p:cNvSpPr>
+          <p:nvPr>
+            <p:ph type="sldNum" sz="quarter" idx="12"/>
+          </p:nvPr>
+        </p:nvSpPr>
+        <p:spPr/>
+        <p:txBody>
+          <a:bodyPr/>
+          <a:lstStyle/>
+          <a:p>
+            <a:fld id="{6D22F896-40B5-4ADD-8801-0D06FADFA095}" type="slidenum">
+              <a:rPr lang="en-US" smtClean="0"/>
+              <a:pPr/>
+              <a:t>9</a:t>
+            </a:fld>
+            <a:endParaRPr lang="en-US" dirty="0"/>
+          </a:p>
+        </p:txBody>
+      </p:sp>
+    </p:spTree>
+    <p:extLst>
+      <p:ext uri="{BB962C8B-B14F-4D97-AF65-F5344CB8AC3E}">
+        <p14:creationId xmlns:p14="http://schemas.microsoft.com/office/powerpoint/2010/main" val="1597983281"/>
+      </p:ext>
+    </p:extLst>
+  </p:cSld>
+  <p:clrMapOvr>
+    <a:masterClrMapping/>
+  </p:clrMapOvr>
 </p:sld>
 </file>
 

--- a/dizdocs/dipl_practise.pptx
+++ b/dizdocs/dipl_practise.pptx
@@ -664,54 +664,9 @@
           <a:bodyPr/>
           <a:lstStyle/>
           <a:p>
-            <a:pPr marL="0" indent="0">
-              <a:buNone/>
-            </a:pPr>
-            <a:r>
-              <a:rPr lang="ru-RU" dirty="0"/>
-              <a:t>Цель:</a:t>
-            </a:r>
-          </a:p>
-          <a:p>
-            <a:pPr marL="0" indent="0">
-              <a:buNone/>
-            </a:pPr>
-            <a:r>
-              <a:rPr lang="ru-RU" dirty="0"/>
-              <a:t>проектирование и разработка ИС для автоматизации процесса обучения алгоритмизации с помощью языка ДРАКОН.</a:t>
-            </a:r>
-          </a:p>
-          <a:p>
-            <a:pPr marL="0" indent="0">
-              <a:buNone/>
-            </a:pPr>
-            <a:endParaRPr lang="ru-RU" dirty="0"/>
-          </a:p>
-          <a:p>
-            <a:pPr marL="0" indent="0">
-              <a:buNone/>
-            </a:pPr>
-            <a:r>
-              <a:rPr lang="ru-RU" dirty="0"/>
-              <a:t>Назначение: </a:t>
-            </a:r>
-          </a:p>
-          <a:p>
-            <a:r>
-              <a:rPr lang="ru-RU" dirty="0"/>
-              <a:t>автоматизация процесса обучения студентов основам алгоритмизации</a:t>
-            </a:r>
-          </a:p>
-          <a:p>
-            <a:r>
-              <a:rPr lang="ru-RU" dirty="0"/>
-              <a:t>снижение нагрузки на преподавателей</a:t>
-            </a:r>
-          </a:p>
-          <a:p>
-            <a:r>
-              <a:rPr lang="ru-RU" dirty="0"/>
-              <a:t>повышение практической пользы языка ДРАКОН</a:t>
+            <a:r>
+              <a:rPr lang="ru-RU" dirty="0"/>
+              <a:t>Для того, чтобы обучать алгоритмизации требуется не просто дать возможность писать программы, но создать среду обучения, которая должна обладать следующими качествами.</a:t>
             </a:r>
           </a:p>
         </p:txBody>
@@ -733,7 +688,7 @@
           <a:p>
             <a:fld id="{51445AF8-C6EC-4BDD-A795-83822D331AF1}" type="slidenum">
               <a:rPr lang="ru-RU" smtClean="0"/>
-              <a:t>11</a:t>
+              <a:t>10</a:t>
             </a:fld>
             <a:endParaRPr lang="ru-RU"/>
           </a:p>
@@ -742,7 +697,7 @@
     </p:spTree>
     <p:extLst>
       <p:ext uri="{BB962C8B-B14F-4D97-AF65-F5344CB8AC3E}">
-        <p14:creationId xmlns:p14="http://schemas.microsoft.com/office/powerpoint/2010/main" val="2612325833"/>
+        <p14:creationId xmlns:p14="http://schemas.microsoft.com/office/powerpoint/2010/main" val="3921963955"/>
       </p:ext>
     </p:extLst>
   </p:cSld>
@@ -796,7 +751,55 @@
           <a:bodyPr/>
           <a:lstStyle/>
           <a:p>
+            <a:pPr marL="0" indent="0">
+              <a:buNone/>
+            </a:pPr>
+            <a:r>
+              <a:rPr lang="ru-RU" dirty="0"/>
+              <a:t>Цель:</a:t>
+            </a:r>
+          </a:p>
+          <a:p>
+            <a:pPr marL="0" indent="0">
+              <a:buNone/>
+            </a:pPr>
+            <a:r>
+              <a:rPr lang="ru-RU" dirty="0"/>
+              <a:t>проектирование и разработка ИС для автоматизации процесса обучения алгоритмизации с помощью языка ДРАКОН.</a:t>
+            </a:r>
+          </a:p>
+          <a:p>
+            <a:pPr marL="0" indent="0">
+              <a:buNone/>
+            </a:pPr>
             <a:endParaRPr lang="ru-RU" dirty="0"/>
+          </a:p>
+          <a:p>
+            <a:pPr marL="0" indent="0">
+              <a:buNone/>
+            </a:pPr>
+            <a:r>
+              <a:rPr lang="ru-RU" dirty="0"/>
+              <a:t>Назначение: </a:t>
+            </a:r>
+          </a:p>
+          <a:p>
+            <a:r>
+              <a:rPr lang="ru-RU" dirty="0"/>
+              <a:t>автоматизация процесса обучения студентов основам алгоритмизации</a:t>
+            </a:r>
+          </a:p>
+          <a:p>
+            <a:r>
+              <a:rPr lang="ru-RU" dirty="0"/>
+              <a:t>снижение нагрузки на преподавателей</a:t>
+            </a:r>
+          </a:p>
+          <a:p>
+            <a:r>
+              <a:rPr lang="ru-RU" dirty="0"/>
+              <a:t>повышение практической пользы языка ДРАКОН</a:t>
+            </a:r>
           </a:p>
         </p:txBody>
       </p:sp>
@@ -817,7 +820,7 @@
           <a:p>
             <a:fld id="{51445AF8-C6EC-4BDD-A795-83822D331AF1}" type="slidenum">
               <a:rPr lang="ru-RU" smtClean="0"/>
-              <a:t>12</a:t>
+              <a:t>11</a:t>
             </a:fld>
             <a:endParaRPr lang="ru-RU"/>
           </a:p>
@@ -826,7 +829,7 @@
     </p:spTree>
     <p:extLst>
       <p:ext uri="{BB962C8B-B14F-4D97-AF65-F5344CB8AC3E}">
-        <p14:creationId xmlns:p14="http://schemas.microsoft.com/office/powerpoint/2010/main" val="3719616705"/>
+        <p14:creationId xmlns:p14="http://schemas.microsoft.com/office/powerpoint/2010/main" val="2612325833"/>
       </p:ext>
     </p:extLst>
   </p:cSld>
@@ -882,7 +885,44 @@
           <a:p>
             <a:r>
               <a:rPr lang="ru-RU" dirty="0"/>
-              <a:t>Была разработана диаграмма сущность связь и БД, привязанная к ней</a:t>
+              <a:t>Для автономной автоматизированной среды обучения требуются 3 основные роли:</a:t>
+            </a:r>
+          </a:p>
+          <a:p>
+            <a:r>
+              <a:rPr lang="ru-RU" dirty="0"/>
+              <a:t>Пользователь, которому необходимо дать возможность уникально идентифицировать себя в системе, чтобы иметь возможность хранить свои схемы на сервере</a:t>
+            </a:r>
+            <a:br>
+              <a:rPr lang="ru-RU" dirty="0"/>
+            </a:br>
+            <a:r>
+              <a:rPr lang="ru-RU" dirty="0"/>
+              <a:t>Куратор, который должен обладать доступом ко все схемам подопечных пользователей.</a:t>
+            </a:r>
+          </a:p>
+          <a:p>
+            <a:r>
+              <a:rPr lang="ru-RU" dirty="0"/>
+              <a:t>И Администратор, который  выдаёт роли остальным пользователям и при необходимости удаляет учетные записи.</a:t>
+            </a:r>
+            <a:br>
+              <a:rPr lang="ru-RU" dirty="0"/>
+            </a:br>
+            <a:br>
+              <a:rPr lang="ru-RU" dirty="0"/>
+            </a:br>
+            <a:r>
+              <a:rPr lang="ru-RU" dirty="0"/>
+              <a:t>Каждый </a:t>
+            </a:r>
+            <a:r>
+              <a:rPr lang="ru-RU" dirty="0" err="1"/>
+              <a:t>актор</a:t>
+            </a:r>
+            <a:r>
+              <a:rPr lang="ru-RU" dirty="0"/>
+              <a:t> выполняет собственные роли</a:t>
             </a:r>
           </a:p>
         </p:txBody>
@@ -904,7 +944,7 @@
           <a:p>
             <a:fld id="{51445AF8-C6EC-4BDD-A795-83822D331AF1}" type="slidenum">
               <a:rPr lang="ru-RU" smtClean="0"/>
-              <a:t>13</a:t>
+              <a:t>12</a:t>
             </a:fld>
             <a:endParaRPr lang="ru-RU"/>
           </a:p>
@@ -913,7 +953,7 @@
     </p:spTree>
     <p:extLst>
       <p:ext uri="{BB962C8B-B14F-4D97-AF65-F5344CB8AC3E}">
-        <p14:creationId xmlns:p14="http://schemas.microsoft.com/office/powerpoint/2010/main" val="682851475"/>
+        <p14:creationId xmlns:p14="http://schemas.microsoft.com/office/powerpoint/2010/main" val="3719616705"/>
       </p:ext>
     </p:extLst>
   </p:cSld>
@@ -969,37 +1009,8 @@
           <a:p>
             <a:r>
               <a:rPr lang="ru-RU" dirty="0"/>
-              <a:t>В рамках предъявляемых к ИС требований была спроектирована система со следующей физической архитектурой:</a:t>
-            </a:r>
-            <a:br>
-              <a:rPr lang="ru-RU" dirty="0"/>
-            </a:br>
-            <a:endParaRPr lang="ru-RU" dirty="0"/>
-          </a:p>
-          <a:p>
-            <a:r>
-              <a:rPr lang="ru-RU" dirty="0"/>
-              <a:t>Пользователь, использую рабочую станцию и открытый браузер, взаимодействует с сервером через сеть, используя протокол </a:t>
-            </a:r>
-            <a:r>
-              <a:rPr lang="en-US" dirty="0"/>
-              <a:t>HTTP</a:t>
-            </a:r>
-            <a:r>
-              <a:rPr lang="ru-RU" dirty="0"/>
-              <a:t>.</a:t>
-            </a:r>
-            <a:br>
-              <a:rPr lang="ru-RU" dirty="0"/>
-            </a:br>
-            <a:r>
-              <a:rPr lang="ru-RU" dirty="0"/>
-              <a:t>Серверная машина обеспечивает выполнение самой серверной службы и осуществляет хранение и взаимодействие с базой данных.</a:t>
-            </a:r>
-            <a:br>
-              <a:rPr lang="ru-RU" dirty="0"/>
-            </a:br>
-            <a:endParaRPr lang="ru-RU" dirty="0"/>
+              <a:t>При проектировании базы данных для разрабатываемой системы была разработана диаграмма сущность связь</a:t>
+            </a:r>
           </a:p>
         </p:txBody>
       </p:sp>
@@ -1020,7 +1031,7 @@
           <a:p>
             <a:fld id="{51445AF8-C6EC-4BDD-A795-83822D331AF1}" type="slidenum">
               <a:rPr lang="ru-RU" smtClean="0"/>
-              <a:t>15</a:t>
+              <a:t>13</a:t>
             </a:fld>
             <a:endParaRPr lang="ru-RU"/>
           </a:p>
@@ -1029,7 +1040,7 @@
     </p:spTree>
     <p:extLst>
       <p:ext uri="{BB962C8B-B14F-4D97-AF65-F5344CB8AC3E}">
-        <p14:creationId xmlns:p14="http://schemas.microsoft.com/office/powerpoint/2010/main" val="3038349952"/>
+        <p14:creationId xmlns:p14="http://schemas.microsoft.com/office/powerpoint/2010/main" val="682851475"/>
       </p:ext>
     </p:extLst>
   </p:cSld>
@@ -1085,78 +1096,15 @@
           <a:p>
             <a:r>
               <a:rPr lang="ru-RU" dirty="0"/>
-              <a:t>С точки зрения логики выполнения программного продукта:</a:t>
-            </a:r>
-          </a:p>
-          <a:p>
-            <a:endParaRPr lang="ru-RU" dirty="0"/>
-          </a:p>
-          <a:p>
-            <a:r>
-              <a:rPr lang="ru-RU" dirty="0"/>
-              <a:t>Реализован сервер на </a:t>
-            </a:r>
-            <a:r>
-              <a:rPr lang="ru-RU" dirty="0" err="1"/>
-              <a:t>фреймворке</a:t>
-            </a:r>
-            <a:r>
-              <a:rPr lang="ru-RU" dirty="0"/>
-              <a:t> </a:t>
-            </a:r>
-            <a:r>
-              <a:rPr lang="en-US" dirty="0" err="1"/>
-              <a:t>NestJS</a:t>
-            </a:r>
-            <a:r>
-              <a:rPr lang="ru-RU" dirty="0"/>
-              <a:t>, который с помощью библиотеки  </a:t>
-            </a:r>
-            <a:r>
-              <a:rPr lang="en-US" dirty="0" err="1"/>
-              <a:t>TypeORM</a:t>
+              <a:t>Для сохранения ДРАКОН-схем в локальных файлах и базе данных был разработан специальный </a:t>
             </a:r>
             <a:r>
               <a:rPr lang="en-US" dirty="0"/>
-              <a:t> </a:t>
-            </a:r>
-            <a:r>
-              <a:rPr lang="ru-RU" dirty="0"/>
-              <a:t>взаимодействует с базой данной </a:t>
-            </a:r>
-            <a:r>
-              <a:rPr lang="en-US" dirty="0"/>
-              <a:t>PostgreSQL</a:t>
-            </a:r>
-            <a:r>
-              <a:rPr lang="ru-RU" dirty="0"/>
-              <a:t>.</a:t>
-            </a:r>
-            <a:br>
-              <a:rPr lang="ru-RU" dirty="0"/>
-            </a:br>
-            <a:br>
-              <a:rPr lang="ru-RU" dirty="0"/>
-            </a:br>
-            <a:r>
-              <a:rPr lang="ru-RU" dirty="0"/>
-              <a:t>Общение между клиентом и сервером осуществляется при применения архитектурного стиля </a:t>
-            </a:r>
-            <a:r>
-              <a:rPr lang="en-US" dirty="0"/>
-              <a:t>RESTful API</a:t>
-            </a:r>
-            <a:r>
-              <a:rPr lang="ru-RU" dirty="0"/>
-              <a:t> через реализованные сервисы </a:t>
-            </a:r>
-            <a:r>
-              <a:rPr lang="en-US" dirty="0" err="1"/>
-              <a:t>NestJS</a:t>
-            </a:r>
-            <a:r>
-              <a:rPr lang="ru-RU" dirty="0"/>
-              <a:t> и сервисы-провайдеры клиента.</a:t>
+              <a:t>JSON</a:t>
+            </a:r>
+            <a:r>
+              <a:rPr lang="ru-RU" dirty="0"/>
+              <a:t> формат представления схем</a:t>
             </a:r>
           </a:p>
         </p:txBody>
@@ -1178,7 +1126,7 @@
           <a:p>
             <a:fld id="{51445AF8-C6EC-4BDD-A795-83822D331AF1}" type="slidenum">
               <a:rPr lang="ru-RU" smtClean="0"/>
-              <a:t>16</a:t>
+              <a:t>14</a:t>
             </a:fld>
             <a:endParaRPr lang="ru-RU"/>
           </a:p>
@@ -1187,7 +1135,7 @@
     </p:spTree>
     <p:extLst>
       <p:ext uri="{BB962C8B-B14F-4D97-AF65-F5344CB8AC3E}">
-        <p14:creationId xmlns:p14="http://schemas.microsoft.com/office/powerpoint/2010/main" val="151470465"/>
+        <p14:creationId xmlns:p14="http://schemas.microsoft.com/office/powerpoint/2010/main" val="3370434321"/>
       </p:ext>
     </p:extLst>
   </p:cSld>
@@ -1243,83 +1191,37 @@
           <a:p>
             <a:r>
               <a:rPr lang="ru-RU" dirty="0"/>
-              <a:t>Механизм аутентификации реализован по схеме </a:t>
+              <a:t>В рамках предъявляемых к ИС требований была спроектирована система со следующей физической архитектурой:</a:t>
+            </a:r>
+            <a:br>
+              <a:rPr lang="ru-RU" dirty="0"/>
+            </a:br>
+            <a:endParaRPr lang="ru-RU" dirty="0"/>
+          </a:p>
+          <a:p>
+            <a:r>
+              <a:rPr lang="ru-RU" dirty="0"/>
+              <a:t>Пользователь, используя рабочую станцию и открытый браузер, взаимодействует с сервером через сеть, используя протокол </a:t>
             </a:r>
             <a:r>
               <a:rPr lang="en-US" dirty="0"/>
-              <a:t>Http Basic (</a:t>
-            </a:r>
-            <a:r>
-              <a:rPr lang="ru-RU" dirty="0"/>
-              <a:t>Логин + Пароль)</a:t>
-            </a:r>
-            <a:endParaRPr lang="en-US" dirty="0"/>
-          </a:p>
-          <a:p>
+              <a:t>HTTP</a:t>
+            </a:r>
+            <a:r>
+              <a:rPr lang="ru-RU" dirty="0"/>
+              <a:t>.</a:t>
+            </a:r>
+            <a:br>
+              <a:rPr lang="ru-RU" dirty="0"/>
+            </a:br>
+            <a:r>
+              <a:rPr lang="ru-RU" dirty="0"/>
+              <a:t>Серверная машина обеспечивает выполнение самой серверной службы и осуществляет хранение и взаимодействие с базой данных.</a:t>
+            </a:r>
+            <a:br>
+              <a:rPr lang="ru-RU" dirty="0"/>
+            </a:br>
             <a:endParaRPr lang="ru-RU" dirty="0"/>
-          </a:p>
-          <a:p>
-            <a:pPr marL="0" marR="0" lvl="0" indent="0" algn="l" defTabSz="914400" rtl="0" eaLnBrk="1" fontAlgn="auto" latinLnBrk="0" hangingPunct="1">
-              <a:lnSpc>
-                <a:spcPct val="100000"/>
-              </a:lnSpc>
-              <a:spcBef>
-                <a:spcPts val="0"/>
-              </a:spcBef>
-              <a:spcAft>
-                <a:spcPts val="0"/>
-              </a:spcAft>
-              <a:buClrTx/>
-              <a:buSzTx/>
-              <a:buFontTx/>
-              <a:buNone/>
-              <a:tabLst/>
-              <a:defRPr/>
-            </a:pPr>
-            <a:r>
-              <a:rPr lang="ru-RU" dirty="0"/>
-              <a:t>Механизм авторизации реализован по схеме </a:t>
-            </a:r>
-            <a:r>
-              <a:rPr lang="en-US" dirty="0"/>
-              <a:t>Http Bearer (JWT-token</a:t>
-            </a:r>
-            <a:r>
-              <a:rPr lang="ru-RU" dirty="0"/>
-              <a:t>)</a:t>
-            </a:r>
-            <a:endParaRPr lang="en-US" dirty="0"/>
-          </a:p>
-          <a:p>
-            <a:endParaRPr lang="ru-RU" dirty="0"/>
-          </a:p>
-          <a:p>
-            <a:r>
-              <a:rPr lang="ru-RU" dirty="0"/>
-              <a:t>Для доступа к защищенным путям используется специальный </a:t>
-            </a:r>
-            <a:r>
-              <a:rPr lang="ru-RU" dirty="0" err="1"/>
-              <a:t>токен</a:t>
-            </a:r>
-            <a:endParaRPr lang="ru-RU" dirty="0"/>
-          </a:p>
-          <a:p>
-            <a:endParaRPr lang="ru-RU" dirty="0"/>
-          </a:p>
-          <a:p>
-            <a:r>
-              <a:rPr lang="ru-RU" dirty="0"/>
-              <a:t>Число раундов соли характеризует степень защищенности пароля от атак грубой силы (</a:t>
-            </a:r>
-            <a:r>
-              <a:rPr lang="en-US" dirty="0"/>
-              <a:t>brute-force attack)</a:t>
-            </a:r>
-            <a:r>
-              <a:rPr lang="ru-RU" dirty="0"/>
-              <a:t> (множество паролей и фраз в надежде угадать верный)</a:t>
-            </a:r>
           </a:p>
         </p:txBody>
       </p:sp>
@@ -1340,7 +1242,7 @@
           <a:p>
             <a:fld id="{51445AF8-C6EC-4BDD-A795-83822D331AF1}" type="slidenum">
               <a:rPr lang="ru-RU" smtClean="0"/>
-              <a:t>18</a:t>
+              <a:t>15</a:t>
             </a:fld>
             <a:endParaRPr lang="ru-RU"/>
           </a:p>
@@ -1349,7 +1251,7 @@
     </p:spTree>
     <p:extLst>
       <p:ext uri="{BB962C8B-B14F-4D97-AF65-F5344CB8AC3E}">
-        <p14:creationId xmlns:p14="http://schemas.microsoft.com/office/powerpoint/2010/main" val="3365833459"/>
+        <p14:creationId xmlns:p14="http://schemas.microsoft.com/office/powerpoint/2010/main" val="3038349952"/>
       </p:ext>
     </p:extLst>
   </p:cSld>
@@ -1405,7 +1307,78 @@
           <a:p>
             <a:r>
               <a:rPr lang="ru-RU" dirty="0"/>
-              <a:t>Входные данные программы представлены на слайде</a:t>
+              <a:t>С точки зрения логики выполнения программного продукта:</a:t>
+            </a:r>
+          </a:p>
+          <a:p>
+            <a:endParaRPr lang="ru-RU" dirty="0"/>
+          </a:p>
+          <a:p>
+            <a:r>
+              <a:rPr lang="ru-RU" dirty="0"/>
+              <a:t>Реализован сервер на </a:t>
+            </a:r>
+            <a:r>
+              <a:rPr lang="ru-RU" dirty="0" err="1"/>
+              <a:t>фреймворке</a:t>
+            </a:r>
+            <a:r>
+              <a:rPr lang="ru-RU" dirty="0"/>
+              <a:t> </a:t>
+            </a:r>
+            <a:r>
+              <a:rPr lang="en-US" dirty="0" err="1"/>
+              <a:t>NestJS</a:t>
+            </a:r>
+            <a:r>
+              <a:rPr lang="ru-RU" dirty="0"/>
+              <a:t>, который с помощью библиотеки  </a:t>
+            </a:r>
+            <a:r>
+              <a:rPr lang="en-US" dirty="0" err="1"/>
+              <a:t>TypeORM</a:t>
+            </a:r>
+            <a:r>
+              <a:rPr lang="en-US" dirty="0"/>
+              <a:t> </a:t>
+            </a:r>
+            <a:r>
+              <a:rPr lang="ru-RU" dirty="0"/>
+              <a:t>взаимодействует с базой данной </a:t>
+            </a:r>
+            <a:r>
+              <a:rPr lang="en-US" dirty="0"/>
+              <a:t>PostgreSQL</a:t>
+            </a:r>
+            <a:r>
+              <a:rPr lang="ru-RU" dirty="0"/>
+              <a:t>.</a:t>
+            </a:r>
+            <a:br>
+              <a:rPr lang="ru-RU" dirty="0"/>
+            </a:br>
+            <a:br>
+              <a:rPr lang="ru-RU" dirty="0"/>
+            </a:br>
+            <a:r>
+              <a:rPr lang="ru-RU" dirty="0"/>
+              <a:t>Общение между клиентом и сервером осуществляется при применения архитектурного стиля </a:t>
+            </a:r>
+            <a:r>
+              <a:rPr lang="en-US" dirty="0"/>
+              <a:t>RESTful API</a:t>
+            </a:r>
+            <a:r>
+              <a:rPr lang="ru-RU" dirty="0"/>
+              <a:t> через реализованные сервисы </a:t>
+            </a:r>
+            <a:r>
+              <a:rPr lang="en-US" dirty="0" err="1"/>
+              <a:t>NestJS</a:t>
+            </a:r>
+            <a:r>
+              <a:rPr lang="ru-RU" dirty="0"/>
+              <a:t> и сервисы-провайдеры клиента.</a:t>
             </a:r>
           </a:p>
         </p:txBody>
@@ -1427,7 +1400,7 @@
           <a:p>
             <a:fld id="{51445AF8-C6EC-4BDD-A795-83822D331AF1}" type="slidenum">
               <a:rPr lang="ru-RU" smtClean="0"/>
-              <a:t>19</a:t>
+              <a:t>16</a:t>
             </a:fld>
             <a:endParaRPr lang="ru-RU"/>
           </a:p>
@@ -1436,7 +1409,7 @@
     </p:spTree>
     <p:extLst>
       <p:ext uri="{BB962C8B-B14F-4D97-AF65-F5344CB8AC3E}">
-        <p14:creationId xmlns:p14="http://schemas.microsoft.com/office/powerpoint/2010/main" val="742509794"/>
+        <p14:creationId xmlns:p14="http://schemas.microsoft.com/office/powerpoint/2010/main" val="151470465"/>
       </p:ext>
     </p:extLst>
   </p:cSld>
@@ -1492,7 +1465,23 @@
           <a:p>
             <a:r>
               <a:rPr lang="ru-RU" dirty="0"/>
-              <a:t>Выходные данные программы представлены на слайде</a:t>
+              <a:t>Сервер </a:t>
+            </a:r>
+            <a:r>
+              <a:rPr lang="en-US" dirty="0" err="1"/>
+              <a:t>NestJS</a:t>
+            </a:r>
+            <a:r>
+              <a:rPr lang="ru-RU" dirty="0"/>
+              <a:t> состоит из 6 модулей, которые отвечают за обслуживание запросов пользователей и выдачу статических данных, такие как страницы </a:t>
+            </a:r>
+            <a:r>
+              <a:rPr lang="ru-RU" dirty="0" err="1"/>
+              <a:t>имедиаресурсы</a:t>
+            </a:r>
+            <a:r>
+              <a:rPr lang="ru-RU" dirty="0"/>
+              <a:t>.</a:t>
             </a:r>
           </a:p>
         </p:txBody>
@@ -1514,7 +1503,7 @@
           <a:p>
             <a:fld id="{51445AF8-C6EC-4BDD-A795-83822D331AF1}" type="slidenum">
               <a:rPr lang="ru-RU" smtClean="0"/>
-              <a:t>20</a:t>
+              <a:t>17</a:t>
             </a:fld>
             <a:endParaRPr lang="ru-RU"/>
           </a:p>
@@ -1523,7 +1512,7 @@
     </p:spTree>
     <p:extLst>
       <p:ext uri="{BB962C8B-B14F-4D97-AF65-F5344CB8AC3E}">
-        <p14:creationId xmlns:p14="http://schemas.microsoft.com/office/powerpoint/2010/main" val="3230441014"/>
+        <p14:creationId xmlns:p14="http://schemas.microsoft.com/office/powerpoint/2010/main" val="1723889134"/>
       </p:ext>
     </p:extLst>
   </p:cSld>
@@ -1579,7 +1568,82 @@
           <a:p>
             <a:r>
               <a:rPr lang="ru-RU" dirty="0"/>
-              <a:t>Системные требования программы представлены на слайде</a:t>
+              <a:t>Механизм аутентификации реализован по схеме </a:t>
+            </a:r>
+            <a:r>
+              <a:rPr lang="en-US" dirty="0"/>
+              <a:t>Http Basic (</a:t>
+            </a:r>
+            <a:r>
+              <a:rPr lang="ru-RU" dirty="0"/>
+              <a:t>Логин + Пароль)</a:t>
+            </a:r>
+            <a:endParaRPr lang="en-US" dirty="0"/>
+          </a:p>
+          <a:p>
+            <a:endParaRPr lang="ru-RU" dirty="0"/>
+          </a:p>
+          <a:p>
+            <a:pPr marL="0" marR="0" lvl="0" indent="0" algn="l" defTabSz="914400" rtl="0" eaLnBrk="1" fontAlgn="auto" latinLnBrk="0" hangingPunct="1">
+              <a:lnSpc>
+                <a:spcPct val="100000"/>
+              </a:lnSpc>
+              <a:spcBef>
+                <a:spcPts val="0"/>
+              </a:spcBef>
+              <a:spcAft>
+                <a:spcPts val="0"/>
+              </a:spcAft>
+              <a:buClrTx/>
+              <a:buSzTx/>
+              <a:buFontTx/>
+              <a:buNone/>
+              <a:tabLst/>
+              <a:defRPr/>
+            </a:pPr>
+            <a:r>
+              <a:rPr lang="ru-RU" dirty="0"/>
+              <a:t>Механизм авторизации реализован по схеме </a:t>
+            </a:r>
+            <a:r>
+              <a:rPr lang="en-US" dirty="0"/>
+              <a:t>Http Bearer (JWT-token</a:t>
+            </a:r>
+            <a:r>
+              <a:rPr lang="ru-RU" dirty="0"/>
+              <a:t>)</a:t>
+            </a:r>
+            <a:endParaRPr lang="en-US" dirty="0"/>
+          </a:p>
+          <a:p>
+            <a:endParaRPr lang="ru-RU" dirty="0"/>
+          </a:p>
+          <a:p>
+            <a:r>
+              <a:rPr lang="ru-RU" dirty="0"/>
+              <a:t>Для доступа к защищенным путям используется специальный </a:t>
+            </a:r>
+            <a:r>
+              <a:rPr lang="ru-RU" dirty="0" err="1"/>
+              <a:t>токен</a:t>
+            </a:r>
+            <a:endParaRPr lang="ru-RU" dirty="0"/>
+          </a:p>
+          <a:p>
+            <a:endParaRPr lang="ru-RU" dirty="0"/>
+          </a:p>
+          <a:p>
+            <a:r>
+              <a:rPr lang="ru-RU" dirty="0"/>
+              <a:t>Число раундов соли характеризует степень защищенности пароля от атак грубой силы (</a:t>
+            </a:r>
+            <a:r>
+              <a:rPr lang="en-US" dirty="0"/>
+              <a:t>brute-force attack)</a:t>
+            </a:r>
+            <a:r>
+              <a:rPr lang="ru-RU" dirty="0"/>
+              <a:t> (множество паролей и фраз в надежде угадать верный)</a:t>
             </a:r>
           </a:p>
         </p:txBody>
@@ -1601,7 +1665,7 @@
           <a:p>
             <a:fld id="{51445AF8-C6EC-4BDD-A795-83822D331AF1}" type="slidenum">
               <a:rPr lang="ru-RU" smtClean="0"/>
-              <a:t>21</a:t>
+              <a:t>18</a:t>
             </a:fld>
             <a:endParaRPr lang="ru-RU"/>
           </a:p>
@@ -1610,7 +1674,7 @@
     </p:spTree>
     <p:extLst>
       <p:ext uri="{BB962C8B-B14F-4D97-AF65-F5344CB8AC3E}">
-        <p14:creationId xmlns:p14="http://schemas.microsoft.com/office/powerpoint/2010/main" val="791709984"/>
+        <p14:creationId xmlns:p14="http://schemas.microsoft.com/office/powerpoint/2010/main" val="3365833459"/>
       </p:ext>
     </p:extLst>
   </p:cSld>
@@ -1666,7 +1730,7 @@
           <a:p>
             <a:r>
               <a:rPr lang="ru-RU" dirty="0"/>
-              <a:t>Системные требования программы представлены на слайде</a:t>
+              <a:t>Входные данные программы представлены на слайде</a:t>
             </a:r>
           </a:p>
         </p:txBody>
@@ -1688,7 +1752,7 @@
           <a:p>
             <a:fld id="{51445AF8-C6EC-4BDD-A795-83822D331AF1}" type="slidenum">
               <a:rPr lang="ru-RU" smtClean="0"/>
-              <a:t>22</a:t>
+              <a:t>19</a:t>
             </a:fld>
             <a:endParaRPr lang="ru-RU"/>
           </a:p>
@@ -1697,7 +1761,7 @@
     </p:spTree>
     <p:extLst>
       <p:ext uri="{BB962C8B-B14F-4D97-AF65-F5344CB8AC3E}">
-        <p14:creationId xmlns:p14="http://schemas.microsoft.com/office/powerpoint/2010/main" val="3253837271"/>
+        <p14:creationId xmlns:p14="http://schemas.microsoft.com/office/powerpoint/2010/main" val="742509794"/>
       </p:ext>
     </p:extLst>
   </p:cSld>
@@ -1751,7 +1815,10 @@
           <a:bodyPr/>
           <a:lstStyle/>
           <a:p>
-            <a:endParaRPr lang="ru-RU" dirty="0"/>
+            <a:r>
+              <a:rPr lang="ru-RU" dirty="0"/>
+              <a:t>Преддипломная практика проводилась на кафедре АГТУ нашего университета, которая осуществляет подготовку специалистов различных технических специальностей</a:t>
+            </a:r>
           </a:p>
         </p:txBody>
       </p:sp>
@@ -1772,7 +1839,7 @@
           <a:p>
             <a:fld id="{51445AF8-C6EC-4BDD-A795-83822D331AF1}" type="slidenum">
               <a:rPr lang="ru-RU" smtClean="0"/>
-              <a:t>3</a:t>
+              <a:t>2</a:t>
             </a:fld>
             <a:endParaRPr lang="ru-RU"/>
           </a:p>
@@ -1781,7 +1848,7 @@
     </p:spTree>
     <p:extLst>
       <p:ext uri="{BB962C8B-B14F-4D97-AF65-F5344CB8AC3E}">
-        <p14:creationId xmlns:p14="http://schemas.microsoft.com/office/powerpoint/2010/main" val="950524420"/>
+        <p14:creationId xmlns:p14="http://schemas.microsoft.com/office/powerpoint/2010/main" val="3411317925"/>
       </p:ext>
     </p:extLst>
   </p:cSld>
@@ -1835,7 +1902,10 @@
           <a:bodyPr/>
           <a:lstStyle/>
           <a:p>
-            <a:endParaRPr lang="ru-RU" dirty="0"/>
+            <a:r>
+              <a:rPr lang="ru-RU" dirty="0"/>
+              <a:t>Выходные данные программы представлены на слайде</a:t>
+            </a:r>
           </a:p>
         </p:txBody>
       </p:sp>
@@ -1856,7 +1926,7 @@
           <a:p>
             <a:fld id="{51445AF8-C6EC-4BDD-A795-83822D331AF1}" type="slidenum">
               <a:rPr lang="ru-RU" smtClean="0"/>
-              <a:t>23</a:t>
+              <a:t>20</a:t>
             </a:fld>
             <a:endParaRPr lang="ru-RU"/>
           </a:p>
@@ -1865,7 +1935,7 @@
     </p:spTree>
     <p:extLst>
       <p:ext uri="{BB962C8B-B14F-4D97-AF65-F5344CB8AC3E}">
-        <p14:creationId xmlns:p14="http://schemas.microsoft.com/office/powerpoint/2010/main" val="3486147722"/>
+        <p14:creationId xmlns:p14="http://schemas.microsoft.com/office/powerpoint/2010/main" val="3230441014"/>
       </p:ext>
     </p:extLst>
   </p:cSld>
@@ -1920,6 +1990,264 @@
           <a:lstStyle/>
           <a:p>
             <a:r>
+              <a:rPr lang="ru-RU" dirty="0"/>
+              <a:t>Системные требования программы представлены на слайде</a:t>
+            </a:r>
+          </a:p>
+        </p:txBody>
+      </p:sp>
+      <p:sp>
+        <p:nvSpPr>
+          <p:cNvPr id="4" name="Номер слайда 3"/>
+          <p:cNvSpPr>
+            <a:spLocks noGrp="1"/>
+          </p:cNvSpPr>
+          <p:nvPr>
+            <p:ph type="sldNum" sz="quarter" idx="5"/>
+          </p:nvPr>
+        </p:nvSpPr>
+        <p:spPr/>
+        <p:txBody>
+          <a:bodyPr/>
+          <a:lstStyle/>
+          <a:p>
+            <a:fld id="{51445AF8-C6EC-4BDD-A795-83822D331AF1}" type="slidenum">
+              <a:rPr lang="ru-RU" smtClean="0"/>
+              <a:t>21</a:t>
+            </a:fld>
+            <a:endParaRPr lang="ru-RU"/>
+          </a:p>
+        </p:txBody>
+      </p:sp>
+    </p:spTree>
+    <p:extLst>
+      <p:ext uri="{BB962C8B-B14F-4D97-AF65-F5344CB8AC3E}">
+        <p14:creationId xmlns:p14="http://schemas.microsoft.com/office/powerpoint/2010/main" val="791709984"/>
+      </p:ext>
+    </p:extLst>
+  </p:cSld>
+  <p:clrMapOvr>
+    <a:masterClrMapping/>
+  </p:clrMapOvr>
+</p:notes>
+</file>
+
+<file path=ppt/notesSlides/notesSlide22.xml><?xml version="1.0" encoding="utf-8"?>
+<p:notes xmlns:a="http://schemas.openxmlformats.org/drawingml/2006/main" xmlns:r="http://schemas.openxmlformats.org/officeDocument/2006/relationships" xmlns:p="http://schemas.openxmlformats.org/presentationml/2006/main">
+  <p:cSld>
+    <p:spTree>
+      <p:nvGrpSpPr>
+        <p:cNvPr id="1" name=""/>
+        <p:cNvGrpSpPr/>
+        <p:nvPr/>
+      </p:nvGrpSpPr>
+      <p:grpSpPr>
+        <a:xfrm>
+          <a:off x="0" y="0"/>
+          <a:ext cx="0" cy="0"/>
+          <a:chOff x="0" y="0"/>
+          <a:chExt cx="0" cy="0"/>
+        </a:xfrm>
+      </p:grpSpPr>
+      <p:sp>
+        <p:nvSpPr>
+          <p:cNvPr id="2" name="Образ слайда 1"/>
+          <p:cNvSpPr>
+            <a:spLocks noGrp="1" noRot="1" noChangeAspect="1"/>
+          </p:cNvSpPr>
+          <p:nvPr>
+            <p:ph type="sldImg"/>
+          </p:nvPr>
+        </p:nvSpPr>
+        <p:spPr/>
+      </p:sp>
+      <p:sp>
+        <p:nvSpPr>
+          <p:cNvPr id="3" name="Заметки 2"/>
+          <p:cNvSpPr>
+            <a:spLocks noGrp="1"/>
+          </p:cNvSpPr>
+          <p:nvPr>
+            <p:ph type="body" idx="1"/>
+          </p:nvPr>
+        </p:nvSpPr>
+        <p:spPr/>
+        <p:txBody>
+          <a:bodyPr/>
+          <a:lstStyle/>
+          <a:p>
+            <a:r>
+              <a:rPr lang="ru-RU" dirty="0"/>
+              <a:t>Системные требования программы представлены на слайде</a:t>
+            </a:r>
+          </a:p>
+        </p:txBody>
+      </p:sp>
+      <p:sp>
+        <p:nvSpPr>
+          <p:cNvPr id="4" name="Номер слайда 3"/>
+          <p:cNvSpPr>
+            <a:spLocks noGrp="1"/>
+          </p:cNvSpPr>
+          <p:nvPr>
+            <p:ph type="sldNum" sz="quarter" idx="5"/>
+          </p:nvPr>
+        </p:nvSpPr>
+        <p:spPr/>
+        <p:txBody>
+          <a:bodyPr/>
+          <a:lstStyle/>
+          <a:p>
+            <a:fld id="{51445AF8-C6EC-4BDD-A795-83822D331AF1}" type="slidenum">
+              <a:rPr lang="ru-RU" smtClean="0"/>
+              <a:t>22</a:t>
+            </a:fld>
+            <a:endParaRPr lang="ru-RU"/>
+          </a:p>
+        </p:txBody>
+      </p:sp>
+    </p:spTree>
+    <p:extLst>
+      <p:ext uri="{BB962C8B-B14F-4D97-AF65-F5344CB8AC3E}">
+        <p14:creationId xmlns:p14="http://schemas.microsoft.com/office/powerpoint/2010/main" val="3253837271"/>
+      </p:ext>
+    </p:extLst>
+  </p:cSld>
+  <p:clrMapOvr>
+    <a:masterClrMapping/>
+  </p:clrMapOvr>
+</p:notes>
+</file>
+
+<file path=ppt/notesSlides/notesSlide23.xml><?xml version="1.0" encoding="utf-8"?>
+<p:notes xmlns:a="http://schemas.openxmlformats.org/drawingml/2006/main" xmlns:r="http://schemas.openxmlformats.org/officeDocument/2006/relationships" xmlns:p="http://schemas.openxmlformats.org/presentationml/2006/main">
+  <p:cSld>
+    <p:spTree>
+      <p:nvGrpSpPr>
+        <p:cNvPr id="1" name=""/>
+        <p:cNvGrpSpPr/>
+        <p:nvPr/>
+      </p:nvGrpSpPr>
+      <p:grpSpPr>
+        <a:xfrm>
+          <a:off x="0" y="0"/>
+          <a:ext cx="0" cy="0"/>
+          <a:chOff x="0" y="0"/>
+          <a:chExt cx="0" cy="0"/>
+        </a:xfrm>
+      </p:grpSpPr>
+      <p:sp>
+        <p:nvSpPr>
+          <p:cNvPr id="2" name="Образ слайда 1"/>
+          <p:cNvSpPr>
+            <a:spLocks noGrp="1" noRot="1" noChangeAspect="1"/>
+          </p:cNvSpPr>
+          <p:nvPr>
+            <p:ph type="sldImg"/>
+          </p:nvPr>
+        </p:nvSpPr>
+        <p:spPr/>
+      </p:sp>
+      <p:sp>
+        <p:nvSpPr>
+          <p:cNvPr id="3" name="Заметки 2"/>
+          <p:cNvSpPr>
+            <a:spLocks noGrp="1"/>
+          </p:cNvSpPr>
+          <p:nvPr>
+            <p:ph type="body" idx="1"/>
+          </p:nvPr>
+        </p:nvSpPr>
+        <p:spPr/>
+        <p:txBody>
+          <a:bodyPr/>
+          <a:lstStyle/>
+          <a:p>
+            <a:endParaRPr lang="ru-RU" dirty="0"/>
+          </a:p>
+        </p:txBody>
+      </p:sp>
+      <p:sp>
+        <p:nvSpPr>
+          <p:cNvPr id="4" name="Номер слайда 3"/>
+          <p:cNvSpPr>
+            <a:spLocks noGrp="1"/>
+          </p:cNvSpPr>
+          <p:nvPr>
+            <p:ph type="sldNum" sz="quarter" idx="5"/>
+          </p:nvPr>
+        </p:nvSpPr>
+        <p:spPr/>
+        <p:txBody>
+          <a:bodyPr/>
+          <a:lstStyle/>
+          <a:p>
+            <a:fld id="{51445AF8-C6EC-4BDD-A795-83822D331AF1}" type="slidenum">
+              <a:rPr lang="ru-RU" smtClean="0"/>
+              <a:t>23</a:t>
+            </a:fld>
+            <a:endParaRPr lang="ru-RU"/>
+          </a:p>
+        </p:txBody>
+      </p:sp>
+    </p:spTree>
+    <p:extLst>
+      <p:ext uri="{BB962C8B-B14F-4D97-AF65-F5344CB8AC3E}">
+        <p14:creationId xmlns:p14="http://schemas.microsoft.com/office/powerpoint/2010/main" val="3486147722"/>
+      </p:ext>
+    </p:extLst>
+  </p:cSld>
+  <p:clrMapOvr>
+    <a:masterClrMapping/>
+  </p:clrMapOvr>
+</p:notes>
+</file>
+
+<file path=ppt/notesSlides/notesSlide24.xml><?xml version="1.0" encoding="utf-8"?>
+<p:notes xmlns:a="http://schemas.openxmlformats.org/drawingml/2006/main" xmlns:r="http://schemas.openxmlformats.org/officeDocument/2006/relationships" xmlns:p="http://schemas.openxmlformats.org/presentationml/2006/main">
+  <p:cSld>
+    <p:spTree>
+      <p:nvGrpSpPr>
+        <p:cNvPr id="1" name=""/>
+        <p:cNvGrpSpPr/>
+        <p:nvPr/>
+      </p:nvGrpSpPr>
+      <p:grpSpPr>
+        <a:xfrm>
+          <a:off x="0" y="0"/>
+          <a:ext cx="0" cy="0"/>
+          <a:chOff x="0" y="0"/>
+          <a:chExt cx="0" cy="0"/>
+        </a:xfrm>
+      </p:grpSpPr>
+      <p:sp>
+        <p:nvSpPr>
+          <p:cNvPr id="2" name="Образ слайда 1"/>
+          <p:cNvSpPr>
+            <a:spLocks noGrp="1" noRot="1" noChangeAspect="1"/>
+          </p:cNvSpPr>
+          <p:nvPr>
+            <p:ph type="sldImg"/>
+          </p:nvPr>
+        </p:nvSpPr>
+        <p:spPr/>
+      </p:sp>
+      <p:sp>
+        <p:nvSpPr>
+          <p:cNvPr id="3" name="Заметки 2"/>
+          <p:cNvSpPr>
+            <a:spLocks noGrp="1"/>
+          </p:cNvSpPr>
+          <p:nvPr>
+            <p:ph type="body" idx="1"/>
+          </p:nvPr>
+        </p:nvSpPr>
+        <p:spPr/>
+        <p:txBody>
+          <a:bodyPr/>
+          <a:lstStyle/>
+          <a:p>
+            <a:r>
               <a:rPr lang="ru-RU" dirty="0">
                 <a:latin typeface="Calibri" panose="020F0502020204030204" pitchFamily="34" charset="0"/>
                 <a:cs typeface="Calibri" panose="020F0502020204030204" pitchFamily="34" charset="0"/>
@@ -2083,7 +2411,7 @@
 </p:notes>
 </file>
 
-<file path=ppt/notesSlides/notesSlide22.xml><?xml version="1.0" encoding="utf-8"?>
+<file path=ppt/notesSlides/notesSlide25.xml><?xml version="1.0" encoding="utf-8"?>
 <p:notes xmlns:a="http://schemas.openxmlformats.org/drawingml/2006/main" xmlns:r="http://schemas.openxmlformats.org/officeDocument/2006/relationships" xmlns:p="http://schemas.openxmlformats.org/presentationml/2006/main">
   <p:cSld>
     <p:spTree>
@@ -2273,157 +2601,7 @@
           <a:bodyPr/>
           <a:lstStyle/>
           <a:p>
-            <a:pPr marL="0" marR="0" lvl="0" indent="0" algn="l" defTabSz="914400" rtl="0" eaLnBrk="1" fontAlgn="auto" latinLnBrk="0" hangingPunct="1">
-              <a:lnSpc>
-                <a:spcPct val="100000"/>
-              </a:lnSpc>
-              <a:spcBef>
-                <a:spcPts val="0"/>
-              </a:spcBef>
-              <a:spcAft>
-                <a:spcPts val="0"/>
-              </a:spcAft>
-              <a:buClrTx/>
-              <a:buSzTx/>
-              <a:buFontTx/>
-              <a:buNone/>
-              <a:tabLst/>
-              <a:defRPr/>
-            </a:pPr>
-            <a:r>
-              <a:rPr lang="ru-RU" dirty="0"/>
-              <a:t>Во многих сферах требуется создавать сложные программные комплексы для различных систем управления и систем реального времени.</a:t>
-            </a:r>
-            <a:br>
-              <a:rPr lang="ru-RU" dirty="0"/>
-            </a:br>
-            <a:r>
-              <a:rPr lang="ru-RU" dirty="0"/>
-              <a:t>Детали работы подобных систем знают инженеры, но не программисты.</a:t>
-            </a:r>
-          </a:p>
-          <a:p>
-            <a:pPr marL="0" marR="0" lvl="0" indent="0" algn="l" defTabSz="914400" rtl="0" eaLnBrk="1" fontAlgn="auto" latinLnBrk="0" hangingPunct="1">
-              <a:lnSpc>
-                <a:spcPct val="100000"/>
-              </a:lnSpc>
-              <a:spcBef>
-                <a:spcPts val="0"/>
-              </a:spcBef>
-              <a:spcAft>
-                <a:spcPts val="0"/>
-              </a:spcAft>
-              <a:buClrTx/>
-              <a:buSzTx/>
-              <a:buFontTx/>
-              <a:buNone/>
-              <a:tabLst/>
-              <a:defRPr/>
-            </a:pPr>
-            <a:r>
-              <a:rPr lang="ru-RU" dirty="0"/>
-              <a:t>И Для того, чтобы такие системы разрабатывались инженерами, в 80ых годах прошлого столетия был придуман и спроектирован язык ДРАКОН.</a:t>
-            </a:r>
-            <a:br>
-              <a:rPr lang="ru-RU" dirty="0"/>
-            </a:br>
-            <a:br>
-              <a:rPr lang="ru-RU" dirty="0"/>
-            </a:br>
-            <a:r>
-              <a:rPr lang="ru-RU" dirty="0"/>
-              <a:t>Будучи придуманным для разработчиков бортовых систем, язык ДРАКОН подходит для представления алгоритмов в любой сфере, в том числе в сфере образования, чем выгодно отличается от узкоспециализированных языков, разработанных для решения схожих с </a:t>
-            </a:r>
-            <a:r>
-              <a:rPr lang="ru-RU" dirty="0" err="1"/>
-              <a:t>ДРАКОНом</a:t>
-            </a:r>
-            <a:r>
-              <a:rPr lang="ru-RU" dirty="0"/>
-              <a:t> задач.</a:t>
-            </a:r>
-          </a:p>
-          <a:p>
-            <a:pPr marL="0" marR="0" lvl="0" indent="0" algn="l" defTabSz="914400" rtl="0" eaLnBrk="1" fontAlgn="auto" latinLnBrk="0" hangingPunct="1">
-              <a:lnSpc>
-                <a:spcPct val="100000"/>
-              </a:lnSpc>
-              <a:spcBef>
-                <a:spcPts val="0"/>
-              </a:spcBef>
-              <a:spcAft>
-                <a:spcPts val="0"/>
-              </a:spcAft>
-              <a:buClrTx/>
-              <a:buSzTx/>
-              <a:buFontTx/>
-              <a:buNone/>
-              <a:tabLst/>
-              <a:defRPr/>
-            </a:pPr>
             <a:endParaRPr lang="ru-RU" dirty="0"/>
-          </a:p>
-          <a:p>
-            <a:pPr marL="0" marR="0" lvl="0" indent="0" algn="l" defTabSz="914400" rtl="0" eaLnBrk="1" fontAlgn="auto" latinLnBrk="0" hangingPunct="1">
-              <a:lnSpc>
-                <a:spcPct val="100000"/>
-              </a:lnSpc>
-              <a:spcBef>
-                <a:spcPts val="0"/>
-              </a:spcBef>
-              <a:spcAft>
-                <a:spcPts val="0"/>
-              </a:spcAft>
-              <a:buClrTx/>
-              <a:buSzTx/>
-              <a:buFontTx/>
-              <a:buNone/>
-              <a:tabLst/>
-              <a:defRPr/>
-            </a:pPr>
-            <a:r>
-              <a:rPr lang="en-US" dirty="0"/>
-              <a:t>[</a:t>
-            </a:r>
-            <a:r>
-              <a:rPr lang="ru-RU" dirty="0"/>
-              <a:t>Почему нельзя было просто нанять программистов?</a:t>
-            </a:r>
-            <a:r>
-              <a:rPr lang="en-US" dirty="0"/>
-              <a:t>]</a:t>
-            </a:r>
-            <a:endParaRPr lang="ru-RU" dirty="0"/>
-          </a:p>
-          <a:p>
-            <a:pPr marL="0" marR="0" lvl="0" indent="0" algn="l" defTabSz="914400" rtl="0" eaLnBrk="1" fontAlgn="auto" latinLnBrk="0" hangingPunct="1">
-              <a:lnSpc>
-                <a:spcPct val="100000"/>
-              </a:lnSpc>
-              <a:spcBef>
-                <a:spcPts val="0"/>
-              </a:spcBef>
-              <a:spcAft>
-                <a:spcPts val="0"/>
-              </a:spcAft>
-              <a:buClrTx/>
-              <a:buSzTx/>
-              <a:buFontTx/>
-              <a:buNone/>
-              <a:tabLst/>
-              <a:defRPr/>
-            </a:pPr>
-            <a:r>
-              <a:rPr lang="ru-RU" dirty="0"/>
-              <a:t>Большие расходы. Требуется много кадров-программистов. Их требуется обучить предметной области. Научить инженеров общаться с программистами.</a:t>
-            </a:r>
-            <a:br>
-              <a:rPr lang="ru-RU" dirty="0"/>
-            </a:br>
-            <a:r>
-              <a:rPr lang="ru-RU" dirty="0"/>
-              <a:t>Различие специализаций. Как написать программу – знали одни специалисты, как управлять системой – другие.</a:t>
-            </a:r>
           </a:p>
         </p:txBody>
       </p:sp>
@@ -2444,7 +2622,7 @@
           <a:p>
             <a:fld id="{51445AF8-C6EC-4BDD-A795-83822D331AF1}" type="slidenum">
               <a:rPr lang="ru-RU" smtClean="0"/>
-              <a:t>4</a:t>
+              <a:t>3</a:t>
             </a:fld>
             <a:endParaRPr lang="ru-RU"/>
           </a:p>
@@ -2453,7 +2631,7 @@
     </p:spTree>
     <p:extLst>
       <p:ext uri="{BB962C8B-B14F-4D97-AF65-F5344CB8AC3E}">
-        <p14:creationId xmlns:p14="http://schemas.microsoft.com/office/powerpoint/2010/main" val="3070228472"/>
+        <p14:creationId xmlns:p14="http://schemas.microsoft.com/office/powerpoint/2010/main" val="950524420"/>
       </p:ext>
     </p:extLst>
   </p:cSld>
@@ -2507,16 +2685,156 @@
           <a:bodyPr/>
           <a:lstStyle/>
           <a:p>
-            <a:r>
-              <a:rPr lang="ru-RU" dirty="0"/>
-              <a:t>Дракон в своё время решил главную проблему классических блок-схем: отсутствие строгой дисциплины в построении.</a:t>
+            <a:pPr marL="0" marR="0" lvl="0" indent="0" algn="l" defTabSz="914400" rtl="0" eaLnBrk="1" fontAlgn="auto" latinLnBrk="0" hangingPunct="1">
+              <a:lnSpc>
+                <a:spcPct val="100000"/>
+              </a:lnSpc>
+              <a:spcBef>
+                <a:spcPts val="0"/>
+              </a:spcBef>
+              <a:spcAft>
+                <a:spcPts val="0"/>
+              </a:spcAft>
+              <a:buClrTx/>
+              <a:buSzTx/>
+              <a:buFontTx/>
+              <a:buNone/>
+              <a:tabLst/>
+              <a:defRPr/>
+            </a:pPr>
+            <a:r>
+              <a:rPr lang="ru-RU" dirty="0"/>
+              <a:t>Во многих сферах требуется создавать сложные программные комплексы для различных систем управления и систем реального времени.</a:t>
             </a:r>
             <a:br>
               <a:rPr lang="ru-RU" dirty="0"/>
             </a:br>
             <a:r>
               <a:rPr lang="ru-RU" dirty="0"/>
-              <a:t>В языке ДРАКОН каждый элемент схемы имеет собственное место и связан особым образом, что позволяет как упростить написание и чтение алгоритма, так и реализовать транслятор в текстовые ЯП удовлетворительной сложности.</a:t>
+              <a:t>Детали работы подобных систем знают инженеры, но не программисты.</a:t>
+            </a:r>
+          </a:p>
+          <a:p>
+            <a:pPr marL="0" marR="0" lvl="0" indent="0" algn="l" defTabSz="914400" rtl="0" eaLnBrk="1" fontAlgn="auto" latinLnBrk="0" hangingPunct="1">
+              <a:lnSpc>
+                <a:spcPct val="100000"/>
+              </a:lnSpc>
+              <a:spcBef>
+                <a:spcPts val="0"/>
+              </a:spcBef>
+              <a:spcAft>
+                <a:spcPts val="0"/>
+              </a:spcAft>
+              <a:buClrTx/>
+              <a:buSzTx/>
+              <a:buFontTx/>
+              <a:buNone/>
+              <a:tabLst/>
+              <a:defRPr/>
+            </a:pPr>
+            <a:r>
+              <a:rPr lang="ru-RU" dirty="0"/>
+              <a:t>И Для того, чтобы такие системы разрабатывались инженерами, в 80ых годах прошлого столетия был придуман и спроектирован язык ДРАКОН.</a:t>
+            </a:r>
+            <a:br>
+              <a:rPr lang="ru-RU" dirty="0"/>
+            </a:br>
+            <a:br>
+              <a:rPr lang="ru-RU" dirty="0"/>
+            </a:br>
+            <a:r>
+              <a:rPr lang="ru-RU" dirty="0"/>
+              <a:t>Будучи придуманным для разработчиков бортовых систем, язык ДРАКОН подходит для представления алгоритмов в любой сфере, в том числе в сфере образования, чем выгодно отличается от узкоспециализированных языков, разработанных для решения схожих с </a:t>
+            </a:r>
+            <a:r>
+              <a:rPr lang="ru-RU" dirty="0" err="1"/>
+              <a:t>ДРАКОНом</a:t>
+            </a:r>
+            <a:r>
+              <a:rPr lang="ru-RU" dirty="0"/>
+              <a:t> задач.</a:t>
+            </a:r>
+          </a:p>
+          <a:p>
+            <a:pPr marL="0" marR="0" lvl="0" indent="0" algn="l" defTabSz="914400" rtl="0" eaLnBrk="1" fontAlgn="auto" latinLnBrk="0" hangingPunct="1">
+              <a:lnSpc>
+                <a:spcPct val="100000"/>
+              </a:lnSpc>
+              <a:spcBef>
+                <a:spcPts val="0"/>
+              </a:spcBef>
+              <a:spcAft>
+                <a:spcPts val="0"/>
+              </a:spcAft>
+              <a:buClrTx/>
+              <a:buSzTx/>
+              <a:buFontTx/>
+              <a:buNone/>
+              <a:tabLst/>
+              <a:defRPr/>
+            </a:pPr>
+            <a:endParaRPr lang="ru-RU" dirty="0"/>
+          </a:p>
+          <a:p>
+            <a:pPr marL="0" marR="0" lvl="0" indent="0" algn="l" defTabSz="914400" rtl="0" eaLnBrk="1" fontAlgn="auto" latinLnBrk="0" hangingPunct="1">
+              <a:lnSpc>
+                <a:spcPct val="100000"/>
+              </a:lnSpc>
+              <a:spcBef>
+                <a:spcPts val="0"/>
+              </a:spcBef>
+              <a:spcAft>
+                <a:spcPts val="0"/>
+              </a:spcAft>
+              <a:buClrTx/>
+              <a:buSzTx/>
+              <a:buFontTx/>
+              <a:buNone/>
+              <a:tabLst/>
+              <a:defRPr/>
+            </a:pPr>
+            <a:r>
+              <a:rPr lang="en-US" dirty="0"/>
+              <a:t>[</a:t>
+            </a:r>
+            <a:r>
+              <a:rPr lang="ru-RU" dirty="0"/>
+              <a:t>Почему нельзя было просто нанять программистов?</a:t>
+            </a:r>
+            <a:r>
+              <a:rPr lang="en-US" dirty="0"/>
+              <a:t>]</a:t>
+            </a:r>
+            <a:endParaRPr lang="ru-RU" dirty="0"/>
+          </a:p>
+          <a:p>
+            <a:pPr marL="0" marR="0" lvl="0" indent="0" algn="l" defTabSz="914400" rtl="0" eaLnBrk="1" fontAlgn="auto" latinLnBrk="0" hangingPunct="1">
+              <a:lnSpc>
+                <a:spcPct val="100000"/>
+              </a:lnSpc>
+              <a:spcBef>
+                <a:spcPts val="0"/>
+              </a:spcBef>
+              <a:spcAft>
+                <a:spcPts val="0"/>
+              </a:spcAft>
+              <a:buClrTx/>
+              <a:buSzTx/>
+              <a:buFontTx/>
+              <a:buNone/>
+              <a:tabLst/>
+              <a:defRPr/>
+            </a:pPr>
+            <a:r>
+              <a:rPr lang="ru-RU" dirty="0"/>
+              <a:t>Большие расходы. Требуется много кадров-программистов. Их требуется обучить предметной области. Научить инженеров общаться с программистами.</a:t>
+            </a:r>
+            <a:br>
+              <a:rPr lang="ru-RU" dirty="0"/>
+            </a:br>
+            <a:r>
+              <a:rPr lang="ru-RU" dirty="0"/>
+              <a:t>Различие специализаций. Как написать программу – знали одни специалисты, как управлять системой – другие.</a:t>
             </a:r>
           </a:p>
         </p:txBody>
@@ -2538,7 +2856,7 @@
           <a:p>
             <a:fld id="{51445AF8-C6EC-4BDD-A795-83822D331AF1}" type="slidenum">
               <a:rPr lang="ru-RU" smtClean="0"/>
-              <a:t>5</a:t>
+              <a:t>4</a:t>
             </a:fld>
             <a:endParaRPr lang="ru-RU"/>
           </a:p>
@@ -2547,7 +2865,7 @@
     </p:spTree>
     <p:extLst>
       <p:ext uri="{BB962C8B-B14F-4D97-AF65-F5344CB8AC3E}">
-        <p14:creationId xmlns:p14="http://schemas.microsoft.com/office/powerpoint/2010/main" val="1231962126"/>
+        <p14:creationId xmlns:p14="http://schemas.microsoft.com/office/powerpoint/2010/main" val="3070228472"/>
       </p:ext>
     </p:extLst>
   </p:cSld>
@@ -2601,89 +2919,17 @@
           <a:bodyPr/>
           <a:lstStyle/>
           <a:p>
-            <a:pPr marL="0" indent="0" algn="just">
-              <a:buFont typeface="+mj-lt"/>
-              <a:buNone/>
-            </a:pPr>
+            <a:r>
+              <a:rPr lang="ru-RU" dirty="0"/>
+              <a:t>Дракон в своё время решил главную проблему классических блок-схем: отсутствие строгой дисциплины в построении.</a:t>
+            </a:r>
             <a:br>
               <a:rPr lang="ru-RU" dirty="0"/>
             </a:br>
             <a:r>
               <a:rPr lang="ru-RU" dirty="0"/>
-              <a:t>Были разработаны жесткие правила представления схем:</a:t>
-            </a:r>
-          </a:p>
-          <a:p>
-            <a:pPr marL="457200" indent="-457200" algn="just">
-              <a:buFont typeface="+mj-lt"/>
-              <a:buAutoNum type="arabicPeriod"/>
-            </a:pPr>
-            <a:r>
-              <a:rPr lang="ru-RU" dirty="0"/>
-              <a:t>У каждой ДРАКОН-схемы одна точка входа и один конец. А Её начало всегда располагается в левом верхнем углу.</a:t>
-            </a:r>
-          </a:p>
-          <a:p>
-            <a:pPr marL="457200" indent="-457200" algn="just">
-              <a:buFont typeface="+mj-lt"/>
-              <a:buAutoNum type="arabicPeriod"/>
-            </a:pPr>
-            <a:endParaRPr lang="ru-RU" dirty="0"/>
-          </a:p>
-          <a:p>
-            <a:pPr marL="457200" indent="-457200" algn="just">
-              <a:buFont typeface="+mj-lt"/>
-              <a:buAutoNum type="arabicPeriod"/>
-            </a:pPr>
-            <a:r>
-              <a:rPr lang="ru-RU" dirty="0"/>
-              <a:t>Все операции описываются внутри икон, а сам алгоритм описывается вертикально сверху вниз</a:t>
-            </a:r>
-          </a:p>
-          <a:p>
-            <a:pPr marL="457200" indent="-457200" algn="just">
-              <a:buFont typeface="+mj-lt"/>
-              <a:buAutoNum type="arabicPeriod" startAt="5"/>
-            </a:pPr>
-            <a:endParaRPr lang="ru-RU" sz="1200" dirty="0"/>
-          </a:p>
-          <a:p>
-            <a:pPr marL="0" indent="0" algn="just">
-              <a:buFont typeface="+mj-lt"/>
-              <a:buNone/>
-            </a:pPr>
-            <a:r>
-              <a:rPr lang="ru-RU" sz="1200" dirty="0"/>
-              <a:t>ПЕРЕКЛЮЧИТЬ</a:t>
-            </a:r>
-          </a:p>
-          <a:p>
-            <a:pPr marL="457200" indent="-457200" algn="just">
-              <a:buFont typeface="+mj-lt"/>
-              <a:buAutoNum type="arabicPeriod" startAt="5"/>
-            </a:pPr>
-            <a:endParaRPr lang="ru-RU" sz="1200" dirty="0"/>
-          </a:p>
-          <a:p>
-            <a:pPr marL="0" indent="0" algn="just">
-              <a:buFont typeface="+mj-lt"/>
-              <a:buNone/>
-            </a:pPr>
-            <a:r>
-              <a:rPr lang="ru-RU" sz="1200" dirty="0"/>
-              <a:t>3. 	Ветвление маршрутов осуществляются только вправо, при этом главный маршрут должен проходить как можно по более короткому пути.</a:t>
-            </a:r>
-          </a:p>
-          <a:p>
-            <a:pPr marL="0" indent="0" algn="just">
-              <a:buFont typeface="+mj-lt"/>
-              <a:buNone/>
-            </a:pPr>
-            <a:r>
-              <a:rPr lang="ru-RU" sz="1200" dirty="0"/>
-              <a:t>4.	Любые пересечения икон, веток и линий запрещены, сами линии всегда прямые и поворачивают только на угол в 90 градусов.</a:t>
-            </a:r>
-            <a:endParaRPr lang="ru-RU" dirty="0"/>
+              <a:t>В языке ДРАКОН каждый элемент схемы имеет собственное место и связан особым образом, что позволяет как упростить написание и чтение алгоритма, так и реализовать транслятор в текстовые ЯП удовлетворительной сложности.</a:t>
+            </a:r>
           </a:p>
         </p:txBody>
       </p:sp>
@@ -2704,7 +2950,7 @@
           <a:p>
             <a:fld id="{51445AF8-C6EC-4BDD-A795-83822D331AF1}" type="slidenum">
               <a:rPr lang="ru-RU" smtClean="0"/>
-              <a:t>6</a:t>
+              <a:t>5</a:t>
             </a:fld>
             <a:endParaRPr lang="ru-RU"/>
           </a:p>
@@ -2713,7 +2959,7 @@
     </p:spTree>
     <p:extLst>
       <p:ext uri="{BB962C8B-B14F-4D97-AF65-F5344CB8AC3E}">
-        <p14:creationId xmlns:p14="http://schemas.microsoft.com/office/powerpoint/2010/main" val="2347705048"/>
+        <p14:creationId xmlns:p14="http://schemas.microsoft.com/office/powerpoint/2010/main" val="1231962126"/>
       </p:ext>
     </p:extLst>
   </p:cSld>
@@ -2767,83 +3013,87 @@
           <a:bodyPr/>
           <a:lstStyle/>
           <a:p>
-            <a:r>
-              <a:rPr lang="ru-RU" b="0" i="0" dirty="0">
-                <a:solidFill>
-                  <a:srgbClr val="222222"/>
-                </a:solidFill>
-                <a:effectLst/>
-                <a:latin typeface="-apple-system"/>
-              </a:rPr>
-              <a:t>Алгоритмы можно представить с помощью двух основных конструкций – примитив и силуэт.</a:t>
-            </a:r>
-          </a:p>
-          <a:p>
-            <a:endParaRPr lang="ru-RU" b="0" i="0" dirty="0">
-              <a:solidFill>
-                <a:srgbClr val="222222"/>
-              </a:solidFill>
-              <a:effectLst/>
-              <a:latin typeface="-apple-system"/>
-            </a:endParaRPr>
-          </a:p>
-          <a:p>
-            <a:r>
-              <a:rPr lang="ru-RU" b="0" i="0" dirty="0">
-                <a:solidFill>
-                  <a:srgbClr val="222222"/>
-                </a:solidFill>
-                <a:effectLst/>
-                <a:latin typeface="-apple-system"/>
-              </a:rPr>
-              <a:t>Примитив содержит единственную последовательность икон, выполняемую сверху вниз.</a:t>
-            </a:r>
+            <a:pPr marL="0" indent="0" algn="just">
+              <a:buFont typeface="+mj-lt"/>
+              <a:buNone/>
+            </a:pPr>
             <a:br>
-              <a:rPr lang="ru-RU" b="0" i="0" dirty="0">
-                <a:solidFill>
-                  <a:srgbClr val="222222"/>
-                </a:solidFill>
-                <a:effectLst/>
-                <a:latin typeface="-apple-system"/>
-              </a:rPr>
+              <a:rPr lang="ru-RU" dirty="0"/>
             </a:br>
-            <a:endParaRPr lang="ru-RU" b="0" i="0" dirty="0">
-              <a:solidFill>
-                <a:srgbClr val="222222"/>
-              </a:solidFill>
-              <a:effectLst/>
-              <a:latin typeface="-apple-system"/>
-            </a:endParaRPr>
-          </a:p>
-          <a:p>
-            <a:r>
-              <a:rPr lang="ru-RU" b="0" i="0" dirty="0">
-                <a:solidFill>
-                  <a:srgbClr val="222222"/>
-                </a:solidFill>
-                <a:effectLst/>
-                <a:latin typeface="-apple-system"/>
-              </a:rPr>
-              <a:t>Силуэт состоит из нескольких примитивов, называемых ветками. Ветки силуэта упорядочиваются слева-направо</a:t>
-            </a:r>
-            <a:br>
-              <a:rPr lang="ru-RU" b="0" i="0" dirty="0">
-                <a:solidFill>
-                  <a:srgbClr val="222222"/>
-                </a:solidFill>
-                <a:effectLst/>
-                <a:latin typeface="-apple-system"/>
-              </a:rPr>
-            </a:br>
-            <a:r>
-              <a:rPr lang="ru-RU" b="0" i="0" dirty="0">
-                <a:solidFill>
-                  <a:srgbClr val="222222"/>
-                </a:solidFill>
-                <a:effectLst/>
-                <a:latin typeface="-apple-system"/>
-              </a:rPr>
-              <a:t>Каждый примитив в ветке обозначается адресом, в который переходит процесс выполнения по достижению конца ветки</a:t>
+            <a:r>
+              <a:rPr lang="ru-RU" dirty="0"/>
+              <a:t>Были разработаны жесткие правила представления схем:</a:t>
+            </a:r>
+          </a:p>
+          <a:p>
+            <a:pPr marL="457200" indent="-457200" algn="just">
+              <a:buFont typeface="+mj-lt"/>
+              <a:buAutoNum type="arabicPeriod"/>
+            </a:pPr>
+            <a:r>
+              <a:rPr lang="ru-RU" dirty="0"/>
+              <a:t>У каждой ДРАКОН-схемы одна точка входа и один конец. А Её начало всегда располагается в левом верхнем углу.</a:t>
+            </a:r>
+          </a:p>
+          <a:p>
+            <a:pPr marL="457200" indent="-457200" algn="just">
+              <a:buFont typeface="+mj-lt"/>
+              <a:buAutoNum type="arabicPeriod"/>
+            </a:pPr>
+            <a:endParaRPr lang="ru-RU" dirty="0"/>
+          </a:p>
+          <a:p>
+            <a:pPr marL="457200" indent="-457200" algn="just">
+              <a:buFont typeface="+mj-lt"/>
+              <a:buAutoNum type="arabicPeriod"/>
+            </a:pPr>
+            <a:r>
+              <a:rPr lang="ru-RU" dirty="0"/>
+              <a:t>Все операции описываются внутри икон, а сам алгоритм описывается вертикально сверху вниз</a:t>
+            </a:r>
+          </a:p>
+          <a:p>
+            <a:pPr marL="457200" indent="-457200" algn="just">
+              <a:buFont typeface="+mj-lt"/>
+              <a:buAutoNum type="arabicPeriod" startAt="5"/>
+            </a:pPr>
+            <a:endParaRPr lang="ru-RU" sz="1200" dirty="0"/>
+          </a:p>
+          <a:p>
+            <a:pPr marL="0" indent="0" algn="just">
+              <a:buFont typeface="+mj-lt"/>
+              <a:buNone/>
+            </a:pPr>
+            <a:r>
+              <a:rPr lang="ru-RU" sz="1200" dirty="0"/>
+              <a:t>ПЕРЕКЛЮЧИТЬ</a:t>
+            </a:r>
+          </a:p>
+          <a:p>
+            <a:pPr marL="457200" indent="-457200" algn="just">
+              <a:buFont typeface="+mj-lt"/>
+              <a:buAutoNum type="arabicPeriod" startAt="5"/>
+            </a:pPr>
+            <a:endParaRPr lang="ru-RU" sz="1200" dirty="0"/>
+          </a:p>
+          <a:p>
+            <a:pPr marL="0" indent="0" algn="just">
+              <a:buFont typeface="+mj-lt"/>
+              <a:buNone/>
+            </a:pPr>
+            <a:r>
+              <a:rPr lang="ru-RU" sz="1200" dirty="0"/>
+              <a:t>3. 	Ветвление маршрутов осуществляются только вправо, при этом главный маршрут должен проходить как можно по более короткому пути.</a:t>
+            </a:r>
+          </a:p>
+          <a:p>
+            <a:pPr marL="0" indent="0" algn="just">
+              <a:buFont typeface="+mj-lt"/>
+              <a:buNone/>
+            </a:pPr>
+            <a:r>
+              <a:rPr lang="ru-RU" sz="1200" dirty="0"/>
+              <a:t>4.	Любые пересечения икон, веток и линий запрещены, сами линии всегда прямые и поворачивают только на угол в 90 градусов.</a:t>
             </a:r>
             <a:endParaRPr lang="ru-RU" dirty="0"/>
           </a:p>
@@ -2866,7 +3116,7 @@
           <a:p>
             <a:fld id="{51445AF8-C6EC-4BDD-A795-83822D331AF1}" type="slidenum">
               <a:rPr lang="ru-RU" smtClean="0"/>
-              <a:t>7</a:t>
+              <a:t>6</a:t>
             </a:fld>
             <a:endParaRPr lang="ru-RU"/>
           </a:p>
@@ -2875,7 +3125,7 @@
     </p:spTree>
     <p:extLst>
       <p:ext uri="{BB962C8B-B14F-4D97-AF65-F5344CB8AC3E}">
-        <p14:creationId xmlns:p14="http://schemas.microsoft.com/office/powerpoint/2010/main" val="657801881"/>
+        <p14:creationId xmlns:p14="http://schemas.microsoft.com/office/powerpoint/2010/main" val="2347705048"/>
       </p:ext>
     </p:extLst>
   </p:cSld>
@@ -2929,32 +3179,85 @@
           <a:bodyPr/>
           <a:lstStyle/>
           <a:p>
-            <a:pPr marL="0" indent="0">
-              <a:buNone/>
-            </a:pPr>
-            <a:r>
-              <a:rPr lang="ru-RU" dirty="0"/>
-              <a:t>Поскольку ДРАКОН-схема однозначно представляется, то можно однозначно перевести алгоритм в некий язык программирования автоматизированным способом.</a:t>
-            </a:r>
-          </a:p>
-          <a:p>
-            <a:pPr marL="0" indent="0">
-              <a:buNone/>
-            </a:pPr>
+            <a:r>
+              <a:rPr lang="ru-RU" b="0" i="0" dirty="0">
+                <a:solidFill>
+                  <a:srgbClr val="222222"/>
+                </a:solidFill>
+                <a:effectLst/>
+                <a:latin typeface="-apple-system"/>
+              </a:rPr>
+              <a:t>Алгоритмы можно представить с помощью двух основных конструкций – примитив и силуэт.</a:t>
+            </a:r>
+          </a:p>
+          <a:p>
+            <a:endParaRPr lang="ru-RU" b="0" i="0" dirty="0">
+              <a:solidFill>
+                <a:srgbClr val="222222"/>
+              </a:solidFill>
+              <a:effectLst/>
+              <a:latin typeface="-apple-system"/>
+            </a:endParaRPr>
+          </a:p>
+          <a:p>
+            <a:r>
+              <a:rPr lang="ru-RU" b="0" i="0" dirty="0">
+                <a:solidFill>
+                  <a:srgbClr val="222222"/>
+                </a:solidFill>
+                <a:effectLst/>
+                <a:latin typeface="-apple-system"/>
+              </a:rPr>
+              <a:t>Примитив содержит единственную последовательность икон, выполняемую сверху вниз.</a:t>
+            </a:r>
             <a:br>
-              <a:rPr lang="ru-RU" dirty="0"/>
+              <a:rPr lang="ru-RU" b="0" i="0" dirty="0">
+                <a:solidFill>
+                  <a:srgbClr val="222222"/>
+                </a:solidFill>
+                <a:effectLst/>
+                <a:latin typeface="-apple-system"/>
+              </a:rPr>
             </a:br>
-            <a:r>
-              <a:rPr lang="ru-RU" dirty="0"/>
-              <a:t>При соблюдении правил построения ДРАКОН-схем можно написать функцию трансляции, которая сопоставит конструкции языка ДРАКОН с конструкциями некоторого языка.</a:t>
+            <a:endParaRPr lang="ru-RU" b="0" i="0" dirty="0">
+              <a:solidFill>
+                <a:srgbClr val="222222"/>
+              </a:solidFill>
+              <a:effectLst/>
+              <a:latin typeface="-apple-system"/>
+            </a:endParaRPr>
+          </a:p>
+          <a:p>
+            <a:r>
+              <a:rPr lang="ru-RU" b="0" i="0" dirty="0">
+                <a:solidFill>
+                  <a:srgbClr val="222222"/>
+                </a:solidFill>
+                <a:effectLst/>
+                <a:latin typeface="-apple-system"/>
+              </a:rPr>
+              <a:t>Силуэт состоит из нескольких примитивов, называемых ветками. Ветки силуэта упорядочиваются слева-направо</a:t>
             </a:r>
             <a:br>
-              <a:rPr lang="ru-RU" dirty="0"/>
+              <a:rPr lang="ru-RU" b="0" i="0" dirty="0">
+                <a:solidFill>
+                  <a:srgbClr val="222222"/>
+                </a:solidFill>
+                <a:effectLst/>
+                <a:latin typeface="-apple-system"/>
+              </a:rPr>
             </a:br>
             <a:r>
-              <a:rPr lang="ru-RU" dirty="0"/>
-              <a:t>В результате получится код программы, готовый к выполнению.</a:t>
-            </a:r>
+              <a:rPr lang="ru-RU" b="0" i="0" dirty="0">
+                <a:solidFill>
+                  <a:srgbClr val="222222"/>
+                </a:solidFill>
+                <a:effectLst/>
+                <a:latin typeface="-apple-system"/>
+              </a:rPr>
+              <a:t>Каждый примитив в ветке обозначается адресом, в который переходит процесс выполнения по достижению конца ветки</a:t>
+            </a:r>
+            <a:endParaRPr lang="ru-RU" dirty="0"/>
           </a:p>
         </p:txBody>
       </p:sp>
@@ -2975,7 +3278,7 @@
           <a:p>
             <a:fld id="{51445AF8-C6EC-4BDD-A795-83822D331AF1}" type="slidenum">
               <a:rPr lang="ru-RU" smtClean="0"/>
-              <a:t>8</a:t>
+              <a:t>7</a:t>
             </a:fld>
             <a:endParaRPr lang="ru-RU"/>
           </a:p>
@@ -2984,7 +3287,7 @@
     </p:spTree>
     <p:extLst>
       <p:ext uri="{BB962C8B-B14F-4D97-AF65-F5344CB8AC3E}">
-        <p14:creationId xmlns:p14="http://schemas.microsoft.com/office/powerpoint/2010/main" val="1150973776"/>
+        <p14:creationId xmlns:p14="http://schemas.microsoft.com/office/powerpoint/2010/main" val="657801881"/>
       </p:ext>
     </p:extLst>
   </p:cSld>
@@ -3038,21 +3341,32 @@
           <a:bodyPr/>
           <a:lstStyle/>
           <a:p>
-            <a:r>
-              <a:rPr lang="ru-RU" dirty="0"/>
-              <a:t>Язык ДРАКОН официально включен в программу обучения для некоторых направлений высшего образования. Некоторые ВУЗы нашей страны используют данный язык для обучения студентов основам алгоритмизации.</a:t>
-            </a:r>
+            <a:pPr marL="0" indent="0">
+              <a:buNone/>
+            </a:pPr>
+            <a:r>
+              <a:rPr lang="ru-RU" dirty="0"/>
+              <a:t>Поскольку ДРАКОН-схема однозначно представляется, то можно однозначно перевести алгоритм в некий язык программирования автоматизированным способом.</a:t>
+            </a:r>
+          </a:p>
+          <a:p>
+            <a:pPr marL="0" indent="0">
+              <a:buNone/>
+            </a:pPr>
             <a:br>
               <a:rPr lang="ru-RU" dirty="0"/>
             </a:br>
             <a:r>
               <a:rPr lang="ru-RU" dirty="0"/>
-              <a:t>И на это есть ряд причин:</a:t>
+              <a:t>При соблюдении правил построения ДРАКОН-схем можно написать функцию трансляции, которая сопоставит конструкции языка ДРАКОН с конструкциями некоторого языка.</a:t>
             </a:r>
             <a:br>
               <a:rPr lang="ru-RU" dirty="0"/>
             </a:br>
-            <a:endParaRPr lang="ru-RU" dirty="0"/>
+            <a:r>
+              <a:rPr lang="ru-RU" dirty="0"/>
+              <a:t>В результате получится код программы, готовый к выполнению.</a:t>
+            </a:r>
           </a:p>
         </p:txBody>
       </p:sp>
@@ -3073,7 +3387,7 @@
           <a:p>
             <a:fld id="{51445AF8-C6EC-4BDD-A795-83822D331AF1}" type="slidenum">
               <a:rPr lang="ru-RU" smtClean="0"/>
-              <a:t>9</a:t>
+              <a:t>8</a:t>
             </a:fld>
             <a:endParaRPr lang="ru-RU"/>
           </a:p>
@@ -3082,7 +3396,7 @@
     </p:spTree>
     <p:extLst>
       <p:ext uri="{BB962C8B-B14F-4D97-AF65-F5344CB8AC3E}">
-        <p14:creationId xmlns:p14="http://schemas.microsoft.com/office/powerpoint/2010/main" val="34991014"/>
+        <p14:creationId xmlns:p14="http://schemas.microsoft.com/office/powerpoint/2010/main" val="1150973776"/>
       </p:ext>
     </p:extLst>
   </p:cSld>
@@ -3138,8 +3452,19 @@
           <a:p>
             <a:r>
               <a:rPr lang="ru-RU" dirty="0"/>
-              <a:t>Для того, чтобы обучать алгоритмизации требуется не просто дать возможность писать программы, но создать среду обучения, которая должна обладать следующими качествами.</a:t>
-            </a:r>
+              <a:t>Язык ДРАКОН официально включен в программу обучения для некоторых направлений высшего образования. Некоторые ВУЗы нашей страны используют данный язык для обучения студентов основам алгоритмизации.</a:t>
+            </a:r>
+            <a:br>
+              <a:rPr lang="ru-RU" dirty="0"/>
+            </a:br>
+            <a:r>
+              <a:rPr lang="ru-RU" dirty="0"/>
+              <a:t>И на это есть ряд причин:</a:t>
+            </a:r>
+            <a:br>
+              <a:rPr lang="ru-RU" dirty="0"/>
+            </a:br>
+            <a:endParaRPr lang="ru-RU" dirty="0"/>
           </a:p>
         </p:txBody>
       </p:sp>
@@ -3160,7 +3485,7 @@
           <a:p>
             <a:fld id="{51445AF8-C6EC-4BDD-A795-83822D331AF1}" type="slidenum">
               <a:rPr lang="ru-RU" smtClean="0"/>
-              <a:t>10</a:t>
+              <a:t>9</a:t>
             </a:fld>
             <a:endParaRPr lang="ru-RU"/>
           </a:p>
@@ -3169,7 +3494,7 @@
     </p:spTree>
     <p:extLst>
       <p:ext uri="{BB962C8B-B14F-4D97-AF65-F5344CB8AC3E}">
-        <p14:creationId xmlns:p14="http://schemas.microsoft.com/office/powerpoint/2010/main" val="3921963955"/>
+        <p14:creationId xmlns:p14="http://schemas.microsoft.com/office/powerpoint/2010/main" val="34991014"/>
       </p:ext>
     </p:extLst>
   </p:cSld>
@@ -7372,6 +7697,18 @@
   <p:clrMapOvr>
     <a:masterClrMapping/>
   </p:clrMapOvr>
+  <mc:AlternateContent xmlns:mc="http://schemas.openxmlformats.org/markup-compatibility/2006">
+    <mc:Choice xmlns:p14="http://schemas.microsoft.com/office/powerpoint/2010/main" Requires="p14">
+      <p:transition spd="med" p14:dur="700">
+        <p:fade/>
+      </p:transition>
+    </mc:Choice>
+    <mc:Fallback>
+      <p:transition spd="med">
+        <p:fade/>
+      </p:transition>
+    </mc:Fallback>
+  </mc:AlternateContent>
 </p:sld>
 </file>
 
@@ -7415,7 +7752,7 @@
           <a:p>
             <a:r>
               <a:rPr lang="ru-RU" dirty="0"/>
-              <a:t>Цель и назначение</a:t>
+              <a:t>Цель разработки и назначение программного продукта</a:t>
             </a:r>
           </a:p>
         </p:txBody>
@@ -7438,7 +7775,7 @@
         </p:nvSpPr>
         <p:spPr>
           <a:xfrm>
-            <a:off x="811097" y="1333144"/>
+            <a:off x="725036" y="1817238"/>
             <a:ext cx="11761693" cy="5238385"/>
           </a:xfrm>
         </p:spPr>
@@ -7657,7 +7994,7 @@
         </p:blipFill>
         <p:spPr>
           <a:xfrm>
-            <a:off x="1145337" y="1196881"/>
+            <a:off x="1030209" y="1196881"/>
             <a:ext cx="10787291" cy="5420480"/>
           </a:xfrm>
           <a:prstGeom prst="rect">
@@ -7665,6 +8002,162 @@
           </a:prstGeom>
         </p:spPr>
       </p:pic>
+      <p:sp>
+        <p:nvSpPr>
+          <p:cNvPr id="5" name="Прямоугольник 4">
+            <a:extLst>
+              <a:ext uri="{FF2B5EF4-FFF2-40B4-BE49-F238E27FC236}">
+                <a16:creationId xmlns:a16="http://schemas.microsoft.com/office/drawing/2014/main" id="{3CBC14FC-D79F-412A-8A6D-231E40D644D4}"/>
+              </a:ext>
+            </a:extLst>
+          </p:cNvPr>
+          <p:cNvSpPr/>
+          <p:nvPr/>
+        </p:nvSpPr>
+        <p:spPr>
+          <a:xfrm>
+            <a:off x="925158" y="1086522"/>
+            <a:ext cx="6217920" cy="3410173"/>
+          </a:xfrm>
+          <a:prstGeom prst="rect">
+            <a:avLst/>
+          </a:prstGeom>
+          <a:noFill/>
+          <a:ln>
+            <a:solidFill>
+              <a:srgbClr val="FF0000"/>
+            </a:solidFill>
+          </a:ln>
+        </p:spPr>
+        <p:style>
+          <a:lnRef idx="2">
+            <a:schemeClr val="accent1">
+              <a:shade val="50000"/>
+            </a:schemeClr>
+          </a:lnRef>
+          <a:fillRef idx="1">
+            <a:schemeClr val="accent1"/>
+          </a:fillRef>
+          <a:effectRef idx="0">
+            <a:schemeClr val="accent1"/>
+          </a:effectRef>
+          <a:fontRef idx="minor">
+            <a:schemeClr val="lt1"/>
+          </a:fontRef>
+        </p:style>
+        <p:txBody>
+          <a:bodyPr rtlCol="0" anchor="ctr"/>
+          <a:lstStyle/>
+          <a:p>
+            <a:pPr algn="ctr"/>
+            <a:endParaRPr lang="ru-RU"/>
+          </a:p>
+        </p:txBody>
+      </p:sp>
+      <p:sp>
+        <p:nvSpPr>
+          <p:cNvPr id="6" name="Прямоугольник 5">
+            <a:extLst>
+              <a:ext uri="{FF2B5EF4-FFF2-40B4-BE49-F238E27FC236}">
+                <a16:creationId xmlns:a16="http://schemas.microsoft.com/office/drawing/2014/main" id="{EC7F9C47-A518-4D76-B535-19B378224221}"/>
+              </a:ext>
+            </a:extLst>
+          </p:cNvPr>
+          <p:cNvSpPr/>
+          <p:nvPr/>
+        </p:nvSpPr>
+        <p:spPr>
+          <a:xfrm>
+            <a:off x="1030209" y="4653033"/>
+            <a:ext cx="6217920" cy="1964327"/>
+          </a:xfrm>
+          <a:prstGeom prst="rect">
+            <a:avLst/>
+          </a:prstGeom>
+          <a:noFill/>
+          <a:ln>
+            <a:solidFill>
+              <a:srgbClr val="FF0000"/>
+            </a:solidFill>
+          </a:ln>
+        </p:spPr>
+        <p:style>
+          <a:lnRef idx="2">
+            <a:schemeClr val="accent1">
+              <a:shade val="50000"/>
+            </a:schemeClr>
+          </a:lnRef>
+          <a:fillRef idx="1">
+            <a:schemeClr val="accent1"/>
+          </a:fillRef>
+          <a:effectRef idx="0">
+            <a:schemeClr val="accent1"/>
+          </a:effectRef>
+          <a:fontRef idx="minor">
+            <a:schemeClr val="lt1"/>
+          </a:fontRef>
+        </p:style>
+        <p:txBody>
+          <a:bodyPr rtlCol="0" anchor="ctr"/>
+          <a:lstStyle/>
+          <a:p>
+            <a:pPr algn="ctr"/>
+            <a:endParaRPr lang="ru-RU"/>
+          </a:p>
+        </p:txBody>
+      </p:sp>
+      <p:sp>
+        <p:nvSpPr>
+          <p:cNvPr id="7" name="Прямоугольник 6">
+            <a:extLst>
+              <a:ext uri="{FF2B5EF4-FFF2-40B4-BE49-F238E27FC236}">
+                <a16:creationId xmlns:a16="http://schemas.microsoft.com/office/drawing/2014/main" id="{03500B0A-7698-410D-9C3A-71B93BB72EA9}"/>
+              </a:ext>
+            </a:extLst>
+          </p:cNvPr>
+          <p:cNvSpPr/>
+          <p:nvPr/>
+        </p:nvSpPr>
+        <p:spPr>
+          <a:xfrm>
+            <a:off x="6895652" y="1785769"/>
+            <a:ext cx="5026899" cy="2947596"/>
+          </a:xfrm>
+          <a:prstGeom prst="rect">
+            <a:avLst/>
+          </a:prstGeom>
+          <a:noFill/>
+          <a:ln>
+            <a:solidFill>
+              <a:srgbClr val="FF0000"/>
+            </a:solidFill>
+          </a:ln>
+        </p:spPr>
+        <p:style>
+          <a:lnRef idx="2">
+            <a:schemeClr val="accent1">
+              <a:shade val="50000"/>
+            </a:schemeClr>
+          </a:lnRef>
+          <a:fillRef idx="1">
+            <a:schemeClr val="accent1"/>
+          </a:fillRef>
+          <a:effectRef idx="0">
+            <a:schemeClr val="accent1"/>
+          </a:effectRef>
+          <a:fontRef idx="minor">
+            <a:schemeClr val="lt1"/>
+          </a:fontRef>
+        </p:style>
+        <p:txBody>
+          <a:bodyPr rtlCol="0" anchor="ctr"/>
+          <a:lstStyle/>
+          <a:p>
+            <a:pPr algn="ctr"/>
+            <a:endParaRPr lang="ru-RU"/>
+          </a:p>
+        </p:txBody>
+      </p:sp>
     </p:spTree>
     <p:extLst>
       <p:ext uri="{BB962C8B-B14F-4D97-AF65-F5344CB8AC3E}">
@@ -7687,6 +8180,281 @@
       </p:transition>
     </mc:Fallback>
   </mc:AlternateContent>
+  <p:timing>
+    <p:tnLst>
+      <p:par>
+        <p:cTn id="1" dur="indefinite" restart="never" nodeType="tmRoot">
+          <p:childTnLst>
+            <p:seq concurrent="1" nextAc="seek">
+              <p:cTn id="2" dur="indefinite" nodeType="mainSeq">
+                <p:childTnLst>
+                  <p:par>
+                    <p:cTn id="3" fill="hold">
+                      <p:stCondLst>
+                        <p:cond delay="indefinite"/>
+                        <p:cond evt="onBegin" delay="0">
+                          <p:tn val="2"/>
+                        </p:cond>
+                      </p:stCondLst>
+                      <p:childTnLst>
+                        <p:par>
+                          <p:cTn id="4" fill="hold">
+                            <p:stCondLst>
+                              <p:cond delay="0"/>
+                            </p:stCondLst>
+                            <p:childTnLst>
+                              <p:par>
+                                <p:cTn id="5" presetID="1" presetClass="entr" presetSubtype="0" fill="hold" grpId="0" nodeType="withEffect">
+                                  <p:stCondLst>
+                                    <p:cond delay="0"/>
+                                  </p:stCondLst>
+                                  <p:childTnLst>
+                                    <p:set>
+                                      <p:cBhvr>
+                                        <p:cTn id="6" dur="1" fill="hold">
+                                          <p:stCondLst>
+                                            <p:cond delay="0"/>
+                                          </p:stCondLst>
+                                        </p:cTn>
+                                        <p:tgtEl>
+                                          <p:spTgt spid="5"/>
+                                        </p:tgtEl>
+                                        <p:attrNameLst>
+                                          <p:attrName>style.visibility</p:attrName>
+                                        </p:attrNameLst>
+                                      </p:cBhvr>
+                                      <p:to>
+                                        <p:strVal val="visible"/>
+                                      </p:to>
+                                    </p:set>
+                                  </p:childTnLst>
+                                </p:cTn>
+                              </p:par>
+                            </p:childTnLst>
+                          </p:cTn>
+                        </p:par>
+                      </p:childTnLst>
+                    </p:cTn>
+                  </p:par>
+                  <p:par>
+                    <p:cTn id="7" fill="hold">
+                      <p:stCondLst>
+                        <p:cond delay="indefinite"/>
+                      </p:stCondLst>
+                      <p:childTnLst>
+                        <p:par>
+                          <p:cTn id="8" fill="hold">
+                            <p:stCondLst>
+                              <p:cond delay="0"/>
+                            </p:stCondLst>
+                            <p:childTnLst>
+                              <p:par>
+                                <p:cTn id="9" presetID="1" presetClass="exit" presetSubtype="0" fill="hold" grpId="1" nodeType="clickEffect">
+                                  <p:stCondLst>
+                                    <p:cond delay="0"/>
+                                  </p:stCondLst>
+                                  <p:childTnLst>
+                                    <p:set>
+                                      <p:cBhvr>
+                                        <p:cTn id="10" dur="1" fill="hold">
+                                          <p:stCondLst>
+                                            <p:cond delay="0"/>
+                                          </p:stCondLst>
+                                        </p:cTn>
+                                        <p:tgtEl>
+                                          <p:spTgt spid="5"/>
+                                        </p:tgtEl>
+                                        <p:attrNameLst>
+                                          <p:attrName>style.visibility</p:attrName>
+                                        </p:attrNameLst>
+                                      </p:cBhvr>
+                                      <p:to>
+                                        <p:strVal val="hidden"/>
+                                      </p:to>
+                                    </p:set>
+                                  </p:childTnLst>
+                                </p:cTn>
+                              </p:par>
+                              <p:par>
+                                <p:cTn id="11" presetID="1" presetClass="entr" presetSubtype="0" fill="hold" grpId="0" nodeType="withEffect">
+                                  <p:stCondLst>
+                                    <p:cond delay="0"/>
+                                  </p:stCondLst>
+                                  <p:childTnLst>
+                                    <p:set>
+                                      <p:cBhvr>
+                                        <p:cTn id="12" dur="1" fill="hold">
+                                          <p:stCondLst>
+                                            <p:cond delay="0"/>
+                                          </p:stCondLst>
+                                        </p:cTn>
+                                        <p:tgtEl>
+                                          <p:spTgt spid="6"/>
+                                        </p:tgtEl>
+                                        <p:attrNameLst>
+                                          <p:attrName>style.visibility</p:attrName>
+                                        </p:attrNameLst>
+                                      </p:cBhvr>
+                                      <p:to>
+                                        <p:strVal val="visible"/>
+                                      </p:to>
+                                    </p:set>
+                                  </p:childTnLst>
+                                </p:cTn>
+                              </p:par>
+                            </p:childTnLst>
+                          </p:cTn>
+                        </p:par>
+                      </p:childTnLst>
+                    </p:cTn>
+                  </p:par>
+                  <p:par>
+                    <p:cTn id="13" fill="hold">
+                      <p:stCondLst>
+                        <p:cond delay="indefinite"/>
+                      </p:stCondLst>
+                      <p:childTnLst>
+                        <p:par>
+                          <p:cTn id="14" fill="hold">
+                            <p:stCondLst>
+                              <p:cond delay="0"/>
+                            </p:stCondLst>
+                            <p:childTnLst>
+                              <p:par>
+                                <p:cTn id="15" presetID="1" presetClass="exit" presetSubtype="0" fill="hold" grpId="1" nodeType="clickEffect">
+                                  <p:stCondLst>
+                                    <p:cond delay="0"/>
+                                  </p:stCondLst>
+                                  <p:childTnLst>
+                                    <p:set>
+                                      <p:cBhvr>
+                                        <p:cTn id="16" dur="1" fill="hold">
+                                          <p:stCondLst>
+                                            <p:cond delay="0"/>
+                                          </p:stCondLst>
+                                        </p:cTn>
+                                        <p:tgtEl>
+                                          <p:spTgt spid="6"/>
+                                        </p:tgtEl>
+                                        <p:attrNameLst>
+                                          <p:attrName>style.visibility</p:attrName>
+                                        </p:attrNameLst>
+                                      </p:cBhvr>
+                                      <p:to>
+                                        <p:strVal val="hidden"/>
+                                      </p:to>
+                                    </p:set>
+                                  </p:childTnLst>
+                                </p:cTn>
+                              </p:par>
+                              <p:par>
+                                <p:cTn id="17" presetID="1" presetClass="entr" presetSubtype="0" fill="hold" grpId="0" nodeType="withEffect">
+                                  <p:stCondLst>
+                                    <p:cond delay="0"/>
+                                  </p:stCondLst>
+                                  <p:childTnLst>
+                                    <p:set>
+                                      <p:cBhvr>
+                                        <p:cTn id="18" dur="1" fill="hold">
+                                          <p:stCondLst>
+                                            <p:cond delay="0"/>
+                                          </p:stCondLst>
+                                        </p:cTn>
+                                        <p:tgtEl>
+                                          <p:spTgt spid="7"/>
+                                        </p:tgtEl>
+                                        <p:attrNameLst>
+                                          <p:attrName>style.visibility</p:attrName>
+                                        </p:attrNameLst>
+                                      </p:cBhvr>
+                                      <p:to>
+                                        <p:strVal val="visible"/>
+                                      </p:to>
+                                    </p:set>
+                                  </p:childTnLst>
+                                </p:cTn>
+                              </p:par>
+                            </p:childTnLst>
+                          </p:cTn>
+                        </p:par>
+                      </p:childTnLst>
+                    </p:cTn>
+                  </p:par>
+                  <p:par>
+                    <p:cTn id="19" fill="hold">
+                      <p:stCondLst>
+                        <p:cond delay="indefinite"/>
+                      </p:stCondLst>
+                      <p:childTnLst>
+                        <p:par>
+                          <p:cTn id="20" fill="hold">
+                            <p:stCondLst>
+                              <p:cond delay="0"/>
+                            </p:stCondLst>
+                            <p:childTnLst>
+                              <p:par>
+                                <p:cTn id="21" presetID="1" presetClass="exit" presetSubtype="0" fill="hold" grpId="1" nodeType="clickEffect">
+                                  <p:stCondLst>
+                                    <p:cond delay="0"/>
+                                  </p:stCondLst>
+                                  <p:childTnLst>
+                                    <p:set>
+                                      <p:cBhvr>
+                                        <p:cTn id="22" dur="1" fill="hold">
+                                          <p:stCondLst>
+                                            <p:cond delay="0"/>
+                                          </p:stCondLst>
+                                        </p:cTn>
+                                        <p:tgtEl>
+                                          <p:spTgt spid="7"/>
+                                        </p:tgtEl>
+                                        <p:attrNameLst>
+                                          <p:attrName>style.visibility</p:attrName>
+                                        </p:attrNameLst>
+                                      </p:cBhvr>
+                                      <p:to>
+                                        <p:strVal val="hidden"/>
+                                      </p:to>
+                                    </p:set>
+                                  </p:childTnLst>
+                                </p:cTn>
+                              </p:par>
+                            </p:childTnLst>
+                          </p:cTn>
+                        </p:par>
+                      </p:childTnLst>
+                    </p:cTn>
+                  </p:par>
+                </p:childTnLst>
+              </p:cTn>
+              <p:prevCondLst>
+                <p:cond evt="onPrev" delay="0">
+                  <p:tgtEl>
+                    <p:sldTgt/>
+                  </p:tgtEl>
+                </p:cond>
+              </p:prevCondLst>
+              <p:nextCondLst>
+                <p:cond evt="onNext" delay="0">
+                  <p:tgtEl>
+                    <p:sldTgt/>
+                  </p:tgtEl>
+                </p:cond>
+              </p:nextCondLst>
+            </p:seq>
+          </p:childTnLst>
+        </p:cTn>
+      </p:par>
+    </p:tnLst>
+    <p:bldLst>
+      <p:bldP spid="5" grpId="0" animBg="1"/>
+      <p:bldP spid="5" grpId="1" animBg="1"/>
+      <p:bldP spid="6" grpId="0" animBg="1"/>
+      <p:bldP spid="6" grpId="1" animBg="1"/>
+      <p:bldP spid="7" grpId="0" animBg="1"/>
+      <p:bldP spid="7" grpId="1" animBg="1"/>
+    </p:bldLst>
+  </p:timing>
 </p:sld>
 </file>
 
@@ -7795,6 +8563,162 @@
               <a:t>13</a:t>
             </a:fld>
             <a:endParaRPr lang="en-US" dirty="0"/>
+          </a:p>
+        </p:txBody>
+      </p:sp>
+      <p:sp>
+        <p:nvSpPr>
+          <p:cNvPr id="5" name="Прямоугольник 4">
+            <a:extLst>
+              <a:ext uri="{FF2B5EF4-FFF2-40B4-BE49-F238E27FC236}">
+                <a16:creationId xmlns:a16="http://schemas.microsoft.com/office/drawing/2014/main" id="{44D2D7F1-E72D-4DA3-963B-45BAA00D4F4C}"/>
+              </a:ext>
+            </a:extLst>
+          </p:cNvPr>
+          <p:cNvSpPr/>
+          <p:nvPr/>
+        </p:nvSpPr>
+        <p:spPr>
+          <a:xfrm>
+            <a:off x="1473797" y="1323191"/>
+            <a:ext cx="5021296" cy="2432635"/>
+          </a:xfrm>
+          <a:prstGeom prst="rect">
+            <a:avLst/>
+          </a:prstGeom>
+          <a:noFill/>
+          <a:ln>
+            <a:solidFill>
+              <a:srgbClr val="FF0000"/>
+            </a:solidFill>
+          </a:ln>
+        </p:spPr>
+        <p:style>
+          <a:lnRef idx="2">
+            <a:schemeClr val="accent1">
+              <a:shade val="50000"/>
+            </a:schemeClr>
+          </a:lnRef>
+          <a:fillRef idx="1">
+            <a:schemeClr val="accent1"/>
+          </a:fillRef>
+          <a:effectRef idx="0">
+            <a:schemeClr val="accent1"/>
+          </a:effectRef>
+          <a:fontRef idx="minor">
+            <a:schemeClr val="lt1"/>
+          </a:fontRef>
+        </p:style>
+        <p:txBody>
+          <a:bodyPr rtlCol="0" anchor="ctr"/>
+          <a:lstStyle/>
+          <a:p>
+            <a:pPr algn="ctr"/>
+            <a:endParaRPr lang="ru-RU"/>
+          </a:p>
+        </p:txBody>
+      </p:sp>
+      <p:sp>
+        <p:nvSpPr>
+          <p:cNvPr id="6" name="Прямоугольник 5">
+            <a:extLst>
+              <a:ext uri="{FF2B5EF4-FFF2-40B4-BE49-F238E27FC236}">
+                <a16:creationId xmlns:a16="http://schemas.microsoft.com/office/drawing/2014/main" id="{322C8FDB-D695-4597-B7EA-163D91F5FE21}"/>
+              </a:ext>
+            </a:extLst>
+          </p:cNvPr>
+          <p:cNvSpPr/>
+          <p:nvPr/>
+        </p:nvSpPr>
+        <p:spPr>
+          <a:xfrm>
+            <a:off x="4001844" y="3755826"/>
+            <a:ext cx="3958815" cy="2937354"/>
+          </a:xfrm>
+          <a:prstGeom prst="rect">
+            <a:avLst/>
+          </a:prstGeom>
+          <a:noFill/>
+          <a:ln>
+            <a:solidFill>
+              <a:srgbClr val="FF0000"/>
+            </a:solidFill>
+          </a:ln>
+        </p:spPr>
+        <p:style>
+          <a:lnRef idx="2">
+            <a:schemeClr val="accent1">
+              <a:shade val="50000"/>
+            </a:schemeClr>
+          </a:lnRef>
+          <a:fillRef idx="1">
+            <a:schemeClr val="accent1"/>
+          </a:fillRef>
+          <a:effectRef idx="0">
+            <a:schemeClr val="accent1"/>
+          </a:effectRef>
+          <a:fontRef idx="minor">
+            <a:schemeClr val="lt1"/>
+          </a:fontRef>
+        </p:style>
+        <p:txBody>
+          <a:bodyPr rtlCol="0" anchor="ctr"/>
+          <a:lstStyle/>
+          <a:p>
+            <a:pPr algn="ctr"/>
+            <a:endParaRPr lang="ru-RU"/>
+          </a:p>
+        </p:txBody>
+      </p:sp>
+      <p:sp>
+        <p:nvSpPr>
+          <p:cNvPr id="7" name="Прямоугольник 6">
+            <a:extLst>
+              <a:ext uri="{FF2B5EF4-FFF2-40B4-BE49-F238E27FC236}">
+                <a16:creationId xmlns:a16="http://schemas.microsoft.com/office/drawing/2014/main" id="{2CAABE63-9B6D-4809-A766-404DDC5A1E00}"/>
+              </a:ext>
+            </a:extLst>
+          </p:cNvPr>
+          <p:cNvSpPr/>
+          <p:nvPr/>
+        </p:nvSpPr>
+        <p:spPr>
+          <a:xfrm>
+            <a:off x="6646325" y="1297456"/>
+            <a:ext cx="3958815" cy="2937354"/>
+          </a:xfrm>
+          <a:prstGeom prst="rect">
+            <a:avLst/>
+          </a:prstGeom>
+          <a:noFill/>
+          <a:ln>
+            <a:solidFill>
+              <a:srgbClr val="FF0000"/>
+            </a:solidFill>
+          </a:ln>
+        </p:spPr>
+        <p:style>
+          <a:lnRef idx="2">
+            <a:schemeClr val="accent1">
+              <a:shade val="50000"/>
+            </a:schemeClr>
+          </a:lnRef>
+          <a:fillRef idx="1">
+            <a:schemeClr val="accent1"/>
+          </a:fillRef>
+          <a:effectRef idx="0">
+            <a:schemeClr val="accent1"/>
+          </a:effectRef>
+          <a:fontRef idx="minor">
+            <a:schemeClr val="lt1"/>
+          </a:fontRef>
+        </p:style>
+        <p:txBody>
+          <a:bodyPr rtlCol="0" anchor="ctr"/>
+          <a:lstStyle/>
+          <a:p>
+            <a:pPr algn="ctr"/>
+            <a:endParaRPr lang="ru-RU"/>
           </a:p>
         </p:txBody>
       </p:sp>
@@ -7820,6 +8744,278 @@
       </p:transition>
     </mc:Fallback>
   </mc:AlternateContent>
+  <p:timing>
+    <p:tnLst>
+      <p:par>
+        <p:cTn id="1" dur="indefinite" restart="never" nodeType="tmRoot">
+          <p:childTnLst>
+            <p:seq concurrent="1" nextAc="seek">
+              <p:cTn id="2" dur="indefinite" nodeType="mainSeq">
+                <p:childTnLst>
+                  <p:par>
+                    <p:cTn id="3" fill="hold">
+                      <p:stCondLst>
+                        <p:cond delay="indefinite"/>
+                      </p:stCondLst>
+                      <p:childTnLst>
+                        <p:par>
+                          <p:cTn id="4" fill="hold">
+                            <p:stCondLst>
+                              <p:cond delay="0"/>
+                            </p:stCondLst>
+                            <p:childTnLst>
+                              <p:par>
+                                <p:cTn id="5" presetID="1" presetClass="entr" presetSubtype="0" fill="hold" grpId="0" nodeType="clickEffect">
+                                  <p:stCondLst>
+                                    <p:cond delay="0"/>
+                                  </p:stCondLst>
+                                  <p:childTnLst>
+                                    <p:set>
+                                      <p:cBhvr>
+                                        <p:cTn id="6" dur="1" fill="hold">
+                                          <p:stCondLst>
+                                            <p:cond delay="0"/>
+                                          </p:stCondLst>
+                                        </p:cTn>
+                                        <p:tgtEl>
+                                          <p:spTgt spid="5"/>
+                                        </p:tgtEl>
+                                        <p:attrNameLst>
+                                          <p:attrName>style.visibility</p:attrName>
+                                        </p:attrNameLst>
+                                      </p:cBhvr>
+                                      <p:to>
+                                        <p:strVal val="visible"/>
+                                      </p:to>
+                                    </p:set>
+                                  </p:childTnLst>
+                                </p:cTn>
+                              </p:par>
+                            </p:childTnLst>
+                          </p:cTn>
+                        </p:par>
+                      </p:childTnLst>
+                    </p:cTn>
+                  </p:par>
+                  <p:par>
+                    <p:cTn id="7" fill="hold">
+                      <p:stCondLst>
+                        <p:cond delay="indefinite"/>
+                      </p:stCondLst>
+                      <p:childTnLst>
+                        <p:par>
+                          <p:cTn id="8" fill="hold">
+                            <p:stCondLst>
+                              <p:cond delay="0"/>
+                            </p:stCondLst>
+                            <p:childTnLst>
+                              <p:par>
+                                <p:cTn id="9" presetID="1" presetClass="exit" presetSubtype="0" fill="hold" grpId="1" nodeType="clickEffect">
+                                  <p:stCondLst>
+                                    <p:cond delay="0"/>
+                                  </p:stCondLst>
+                                  <p:childTnLst>
+                                    <p:set>
+                                      <p:cBhvr>
+                                        <p:cTn id="10" dur="1" fill="hold">
+                                          <p:stCondLst>
+                                            <p:cond delay="0"/>
+                                          </p:stCondLst>
+                                        </p:cTn>
+                                        <p:tgtEl>
+                                          <p:spTgt spid="5"/>
+                                        </p:tgtEl>
+                                        <p:attrNameLst>
+                                          <p:attrName>style.visibility</p:attrName>
+                                        </p:attrNameLst>
+                                      </p:cBhvr>
+                                      <p:to>
+                                        <p:strVal val="hidden"/>
+                                      </p:to>
+                                    </p:set>
+                                  </p:childTnLst>
+                                </p:cTn>
+                              </p:par>
+                              <p:par>
+                                <p:cTn id="11" presetID="1" presetClass="entr" presetSubtype="0" fill="hold" grpId="0" nodeType="withEffect">
+                                  <p:stCondLst>
+                                    <p:cond delay="0"/>
+                                  </p:stCondLst>
+                                  <p:childTnLst>
+                                    <p:set>
+                                      <p:cBhvr>
+                                        <p:cTn id="12" dur="1" fill="hold">
+                                          <p:stCondLst>
+                                            <p:cond delay="0"/>
+                                          </p:stCondLst>
+                                        </p:cTn>
+                                        <p:tgtEl>
+                                          <p:spTgt spid="6"/>
+                                        </p:tgtEl>
+                                        <p:attrNameLst>
+                                          <p:attrName>style.visibility</p:attrName>
+                                        </p:attrNameLst>
+                                      </p:cBhvr>
+                                      <p:to>
+                                        <p:strVal val="visible"/>
+                                      </p:to>
+                                    </p:set>
+                                  </p:childTnLst>
+                                </p:cTn>
+                              </p:par>
+                            </p:childTnLst>
+                          </p:cTn>
+                        </p:par>
+                      </p:childTnLst>
+                    </p:cTn>
+                  </p:par>
+                  <p:par>
+                    <p:cTn id="13" fill="hold">
+                      <p:stCondLst>
+                        <p:cond delay="indefinite"/>
+                      </p:stCondLst>
+                      <p:childTnLst>
+                        <p:par>
+                          <p:cTn id="14" fill="hold">
+                            <p:stCondLst>
+                              <p:cond delay="0"/>
+                            </p:stCondLst>
+                            <p:childTnLst>
+                              <p:par>
+                                <p:cTn id="15" presetID="1" presetClass="exit" presetSubtype="0" fill="hold" grpId="1" nodeType="clickEffect">
+                                  <p:stCondLst>
+                                    <p:cond delay="0"/>
+                                  </p:stCondLst>
+                                  <p:childTnLst>
+                                    <p:set>
+                                      <p:cBhvr>
+                                        <p:cTn id="16" dur="1" fill="hold">
+                                          <p:stCondLst>
+                                            <p:cond delay="0"/>
+                                          </p:stCondLst>
+                                        </p:cTn>
+                                        <p:tgtEl>
+                                          <p:spTgt spid="6"/>
+                                        </p:tgtEl>
+                                        <p:attrNameLst>
+                                          <p:attrName>style.visibility</p:attrName>
+                                        </p:attrNameLst>
+                                      </p:cBhvr>
+                                      <p:to>
+                                        <p:strVal val="hidden"/>
+                                      </p:to>
+                                    </p:set>
+                                  </p:childTnLst>
+                                </p:cTn>
+                              </p:par>
+                              <p:par>
+                                <p:cTn id="17" presetID="1" presetClass="entr" presetSubtype="0" fill="hold" grpId="0" nodeType="withEffect">
+                                  <p:stCondLst>
+                                    <p:cond delay="0"/>
+                                  </p:stCondLst>
+                                  <p:childTnLst>
+                                    <p:set>
+                                      <p:cBhvr>
+                                        <p:cTn id="18" dur="1" fill="hold">
+                                          <p:stCondLst>
+                                            <p:cond delay="0"/>
+                                          </p:stCondLst>
+                                        </p:cTn>
+                                        <p:tgtEl>
+                                          <p:spTgt spid="7"/>
+                                        </p:tgtEl>
+                                        <p:attrNameLst>
+                                          <p:attrName>style.visibility</p:attrName>
+                                        </p:attrNameLst>
+                                      </p:cBhvr>
+                                      <p:to>
+                                        <p:strVal val="visible"/>
+                                      </p:to>
+                                    </p:set>
+                                  </p:childTnLst>
+                                </p:cTn>
+                              </p:par>
+                            </p:childTnLst>
+                          </p:cTn>
+                        </p:par>
+                      </p:childTnLst>
+                    </p:cTn>
+                  </p:par>
+                  <p:par>
+                    <p:cTn id="19" fill="hold">
+                      <p:stCondLst>
+                        <p:cond delay="indefinite"/>
+                      </p:stCondLst>
+                      <p:childTnLst>
+                        <p:par>
+                          <p:cTn id="20" fill="hold">
+                            <p:stCondLst>
+                              <p:cond delay="0"/>
+                            </p:stCondLst>
+                            <p:childTnLst>
+                              <p:par>
+                                <p:cTn id="21" presetID="1" presetClass="exit" presetSubtype="0" fill="hold" grpId="1" nodeType="clickEffect">
+                                  <p:stCondLst>
+                                    <p:cond delay="0"/>
+                                  </p:stCondLst>
+                                  <p:childTnLst>
+                                    <p:set>
+                                      <p:cBhvr>
+                                        <p:cTn id="22" dur="1" fill="hold">
+                                          <p:stCondLst>
+                                            <p:cond delay="0"/>
+                                          </p:stCondLst>
+                                        </p:cTn>
+                                        <p:tgtEl>
+                                          <p:spTgt spid="7"/>
+                                        </p:tgtEl>
+                                        <p:attrNameLst>
+                                          <p:attrName>style.visibility</p:attrName>
+                                        </p:attrNameLst>
+                                      </p:cBhvr>
+                                      <p:to>
+                                        <p:strVal val="hidden"/>
+                                      </p:to>
+                                    </p:set>
+                                  </p:childTnLst>
+                                </p:cTn>
+                              </p:par>
+                            </p:childTnLst>
+                          </p:cTn>
+                        </p:par>
+                      </p:childTnLst>
+                    </p:cTn>
+                  </p:par>
+                </p:childTnLst>
+              </p:cTn>
+              <p:prevCondLst>
+                <p:cond evt="onPrev" delay="0">
+                  <p:tgtEl>
+                    <p:sldTgt/>
+                  </p:tgtEl>
+                </p:cond>
+              </p:prevCondLst>
+              <p:nextCondLst>
+                <p:cond evt="onNext" delay="0">
+                  <p:tgtEl>
+                    <p:sldTgt/>
+                  </p:tgtEl>
+                </p:cond>
+              </p:nextCondLst>
+            </p:seq>
+          </p:childTnLst>
+        </p:cTn>
+      </p:par>
+    </p:tnLst>
+    <p:bldLst>
+      <p:bldP spid="5" grpId="0" animBg="1"/>
+      <p:bldP spid="5" grpId="1" animBg="1"/>
+      <p:bldP spid="6" grpId="0" animBg="1"/>
+      <p:bldP spid="6" grpId="1" animBg="1"/>
+      <p:bldP spid="7" grpId="0" animBg="1"/>
+      <p:bldP spid="7" grpId="1" animBg="1"/>
+    </p:bldLst>
+  </p:timing>
 </p:sld>
 </file>
 
@@ -8318,6 +9514,18 @@
   <p:clrMapOvr>
     <a:masterClrMapping/>
   </p:clrMapOvr>
+  <mc:AlternateContent xmlns:mc="http://schemas.openxmlformats.org/markup-compatibility/2006">
+    <mc:Choice xmlns:p14="http://schemas.microsoft.com/office/powerpoint/2010/main" Requires="p14">
+      <p:transition spd="med" p14:dur="700">
+        <p:fade/>
+      </p:transition>
+    </mc:Choice>
+    <mc:Fallback>
+      <p:transition spd="med">
+        <p:fade/>
+      </p:transition>
+    </mc:Fallback>
+  </mc:AlternateContent>
 </p:sld>
 </file>
 
@@ -8652,14 +9860,14 @@
           </p:nvPr>
         </p:nvPicPr>
         <p:blipFill>
-          <a:blip r:embed="rId2"/>
+          <a:blip r:embed="rId3"/>
           <a:stretch>
             <a:fillRect/>
           </a:stretch>
         </p:blipFill>
         <p:spPr>
           <a:xfrm>
-            <a:off x="1544095" y="1730878"/>
+            <a:off x="1544095" y="1784235"/>
             <a:ext cx="9294309" cy="4725678"/>
           </a:xfrm>
           <a:ln>
@@ -8696,6 +9904,214 @@
               <a:t>17</a:t>
             </a:fld>
             <a:endParaRPr lang="en-US" dirty="0"/>
+          </a:p>
+        </p:txBody>
+      </p:sp>
+      <p:sp>
+        <p:nvSpPr>
+          <p:cNvPr id="3" name="Прямоугольник 2">
+            <a:extLst>
+              <a:ext uri="{FF2B5EF4-FFF2-40B4-BE49-F238E27FC236}">
+                <a16:creationId xmlns:a16="http://schemas.microsoft.com/office/drawing/2014/main" id="{98D76B29-0582-4271-A05E-CFC3A3E4D5B5}"/>
+              </a:ext>
+            </a:extLst>
+          </p:cNvPr>
+          <p:cNvSpPr/>
+          <p:nvPr/>
+        </p:nvSpPr>
+        <p:spPr>
+          <a:xfrm>
+            <a:off x="2732442" y="1613647"/>
+            <a:ext cx="4410636" cy="1097280"/>
+          </a:xfrm>
+          <a:prstGeom prst="rect">
+            <a:avLst/>
+          </a:prstGeom>
+          <a:noFill/>
+          <a:ln>
+            <a:solidFill>
+              <a:srgbClr val="FF0000"/>
+            </a:solidFill>
+          </a:ln>
+        </p:spPr>
+        <p:style>
+          <a:lnRef idx="2">
+            <a:schemeClr val="accent1">
+              <a:shade val="50000"/>
+            </a:schemeClr>
+          </a:lnRef>
+          <a:fillRef idx="1">
+            <a:schemeClr val="accent1"/>
+          </a:fillRef>
+          <a:effectRef idx="0">
+            <a:schemeClr val="accent1"/>
+          </a:effectRef>
+          <a:fontRef idx="minor">
+            <a:schemeClr val="lt1"/>
+          </a:fontRef>
+        </p:style>
+        <p:txBody>
+          <a:bodyPr rtlCol="0" anchor="ctr"/>
+          <a:lstStyle/>
+          <a:p>
+            <a:pPr algn="ctr"/>
+            <a:endParaRPr lang="ru-RU"/>
+          </a:p>
+        </p:txBody>
+      </p:sp>
+      <p:sp>
+        <p:nvSpPr>
+          <p:cNvPr id="9" name="Прямоугольник 8">
+            <a:extLst>
+              <a:ext uri="{FF2B5EF4-FFF2-40B4-BE49-F238E27FC236}">
+                <a16:creationId xmlns:a16="http://schemas.microsoft.com/office/drawing/2014/main" id="{613D1C42-DDB9-49B3-B335-5EA9484924E5}"/>
+              </a:ext>
+            </a:extLst>
+          </p:cNvPr>
+          <p:cNvSpPr/>
+          <p:nvPr/>
+        </p:nvSpPr>
+        <p:spPr>
+          <a:xfrm>
+            <a:off x="8627633" y="1659176"/>
+            <a:ext cx="2517662" cy="2915323"/>
+          </a:xfrm>
+          <a:prstGeom prst="rect">
+            <a:avLst/>
+          </a:prstGeom>
+          <a:noFill/>
+          <a:ln>
+            <a:solidFill>
+              <a:srgbClr val="FF0000"/>
+            </a:solidFill>
+          </a:ln>
+        </p:spPr>
+        <p:style>
+          <a:lnRef idx="2">
+            <a:schemeClr val="accent1">
+              <a:shade val="50000"/>
+            </a:schemeClr>
+          </a:lnRef>
+          <a:fillRef idx="1">
+            <a:schemeClr val="accent1"/>
+          </a:fillRef>
+          <a:effectRef idx="0">
+            <a:schemeClr val="accent1"/>
+          </a:effectRef>
+          <a:fontRef idx="minor">
+            <a:schemeClr val="lt1"/>
+          </a:fontRef>
+        </p:style>
+        <p:txBody>
+          <a:bodyPr rtlCol="0" anchor="ctr"/>
+          <a:lstStyle/>
+          <a:p>
+            <a:pPr algn="ctr"/>
+            <a:endParaRPr lang="ru-RU"/>
+          </a:p>
+        </p:txBody>
+      </p:sp>
+      <p:sp>
+        <p:nvSpPr>
+          <p:cNvPr id="10" name="Прямоугольник 9">
+            <a:extLst>
+              <a:ext uri="{FF2B5EF4-FFF2-40B4-BE49-F238E27FC236}">
+                <a16:creationId xmlns:a16="http://schemas.microsoft.com/office/drawing/2014/main" id="{542655BB-3F80-42F6-B506-B5C6E5E3D4A5}"/>
+              </a:ext>
+            </a:extLst>
+          </p:cNvPr>
+          <p:cNvSpPr/>
+          <p:nvPr/>
+        </p:nvSpPr>
+        <p:spPr>
+          <a:xfrm>
+            <a:off x="6572736" y="5212367"/>
+            <a:ext cx="2517662" cy="1485900"/>
+          </a:xfrm>
+          <a:prstGeom prst="rect">
+            <a:avLst/>
+          </a:prstGeom>
+          <a:noFill/>
+          <a:ln>
+            <a:solidFill>
+              <a:srgbClr val="FF0000"/>
+            </a:solidFill>
+          </a:ln>
+        </p:spPr>
+        <p:style>
+          <a:lnRef idx="2">
+            <a:schemeClr val="accent1">
+              <a:shade val="50000"/>
+            </a:schemeClr>
+          </a:lnRef>
+          <a:fillRef idx="1">
+            <a:schemeClr val="accent1"/>
+          </a:fillRef>
+          <a:effectRef idx="0">
+            <a:schemeClr val="accent1"/>
+          </a:effectRef>
+          <a:fontRef idx="minor">
+            <a:schemeClr val="lt1"/>
+          </a:fontRef>
+        </p:style>
+        <p:txBody>
+          <a:bodyPr rtlCol="0" anchor="ctr"/>
+          <a:lstStyle/>
+          <a:p>
+            <a:pPr algn="ctr"/>
+            <a:endParaRPr lang="ru-RU"/>
+          </a:p>
+        </p:txBody>
+      </p:sp>
+      <p:sp>
+        <p:nvSpPr>
+          <p:cNvPr id="11" name="Прямоугольник 10">
+            <a:extLst>
+              <a:ext uri="{FF2B5EF4-FFF2-40B4-BE49-F238E27FC236}">
+                <a16:creationId xmlns:a16="http://schemas.microsoft.com/office/drawing/2014/main" id="{C16D8014-5DD5-4A38-AFE3-C5A83EF8F4F1}"/>
+              </a:ext>
+            </a:extLst>
+          </p:cNvPr>
+          <p:cNvSpPr/>
+          <p:nvPr/>
+        </p:nvSpPr>
+        <p:spPr>
+          <a:xfrm>
+            <a:off x="2563906" y="5244353"/>
+            <a:ext cx="2517662" cy="1485900"/>
+          </a:xfrm>
+          <a:prstGeom prst="rect">
+            <a:avLst/>
+          </a:prstGeom>
+          <a:noFill/>
+          <a:ln>
+            <a:solidFill>
+              <a:srgbClr val="FF0000"/>
+            </a:solidFill>
+          </a:ln>
+        </p:spPr>
+        <p:style>
+          <a:lnRef idx="2">
+            <a:schemeClr val="accent1">
+              <a:shade val="50000"/>
+            </a:schemeClr>
+          </a:lnRef>
+          <a:fillRef idx="1">
+            <a:schemeClr val="accent1"/>
+          </a:fillRef>
+          <a:effectRef idx="0">
+            <a:schemeClr val="accent1"/>
+          </a:effectRef>
+          <a:fontRef idx="minor">
+            <a:schemeClr val="lt1"/>
+          </a:fontRef>
+        </p:style>
+        <p:txBody>
+          <a:bodyPr rtlCol="0" anchor="ctr"/>
+          <a:lstStyle/>
+          <a:p>
+            <a:pPr algn="ctr"/>
+            <a:endParaRPr lang="ru-RU"/>
           </a:p>
         </p:txBody>
       </p:sp>
@@ -8709,6 +10125,346 @@
   <p:clrMapOvr>
     <a:masterClrMapping/>
   </p:clrMapOvr>
+  <mc:AlternateContent xmlns:mc="http://schemas.openxmlformats.org/markup-compatibility/2006">
+    <mc:Choice xmlns:p14="http://schemas.microsoft.com/office/powerpoint/2010/main" Requires="p14">
+      <p:transition spd="med" p14:dur="700">
+        <p:fade/>
+      </p:transition>
+    </mc:Choice>
+    <mc:Fallback>
+      <p:transition spd="med">
+        <p:fade/>
+      </p:transition>
+    </mc:Fallback>
+  </mc:AlternateContent>
+  <p:timing>
+    <p:tnLst>
+      <p:par>
+        <p:cTn id="1" dur="indefinite" restart="never" nodeType="tmRoot">
+          <p:childTnLst>
+            <p:seq concurrent="1" nextAc="seek">
+              <p:cTn id="2" dur="indefinite" nodeType="mainSeq">
+                <p:childTnLst>
+                  <p:par>
+                    <p:cTn id="3" fill="hold">
+                      <p:stCondLst>
+                        <p:cond delay="indefinite"/>
+                      </p:stCondLst>
+                      <p:childTnLst>
+                        <p:par>
+                          <p:cTn id="4" fill="hold">
+                            <p:stCondLst>
+                              <p:cond delay="0"/>
+                            </p:stCondLst>
+                            <p:childTnLst>
+                              <p:par>
+                                <p:cTn id="5" presetID="1" presetClass="entr" presetSubtype="0" fill="hold" grpId="0" nodeType="clickEffect">
+                                  <p:stCondLst>
+                                    <p:cond delay="0"/>
+                                  </p:stCondLst>
+                                  <p:childTnLst>
+                                    <p:set>
+                                      <p:cBhvr>
+                                        <p:cTn id="6" dur="1" fill="hold">
+                                          <p:stCondLst>
+                                            <p:cond delay="0"/>
+                                          </p:stCondLst>
+                                        </p:cTn>
+                                        <p:tgtEl>
+                                          <p:spTgt spid="3"/>
+                                        </p:tgtEl>
+                                        <p:attrNameLst>
+                                          <p:attrName>style.visibility</p:attrName>
+                                        </p:attrNameLst>
+                                      </p:cBhvr>
+                                      <p:to>
+                                        <p:strVal val="visible"/>
+                                      </p:to>
+                                    </p:set>
+                                  </p:childTnLst>
+                                </p:cTn>
+                              </p:par>
+                            </p:childTnLst>
+                          </p:cTn>
+                        </p:par>
+                      </p:childTnLst>
+                    </p:cTn>
+                  </p:par>
+                  <p:par>
+                    <p:cTn id="7" fill="hold">
+                      <p:stCondLst>
+                        <p:cond delay="indefinite"/>
+                      </p:stCondLst>
+                      <p:childTnLst>
+                        <p:par>
+                          <p:cTn id="8" fill="hold">
+                            <p:stCondLst>
+                              <p:cond delay="0"/>
+                            </p:stCondLst>
+                            <p:childTnLst>
+                              <p:par>
+                                <p:cTn id="9" presetID="1" presetClass="exit" presetSubtype="0" fill="hold" grpId="1" nodeType="clickEffect">
+                                  <p:stCondLst>
+                                    <p:cond delay="0"/>
+                                  </p:stCondLst>
+                                  <p:childTnLst>
+                                    <p:set>
+                                      <p:cBhvr>
+                                        <p:cTn id="10" dur="1" fill="hold">
+                                          <p:stCondLst>
+                                            <p:cond delay="0"/>
+                                          </p:stCondLst>
+                                        </p:cTn>
+                                        <p:tgtEl>
+                                          <p:spTgt spid="3"/>
+                                        </p:tgtEl>
+                                        <p:attrNameLst>
+                                          <p:attrName>style.visibility</p:attrName>
+                                        </p:attrNameLst>
+                                      </p:cBhvr>
+                                      <p:to>
+                                        <p:strVal val="hidden"/>
+                                      </p:to>
+                                    </p:set>
+                                  </p:childTnLst>
+                                </p:cTn>
+                              </p:par>
+                              <p:par>
+                                <p:cTn id="11" presetID="1" presetClass="entr" presetSubtype="0" fill="hold" grpId="0" nodeType="withEffect">
+                                  <p:stCondLst>
+                                    <p:cond delay="0"/>
+                                  </p:stCondLst>
+                                  <p:childTnLst>
+                                    <p:set>
+                                      <p:cBhvr>
+                                        <p:cTn id="12" dur="1" fill="hold">
+                                          <p:stCondLst>
+                                            <p:cond delay="0"/>
+                                          </p:stCondLst>
+                                        </p:cTn>
+                                        <p:tgtEl>
+                                          <p:spTgt spid="9"/>
+                                        </p:tgtEl>
+                                        <p:attrNameLst>
+                                          <p:attrName>style.visibility</p:attrName>
+                                        </p:attrNameLst>
+                                      </p:cBhvr>
+                                      <p:to>
+                                        <p:strVal val="visible"/>
+                                      </p:to>
+                                    </p:set>
+                                  </p:childTnLst>
+                                </p:cTn>
+                              </p:par>
+                              <p:par>
+                                <p:cTn id="13" presetID="1" presetClass="entr" presetSubtype="0" fill="hold" grpId="0" nodeType="withEffect">
+                                  <p:stCondLst>
+                                    <p:cond delay="0"/>
+                                  </p:stCondLst>
+                                  <p:childTnLst>
+                                    <p:set>
+                                      <p:cBhvr>
+                                        <p:cTn id="14" dur="1" fill="hold">
+                                          <p:stCondLst>
+                                            <p:cond delay="0"/>
+                                          </p:stCondLst>
+                                        </p:cTn>
+                                        <p:tgtEl>
+                                          <p:spTgt spid="10"/>
+                                        </p:tgtEl>
+                                        <p:attrNameLst>
+                                          <p:attrName>style.visibility</p:attrName>
+                                        </p:attrNameLst>
+                                      </p:cBhvr>
+                                      <p:to>
+                                        <p:strVal val="visible"/>
+                                      </p:to>
+                                    </p:set>
+                                  </p:childTnLst>
+                                </p:cTn>
+                              </p:par>
+                            </p:childTnLst>
+                          </p:cTn>
+                        </p:par>
+                      </p:childTnLst>
+                    </p:cTn>
+                  </p:par>
+                  <p:par>
+                    <p:cTn id="15" fill="hold">
+                      <p:stCondLst>
+                        <p:cond delay="indefinite"/>
+                      </p:stCondLst>
+                      <p:childTnLst>
+                        <p:par>
+                          <p:cTn id="16" fill="hold">
+                            <p:stCondLst>
+                              <p:cond delay="0"/>
+                            </p:stCondLst>
+                            <p:childTnLst>
+                              <p:par>
+                                <p:cTn id="17" presetID="1" presetClass="exit" presetSubtype="0" fill="hold" grpId="1" nodeType="clickEffect">
+                                  <p:stCondLst>
+                                    <p:cond delay="0"/>
+                                  </p:stCondLst>
+                                  <p:childTnLst>
+                                    <p:set>
+                                      <p:cBhvr>
+                                        <p:cTn id="18" dur="1" fill="hold">
+                                          <p:stCondLst>
+                                            <p:cond delay="0"/>
+                                          </p:stCondLst>
+                                        </p:cTn>
+                                        <p:tgtEl>
+                                          <p:spTgt spid="9"/>
+                                        </p:tgtEl>
+                                        <p:attrNameLst>
+                                          <p:attrName>style.visibility</p:attrName>
+                                        </p:attrNameLst>
+                                      </p:cBhvr>
+                                      <p:to>
+                                        <p:strVal val="hidden"/>
+                                      </p:to>
+                                    </p:set>
+                                  </p:childTnLst>
+                                </p:cTn>
+                              </p:par>
+                              <p:par>
+                                <p:cTn id="19" presetID="1" presetClass="exit" presetSubtype="0" fill="hold" grpId="1" nodeType="withEffect">
+                                  <p:stCondLst>
+                                    <p:cond delay="0"/>
+                                  </p:stCondLst>
+                                  <p:childTnLst>
+                                    <p:set>
+                                      <p:cBhvr>
+                                        <p:cTn id="20" dur="1" fill="hold">
+                                          <p:stCondLst>
+                                            <p:cond delay="0"/>
+                                          </p:stCondLst>
+                                        </p:cTn>
+                                        <p:tgtEl>
+                                          <p:spTgt spid="10"/>
+                                        </p:tgtEl>
+                                        <p:attrNameLst>
+                                          <p:attrName>style.visibility</p:attrName>
+                                        </p:attrNameLst>
+                                      </p:cBhvr>
+                                      <p:to>
+                                        <p:strVal val="hidden"/>
+                                      </p:to>
+                                    </p:set>
+                                  </p:childTnLst>
+                                </p:cTn>
+                              </p:par>
+                              <p:par>
+                                <p:cTn id="21" presetID="1" presetClass="entr" presetSubtype="0" fill="hold" grpId="0" nodeType="withEffect">
+                                  <p:stCondLst>
+                                    <p:cond delay="0"/>
+                                  </p:stCondLst>
+                                  <p:childTnLst>
+                                    <p:set>
+                                      <p:cBhvr>
+                                        <p:cTn id="22" dur="1" fill="hold">
+                                          <p:stCondLst>
+                                            <p:cond delay="0"/>
+                                          </p:stCondLst>
+                                        </p:cTn>
+                                        <p:tgtEl>
+                                          <p:spTgt spid="11"/>
+                                        </p:tgtEl>
+                                        <p:attrNameLst>
+                                          <p:attrName>style.visibility</p:attrName>
+                                        </p:attrNameLst>
+                                      </p:cBhvr>
+                                      <p:to>
+                                        <p:strVal val="visible"/>
+                                      </p:to>
+                                    </p:set>
+                                  </p:childTnLst>
+                                </p:cTn>
+                              </p:par>
+                            </p:childTnLst>
+                          </p:cTn>
+                        </p:par>
+                      </p:childTnLst>
+                    </p:cTn>
+                  </p:par>
+                  <p:par>
+                    <p:cTn id="23" fill="hold">
+                      <p:stCondLst>
+                        <p:cond delay="indefinite"/>
+                      </p:stCondLst>
+                      <p:childTnLst>
+                        <p:par>
+                          <p:cTn id="24" fill="hold">
+                            <p:stCondLst>
+                              <p:cond delay="0"/>
+                            </p:stCondLst>
+                            <p:childTnLst>
+                              <p:par>
+                                <p:cTn id="25" presetID="1" presetClass="exit" presetSubtype="0" fill="hold" grpId="1" nodeType="clickEffect">
+                                  <p:stCondLst>
+                                    <p:cond delay="0"/>
+                                  </p:stCondLst>
+                                  <p:childTnLst>
+                                    <p:set>
+                                      <p:cBhvr>
+                                        <p:cTn id="26" dur="1" fill="hold">
+                                          <p:stCondLst>
+                                            <p:cond delay="0"/>
+                                          </p:stCondLst>
+                                        </p:cTn>
+                                        <p:tgtEl>
+                                          <p:spTgt spid="11"/>
+                                        </p:tgtEl>
+                                        <p:attrNameLst>
+                                          <p:attrName>style.visibility</p:attrName>
+                                        </p:attrNameLst>
+                                      </p:cBhvr>
+                                      <p:to>
+                                        <p:strVal val="hidden"/>
+                                      </p:to>
+                                    </p:set>
+                                  </p:childTnLst>
+                                </p:cTn>
+                              </p:par>
+                            </p:childTnLst>
+                          </p:cTn>
+                        </p:par>
+                      </p:childTnLst>
+                    </p:cTn>
+                  </p:par>
+                </p:childTnLst>
+              </p:cTn>
+              <p:prevCondLst>
+                <p:cond evt="onPrev" delay="0">
+                  <p:tgtEl>
+                    <p:sldTgt/>
+                  </p:tgtEl>
+                </p:cond>
+              </p:prevCondLst>
+              <p:nextCondLst>
+                <p:cond evt="onNext" delay="0">
+                  <p:tgtEl>
+                    <p:sldTgt/>
+                  </p:tgtEl>
+                </p:cond>
+              </p:nextCondLst>
+            </p:seq>
+          </p:childTnLst>
+        </p:cTn>
+      </p:par>
+    </p:tnLst>
+    <p:bldLst>
+      <p:bldP spid="3" grpId="0" animBg="1"/>
+      <p:bldP spid="3" grpId="1" animBg="1"/>
+      <p:bldP spid="9" grpId="0" animBg="1"/>
+      <p:bldP spid="9" grpId="1" animBg="1"/>
+      <p:bldP spid="10" grpId="0" animBg="1"/>
+      <p:bldP spid="10" grpId="1" animBg="1"/>
+      <p:bldP spid="11" grpId="0" animBg="1"/>
+      <p:bldP spid="11" grpId="1" animBg="1"/>
+    </p:bldLst>
+  </p:timing>
 </p:sld>
 </file>
 
@@ -9578,7 +11334,7 @@
           <p:nvPr/>
         </p:nvPicPr>
         <p:blipFill>
-          <a:blip r:embed="rId2">
+          <a:blip r:embed="rId3">
             <a:extLst>
               <a:ext uri="{28A0092B-C50C-407E-A947-70E740481C1C}">
                 <a14:useLocalDpi xmlns:a14="http://schemas.microsoft.com/office/drawing/2010/main" val="0"/>
@@ -9625,7 +11381,7 @@
           <p:nvPr/>
         </p:nvPicPr>
         <p:blipFill>
-          <a:blip r:embed="rId3">
+          <a:blip r:embed="rId4">
             <a:extLst>
               <a:ext uri="{28A0092B-C50C-407E-A947-70E740481C1C}">
                 <a14:useLocalDpi xmlns:a14="http://schemas.microsoft.com/office/drawing/2010/main" val="0"/>
@@ -9667,6 +11423,18 @@
   <p:clrMapOvr>
     <a:masterClrMapping/>
   </p:clrMapOvr>
+  <mc:AlternateContent xmlns:mc="http://schemas.openxmlformats.org/markup-compatibility/2006">
+    <mc:Choice xmlns:p14="http://schemas.microsoft.com/office/powerpoint/2010/main" Requires="p14">
+      <p:transition spd="med" p14:dur="700">
+        <p:fade/>
+      </p:transition>
+    </mc:Choice>
+    <mc:Fallback>
+      <p:transition spd="med">
+        <p:fade/>
+      </p:transition>
+    </mc:Fallback>
+  </mc:AlternateContent>
 </p:sld>
 </file>
 
@@ -10066,7 +11834,12 @@
             <p:ph idx="1"/>
           </p:nvPr>
         </p:nvSpPr>
-        <p:spPr/>
+        <p:spPr>
+          <a:xfrm>
+            <a:off x="1371600" y="2286000"/>
+            <a:ext cx="10149840" cy="3581400"/>
+          </a:xfrm>
+        </p:spPr>
         <p:txBody>
           <a:bodyPr/>
           <a:lstStyle/>
@@ -10626,7 +12399,7 @@
         </p:spPr>
         <p:txBody>
           <a:bodyPr>
-            <a:normAutofit lnSpcReduction="10000"/>
+            <a:normAutofit/>
           </a:bodyPr>
           <a:lstStyle/>
           <a:p>
@@ -10635,7 +12408,7 @@
                 <a:latin typeface="Calibri" panose="020F0502020204030204" pitchFamily="34" charset="0"/>
                 <a:cs typeface="Calibri" panose="020F0502020204030204" pitchFamily="34" charset="0"/>
               </a:rPr>
-              <a:t>Свыше 14</a:t>
+              <a:t>Около 15</a:t>
             </a:r>
             <a:r>
               <a:rPr lang="en-US" dirty="0">
@@ -10729,7 +12502,7 @@
                 <a:latin typeface="Calibri" panose="020F0502020204030204" pitchFamily="34" charset="0"/>
                 <a:cs typeface="Calibri" panose="020F0502020204030204" pitchFamily="34" charset="0"/>
               </a:rPr>
-              <a:t>8 классов с 24 методами и функциями для представления ДРАКОН-схем</a:t>
+              <a:t>8 классов, 24 метода и функций для представления ДРАКОН-схем</a:t>
             </a:r>
           </a:p>
           <a:p>
@@ -10739,21 +12512,7 @@
                 <a:latin typeface="Calibri" panose="020F0502020204030204" pitchFamily="34" charset="0"/>
                 <a:cs typeface="Calibri" panose="020F0502020204030204" pitchFamily="34" charset="0"/>
               </a:rPr>
-              <a:t>6 страниц интерфейсов на </a:t>
-            </a:r>
-            <a:r>
-              <a:rPr lang="en-US" dirty="0">
-                <a:latin typeface="Calibri" panose="020F0502020204030204" pitchFamily="34" charset="0"/>
-                <a:cs typeface="Calibri" panose="020F0502020204030204" pitchFamily="34" charset="0"/>
-              </a:rPr>
-              <a:t>React-router</a:t>
-            </a:r>
-            <a:r>
-              <a:rPr lang="ru-RU" dirty="0">
-                <a:latin typeface="Calibri" panose="020F0502020204030204" pitchFamily="34" charset="0"/>
-                <a:cs typeface="Calibri" panose="020F0502020204030204" pitchFamily="34" charset="0"/>
-              </a:rPr>
-              <a:t> для отображения динамически изменяющегося контента.</a:t>
+              <a:t>6 страниц интерфейсов</a:t>
             </a:r>
           </a:p>
         </p:txBody>
@@ -11149,6 +12908,18 @@
   <p:clrMapOvr>
     <a:masterClrMapping/>
   </p:clrMapOvr>
+  <mc:AlternateContent xmlns:mc="http://schemas.openxmlformats.org/markup-compatibility/2006">
+    <mc:Choice xmlns:p14="http://schemas.microsoft.com/office/powerpoint/2010/main" Requires="p14">
+      <p:transition spd="med" p14:dur="700">
+        <p:fade/>
+      </p:transition>
+    </mc:Choice>
+    <mc:Fallback>
+      <p:transition spd="med">
+        <p:fade/>
+      </p:transition>
+    </mc:Fallback>
+  </mc:AlternateContent>
 </p:sld>
 </file>
 
@@ -11398,6 +13169,18 @@
   <p:clrMapOvr>
     <a:masterClrMapping/>
   </p:clrMapOvr>
+  <mc:AlternateContent xmlns:mc="http://schemas.openxmlformats.org/markup-compatibility/2006">
+    <mc:Choice xmlns:p14="http://schemas.microsoft.com/office/powerpoint/2010/main" Requires="p14">
+      <p:transition spd="med" p14:dur="700">
+        <p:fade/>
+      </p:transition>
+    </mc:Choice>
+    <mc:Fallback>
+      <p:transition spd="med">
+        <p:fade/>
+      </p:transition>
+    </mc:Fallback>
+  </mc:AlternateContent>
 </p:sld>
 </file>
 
@@ -11540,6 +13323,18 @@
   <p:clrMapOvr>
     <a:masterClrMapping/>
   </p:clrMapOvr>
+  <mc:AlternateContent xmlns:mc="http://schemas.openxmlformats.org/markup-compatibility/2006">
+    <mc:Choice xmlns:p14="http://schemas.microsoft.com/office/powerpoint/2010/main" Requires="p14">
+      <p:transition spd="med" p14:dur="700">
+        <p:fade/>
+      </p:transition>
+    </mc:Choice>
+    <mc:Fallback>
+      <p:transition spd="med">
+        <p:fade/>
+      </p:transition>
+    </mc:Fallback>
+  </mc:AlternateContent>
 </p:sld>
 </file>
 
@@ -12328,6 +14123,18 @@
   <p:clrMapOvr>
     <a:masterClrMapping/>
   </p:clrMapOvr>
+  <mc:AlternateContent xmlns:mc="http://schemas.openxmlformats.org/markup-compatibility/2006">
+    <mc:Choice xmlns:p14="http://schemas.microsoft.com/office/powerpoint/2010/main" Requires="p14">
+      <p:transition spd="med" p14:dur="700">
+        <p:fade/>
+      </p:transition>
+    </mc:Choice>
+    <mc:Fallback>
+      <p:transition spd="med">
+        <p:fade/>
+      </p:transition>
+    </mc:Fallback>
+  </mc:AlternateContent>
 </p:sld>
 </file>
 
